--- a/Change Management.pptx
+++ b/Change Management.pptx
@@ -2,7 +2,7 @@
 <file path=ppt/presentation.xml><?xml version="1.0" encoding="utf-8"?>
 <p:presentation xmlns:a="http://schemas.openxmlformats.org/drawingml/2006/main" xmlns:r="http://schemas.openxmlformats.org/officeDocument/2006/relationships" xmlns:p="http://schemas.openxmlformats.org/presentationml/2006/main" autoCompressPictures="0">
   <p:sldMasterIdLst>
-    <p:sldMasterId id="2147483648" r:id="rId1"/>
+    <p:sldMasterId id="2147483669" r:id="rId1"/>
   </p:sldMasterIdLst>
   <p:sldIdLst>
     <p:sldId id="256" r:id="rId2"/>
@@ -130,7 +130,7 @@
 </file>
 
 <file path=ppt/slideLayouts/slideLayout1.xml><?xml version="1.0" encoding="utf-8"?>
-<p:sldLayout xmlns:a="http://schemas.openxmlformats.org/drawingml/2006/main" xmlns:r="http://schemas.openxmlformats.org/officeDocument/2006/relationships" xmlns:p="http://schemas.openxmlformats.org/presentationml/2006/main" type="title" preserve="1">
+<p:sldLayout xmlns:a="http://schemas.openxmlformats.org/drawingml/2006/main" xmlns:r="http://schemas.openxmlformats.org/officeDocument/2006/relationships" xmlns:p="http://schemas.openxmlformats.org/presentationml/2006/main" showMasterSp="0" type="title" preserve="1">
   <p:cSld name="Title Slide">
     <p:spTree>
       <p:nvGrpSpPr>
@@ -146,218 +146,414 @@
           <a:chExt cx="0" cy="0"/>
         </a:xfrm>
       </p:grpSpPr>
-      <p:pic>
-        <p:nvPicPr>
-          <p:cNvPr id="8" name="Picture 7" descr="C2-HD-BTM.png"/>
-          <p:cNvPicPr>
-            <a:picLocks noChangeAspect="1"/>
-          </p:cNvPicPr>
+      <p:grpSp>
+        <p:nvGrpSpPr>
+          <p:cNvPr id="7" name="Group 6"/>
+          <p:cNvGrpSpPr/>
           <p:nvPr/>
-        </p:nvPicPr>
-        <p:blipFill>
-          <a:blip r:embed="rId2">
-            <a:extLst>
-              <a:ext uri="{28A0092B-C50C-407E-A947-70E740481C1C}">
-                <a14:useLocalDpi xmlns:a14="http://schemas.microsoft.com/office/drawing/2010/main" val="0"/>
-              </a:ext>
-            </a:extLst>
-          </a:blip>
-          <a:stretch>
-            <a:fillRect/>
-          </a:stretch>
-        </p:blipFill>
+        </p:nvGrpSpPr>
+        <p:grpSpPr>
+          <a:xfrm>
+            <a:off x="-16934" y="0"/>
+            <a:ext cx="12231160" cy="6856214"/>
+            <a:chOff x="-16934" y="0"/>
+            <a:chExt cx="12231160" cy="6856214"/>
+          </a:xfrm>
+        </p:grpSpPr>
+        <p:pic>
+          <p:nvPicPr>
+            <p:cNvPr id="16" name="Picture 15" descr="HD-PanelTitleR1.png"/>
+            <p:cNvPicPr>
+              <a:picLocks noChangeAspect="1"/>
+            </p:cNvPicPr>
+            <p:nvPr/>
+          </p:nvPicPr>
+          <p:blipFill>
+            <a:blip r:embed="rId2">
+              <a:extLst>
+                <a:ext uri="{28A0092B-C50C-407E-A947-70E740481C1C}">
+                  <a14:useLocalDpi xmlns:a14="http://schemas.microsoft.com/office/drawing/2010/main" val="0"/>
+                </a:ext>
+              </a:extLst>
+            </a:blip>
+            <a:stretch>
+              <a:fillRect/>
+            </a:stretch>
+          </p:blipFill>
+          <p:spPr>
+            <a:xfrm>
+              <a:off x="0" y="0"/>
+              <a:ext cx="12188825" cy="6856214"/>
+            </a:xfrm>
+            <a:prstGeom prst="rect">
+              <a:avLst/>
+            </a:prstGeom>
+          </p:spPr>
+        </p:pic>
+        <p:sp>
+          <p:nvSpPr>
+            <p:cNvPr id="26" name="Rectangle 25"/>
+            <p:cNvSpPr/>
+            <p:nvPr/>
+          </p:nvSpPr>
+          <p:spPr>
+            <a:xfrm>
+              <a:off x="2328332" y="1540931"/>
+              <a:ext cx="7543802" cy="3835401"/>
+            </a:xfrm>
+            <a:prstGeom prst="rect">
+              <a:avLst/>
+            </a:prstGeom>
+            <a:noFill/>
+            <a:ln w="15875">
+              <a:miter lim="800000"/>
+            </a:ln>
+          </p:spPr>
+          <p:style>
+            <a:lnRef idx="1">
+              <a:schemeClr val="accent1"/>
+            </a:lnRef>
+            <a:fillRef idx="3">
+              <a:schemeClr val="accent1"/>
+            </a:fillRef>
+            <a:effectRef idx="2">
+              <a:schemeClr val="accent1"/>
+            </a:effectRef>
+            <a:fontRef idx="minor">
+              <a:schemeClr val="lt1"/>
+            </a:fontRef>
+          </p:style>
+        </p:sp>
+        <p:pic>
+          <p:nvPicPr>
+            <p:cNvPr id="17" name="Picture 16" descr="HDRibbonTitle-UniformTrim.png"/>
+            <p:cNvPicPr>
+              <a:picLocks noChangeAspect="1"/>
+            </p:cNvPicPr>
+            <p:nvPr/>
+          </p:nvPicPr>
+          <p:blipFill rotWithShape="1">
+            <a:blip r:embed="rId3">
+              <a:extLst>
+                <a:ext uri="{28A0092B-C50C-407E-A947-70E740481C1C}">
+                  <a14:useLocalDpi xmlns:a14="http://schemas.microsoft.com/office/drawing/2010/main" val="0"/>
+                </a:ext>
+              </a:extLst>
+            </a:blip>
+            <a:srcRect/>
+            <a:stretch/>
+          </p:blipFill>
+          <p:spPr>
+            <a:xfrm>
+              <a:off x="-16934" y="3147609"/>
+              <a:ext cx="2478024" cy="612648"/>
+            </a:xfrm>
+            <a:prstGeom prst="rect">
+              <a:avLst/>
+            </a:prstGeom>
+          </p:spPr>
+        </p:pic>
+        <p:pic>
+          <p:nvPicPr>
+            <p:cNvPr id="20" name="Picture 19" descr="HDRibbonTitle-UniformTrim.png"/>
+            <p:cNvPicPr>
+              <a:picLocks noChangeAspect="1"/>
+            </p:cNvPicPr>
+            <p:nvPr/>
+          </p:nvPicPr>
+          <p:blipFill rotWithShape="1">
+            <a:blip r:embed="rId3">
+              <a:extLst>
+                <a:ext uri="{28A0092B-C50C-407E-A947-70E740481C1C}">
+                  <a14:useLocalDpi xmlns:a14="http://schemas.microsoft.com/office/drawing/2010/main" val="0"/>
+                </a:ext>
+              </a:extLst>
+            </a:blip>
+            <a:srcRect/>
+            <a:stretch/>
+          </p:blipFill>
+          <p:spPr>
+            <a:xfrm>
+              <a:off x="9736202" y="3147609"/>
+              <a:ext cx="2478024" cy="612648"/>
+            </a:xfrm>
+            <a:prstGeom prst="rect">
+              <a:avLst/>
+            </a:prstGeom>
+          </p:spPr>
+        </p:pic>
+      </p:grpSp>
+      <p:sp>
+        <p:nvSpPr>
+          <p:cNvPr id="2" name="Title 1"/>
+          <p:cNvSpPr>
+            <a:spLocks noGrp="1"/>
+          </p:cNvSpPr>
+          <p:nvPr>
+            <p:ph type="ctrTitle"/>
+          </p:nvPr>
+        </p:nvSpPr>
         <p:spPr>
           <a:xfrm>
-            <a:off x="0" y="4375150"/>
-            <a:ext cx="12192000" cy="2482850"/>
-          </a:xfrm>
-          <a:prstGeom prst="rect">
+            <a:off x="2692398" y="1871131"/>
+            <a:ext cx="6815669" cy="1515533"/>
+          </a:xfrm>
+        </p:spPr>
+        <p:txBody>
+          <a:bodyPr anchor="b">
+            <a:noAutofit/>
+          </a:bodyPr>
+          <a:lstStyle>
+            <a:lvl1pPr algn="ctr">
+              <a:defRPr sz="5400">
+                <a:effectLst/>
+              </a:defRPr>
+            </a:lvl1pPr>
+          </a:lstStyle>
+          <a:p>
+            <a:r>
+              <a:rPr lang="en-US" smtClean="0"/>
+              <a:t>Click to edit Master title style</a:t>
+            </a:r>
+            <a:endParaRPr lang="en-US" dirty="0"/>
+          </a:p>
+        </p:txBody>
+      </p:sp>
+      <p:sp>
+        <p:nvSpPr>
+          <p:cNvPr id="3" name="Subtitle 2"/>
+          <p:cNvSpPr>
+            <a:spLocks noGrp="1"/>
+          </p:cNvSpPr>
+          <p:nvPr>
+            <p:ph type="subTitle" idx="1"/>
+          </p:nvPr>
+        </p:nvSpPr>
+        <p:spPr>
+          <a:xfrm>
+            <a:off x="2692398" y="3657597"/>
+            <a:ext cx="6815669" cy="1320802"/>
+          </a:xfrm>
+        </p:spPr>
+        <p:txBody>
+          <a:bodyPr anchor="t">
+            <a:normAutofit/>
+          </a:bodyPr>
+          <a:lstStyle>
+            <a:lvl1pPr marL="0" indent="0" algn="ctr">
+              <a:buNone/>
+              <a:defRPr sz="2100">
+                <a:solidFill>
+                  <a:schemeClr val="tx1"/>
+                </a:solidFill>
+              </a:defRPr>
+            </a:lvl1pPr>
+            <a:lvl2pPr marL="457200" indent="0" algn="ctr">
+              <a:buNone/>
+              <a:defRPr>
+                <a:solidFill>
+                  <a:schemeClr val="tx1">
+                    <a:tint val="75000"/>
+                  </a:schemeClr>
+                </a:solidFill>
+              </a:defRPr>
+            </a:lvl2pPr>
+            <a:lvl3pPr marL="914400" indent="0" algn="ctr">
+              <a:buNone/>
+              <a:defRPr>
+                <a:solidFill>
+                  <a:schemeClr val="tx1">
+                    <a:tint val="75000"/>
+                  </a:schemeClr>
+                </a:solidFill>
+              </a:defRPr>
+            </a:lvl3pPr>
+            <a:lvl4pPr marL="1371600" indent="0" algn="ctr">
+              <a:buNone/>
+              <a:defRPr>
+                <a:solidFill>
+                  <a:schemeClr val="tx1">
+                    <a:tint val="75000"/>
+                  </a:schemeClr>
+                </a:solidFill>
+              </a:defRPr>
+            </a:lvl4pPr>
+            <a:lvl5pPr marL="1828800" indent="0" algn="ctr">
+              <a:buNone/>
+              <a:defRPr>
+                <a:solidFill>
+                  <a:schemeClr val="tx1">
+                    <a:tint val="75000"/>
+                  </a:schemeClr>
+                </a:solidFill>
+              </a:defRPr>
+            </a:lvl5pPr>
+            <a:lvl6pPr marL="2286000" indent="0" algn="ctr">
+              <a:buNone/>
+              <a:defRPr>
+                <a:solidFill>
+                  <a:schemeClr val="tx1">
+                    <a:tint val="75000"/>
+                  </a:schemeClr>
+                </a:solidFill>
+              </a:defRPr>
+            </a:lvl6pPr>
+            <a:lvl7pPr marL="2743200" indent="0" algn="ctr">
+              <a:buNone/>
+              <a:defRPr>
+                <a:solidFill>
+                  <a:schemeClr val="tx1">
+                    <a:tint val="75000"/>
+                  </a:schemeClr>
+                </a:solidFill>
+              </a:defRPr>
+            </a:lvl7pPr>
+            <a:lvl8pPr marL="3200400" indent="0" algn="ctr">
+              <a:buNone/>
+              <a:defRPr>
+                <a:solidFill>
+                  <a:schemeClr val="tx1">
+                    <a:tint val="75000"/>
+                  </a:schemeClr>
+                </a:solidFill>
+              </a:defRPr>
+            </a:lvl8pPr>
+            <a:lvl9pPr marL="3657600" indent="0" algn="ctr">
+              <a:buNone/>
+              <a:defRPr>
+                <a:solidFill>
+                  <a:schemeClr val="tx1">
+                    <a:tint val="75000"/>
+                  </a:schemeClr>
+                </a:solidFill>
+              </a:defRPr>
+            </a:lvl9pPr>
+          </a:lstStyle>
+          <a:p>
+            <a:r>
+              <a:rPr lang="en-US" smtClean="0"/>
+              <a:t>Click to edit Master subtitle style</a:t>
+            </a:r>
+            <a:endParaRPr lang="en-US" dirty="0"/>
+          </a:p>
+        </p:txBody>
+      </p:sp>
+      <p:sp>
+        <p:nvSpPr>
+          <p:cNvPr id="4" name="Date Placeholder 3"/>
+          <p:cNvSpPr>
+            <a:spLocks noGrp="1"/>
+          </p:cNvSpPr>
+          <p:nvPr>
+            <p:ph type="dt" sz="half" idx="10"/>
+          </p:nvPr>
+        </p:nvSpPr>
+        <p:spPr>
+          <a:xfrm>
+            <a:off x="7983232" y="5037663"/>
+            <a:ext cx="897467" cy="279400"/>
+          </a:xfrm>
+        </p:spPr>
+        <p:txBody>
+          <a:bodyPr/>
+          <a:lstStyle/>
+          <a:p>
+            <a:fld id="{48A87A34-81AB-432B-8DAE-1953F412C126}" type="datetimeFigureOut">
+              <a:rPr lang="en-US" smtClean="0"/>
+              <a:t>3/2/2018</a:t>
+            </a:fld>
+            <a:endParaRPr lang="en-US" dirty="0"/>
+          </a:p>
+        </p:txBody>
+      </p:sp>
+      <p:sp>
+        <p:nvSpPr>
+          <p:cNvPr id="5" name="Footer Placeholder 4"/>
+          <p:cNvSpPr>
+            <a:spLocks noGrp="1"/>
+          </p:cNvSpPr>
+          <p:nvPr>
+            <p:ph type="ftr" sz="quarter" idx="11"/>
+          </p:nvPr>
+        </p:nvSpPr>
+        <p:spPr>
+          <a:xfrm>
+            <a:off x="2692397" y="5037663"/>
+            <a:ext cx="5214635" cy="279400"/>
+          </a:xfrm>
+        </p:spPr>
+        <p:txBody>
+          <a:bodyPr/>
+          <a:lstStyle/>
+          <a:p>
+            <a:endParaRPr lang="en-US" dirty="0"/>
+          </a:p>
+        </p:txBody>
+      </p:sp>
+      <p:sp>
+        <p:nvSpPr>
+          <p:cNvPr id="6" name="Slide Number Placeholder 5"/>
+          <p:cNvSpPr>
+            <a:spLocks noGrp="1"/>
+          </p:cNvSpPr>
+          <p:nvPr>
+            <p:ph type="sldNum" sz="quarter" idx="12"/>
+          </p:nvPr>
+        </p:nvSpPr>
+        <p:spPr>
+          <a:xfrm>
+            <a:off x="8956900" y="5037663"/>
+            <a:ext cx="551167" cy="279400"/>
+          </a:xfrm>
+        </p:spPr>
+        <p:txBody>
+          <a:bodyPr/>
+          <a:lstStyle/>
+          <a:p>
+            <a:fld id="{6D22F896-40B5-4ADD-8801-0D06FADFA095}" type="slidenum">
+              <a:rPr lang="en-US" smtClean="0"/>
+              <a:t>‹#›</a:t>
+            </a:fld>
+            <a:endParaRPr lang="en-US" dirty="0"/>
+          </a:p>
+        </p:txBody>
+      </p:sp>
+      <p:cxnSp>
+        <p:nvCxnSpPr>
+          <p:cNvPr id="15" name="Straight Connector 14"/>
+          <p:cNvCxnSpPr/>
+          <p:nvPr/>
+        </p:nvCxnSpPr>
+        <p:spPr>
+          <a:xfrm>
+            <a:off x="2692399" y="3522131"/>
+            <a:ext cx="6815668" cy="0"/>
+          </a:xfrm>
+          <a:prstGeom prst="line">
             <a:avLst/>
           </a:prstGeom>
         </p:spPr>
-      </p:pic>
-      <p:sp>
-        <p:nvSpPr>
-          <p:cNvPr id="2" name="Title 1"/>
-          <p:cNvSpPr>
-            <a:spLocks noGrp="1"/>
-          </p:cNvSpPr>
-          <p:nvPr>
-            <p:ph type="ctrTitle"/>
-          </p:nvPr>
-        </p:nvSpPr>
-        <p:spPr>
-          <a:xfrm>
-            <a:off x="1371600" y="1803405"/>
-            <a:ext cx="9448800" cy="1825096"/>
-          </a:xfrm>
-        </p:spPr>
-        <p:txBody>
-          <a:bodyPr anchor="b">
-            <a:normAutofit/>
-          </a:bodyPr>
-          <a:lstStyle>
-            <a:lvl1pPr algn="l">
-              <a:defRPr sz="6000"/>
-            </a:lvl1pPr>
-          </a:lstStyle>
-          <a:p>
-            <a:r>
-              <a:rPr lang="en-US" smtClean="0"/>
-              <a:t>Click to edit Master title style</a:t>
-            </a:r>
-            <a:endParaRPr lang="en-US" dirty="0"/>
-          </a:p>
-        </p:txBody>
-      </p:sp>
-      <p:sp>
-        <p:nvSpPr>
-          <p:cNvPr id="3" name="Subtitle 2"/>
-          <p:cNvSpPr>
-            <a:spLocks noGrp="1"/>
-          </p:cNvSpPr>
-          <p:nvPr>
-            <p:ph type="subTitle" idx="1"/>
-          </p:nvPr>
-        </p:nvSpPr>
-        <p:spPr>
-          <a:xfrm>
-            <a:off x="1371600" y="3632201"/>
-            <a:ext cx="9448800" cy="685800"/>
-          </a:xfrm>
-        </p:spPr>
-        <p:txBody>
-          <a:bodyPr>
-            <a:normAutofit/>
-          </a:bodyPr>
-          <a:lstStyle>
-            <a:lvl1pPr marL="0" indent="0" algn="l">
-              <a:buNone/>
-              <a:defRPr sz="2000"/>
-            </a:lvl1pPr>
-            <a:lvl2pPr marL="457200" indent="0" algn="ctr">
-              <a:buNone/>
-              <a:defRPr sz="2000"/>
-            </a:lvl2pPr>
-            <a:lvl3pPr marL="914400" indent="0" algn="ctr">
-              <a:buNone/>
-              <a:defRPr sz="1800"/>
-            </a:lvl3pPr>
-            <a:lvl4pPr marL="1371600" indent="0" algn="ctr">
-              <a:buNone/>
-              <a:defRPr sz="1600"/>
-            </a:lvl4pPr>
-            <a:lvl5pPr marL="1828800" indent="0" algn="ctr">
-              <a:buNone/>
-              <a:defRPr sz="1600"/>
-            </a:lvl5pPr>
-            <a:lvl6pPr marL="2286000" indent="0" algn="ctr">
-              <a:buNone/>
-              <a:defRPr sz="1600"/>
-            </a:lvl6pPr>
-            <a:lvl7pPr marL="2743200" indent="0" algn="ctr">
-              <a:buNone/>
-              <a:defRPr sz="1600"/>
-            </a:lvl7pPr>
-            <a:lvl8pPr marL="3200400" indent="0" algn="ctr">
-              <a:buNone/>
-              <a:defRPr sz="1600"/>
-            </a:lvl8pPr>
-            <a:lvl9pPr marL="3657600" indent="0" algn="ctr">
-              <a:buNone/>
-              <a:defRPr sz="1600"/>
-            </a:lvl9pPr>
-          </a:lstStyle>
-          <a:p>
-            <a:r>
-              <a:rPr lang="en-US" smtClean="0"/>
-              <a:t>Click to edit Master subtitle style</a:t>
-            </a:r>
-            <a:endParaRPr lang="en-US" dirty="0"/>
-          </a:p>
-        </p:txBody>
-      </p:sp>
-      <p:sp>
-        <p:nvSpPr>
-          <p:cNvPr id="4" name="Date Placeholder 3"/>
-          <p:cNvSpPr>
-            <a:spLocks noGrp="1"/>
-          </p:cNvSpPr>
-          <p:nvPr>
-            <p:ph type="dt" sz="half" idx="10"/>
-          </p:nvPr>
-        </p:nvSpPr>
-        <p:spPr>
-          <a:xfrm>
-            <a:off x="7909561" y="4314328"/>
-            <a:ext cx="2910840" cy="374642"/>
-          </a:xfrm>
-        </p:spPr>
-        <p:txBody>
-          <a:bodyPr/>
-          <a:lstStyle/>
-          <a:p>
-            <a:fld id="{48A87A34-81AB-432B-8DAE-1953F412C126}" type="datetimeFigureOut">
-              <a:rPr lang="en-US" dirty="0"/>
-              <a:t>3/1/2018</a:t>
-            </a:fld>
-            <a:endParaRPr lang="en-US" dirty="0"/>
-          </a:p>
-        </p:txBody>
-      </p:sp>
-      <p:sp>
-        <p:nvSpPr>
-          <p:cNvPr id="5" name="Footer Placeholder 4"/>
-          <p:cNvSpPr>
-            <a:spLocks noGrp="1"/>
-          </p:cNvSpPr>
-          <p:nvPr>
-            <p:ph type="ftr" sz="quarter" idx="11"/>
-          </p:nvPr>
-        </p:nvSpPr>
-        <p:spPr>
-          <a:xfrm>
-            <a:off x="1371600" y="4323845"/>
-            <a:ext cx="6400800" cy="365125"/>
-          </a:xfrm>
-        </p:spPr>
-        <p:txBody>
-          <a:bodyPr/>
-          <a:lstStyle/>
-          <a:p>
-            <a:endParaRPr lang="en-US" dirty="0"/>
-          </a:p>
-        </p:txBody>
-      </p:sp>
-      <p:sp>
-        <p:nvSpPr>
-          <p:cNvPr id="6" name="Slide Number Placeholder 5"/>
-          <p:cNvSpPr>
-            <a:spLocks noGrp="1"/>
-          </p:cNvSpPr>
-          <p:nvPr>
-            <p:ph type="sldNum" sz="quarter" idx="12"/>
-          </p:nvPr>
-        </p:nvSpPr>
-        <p:spPr>
-          <a:xfrm>
-            <a:off x="8077200" y="1430866"/>
-            <a:ext cx="2743200" cy="365125"/>
-          </a:xfrm>
-        </p:spPr>
-        <p:txBody>
-          <a:bodyPr/>
-          <a:lstStyle/>
-          <a:p>
-            <a:fld id="{6D22F896-40B5-4ADD-8801-0D06FADFA095}" type="slidenum">
-              <a:rPr lang="en-US" dirty="0"/>
-              <a:t>‹#›</a:t>
-            </a:fld>
-            <a:endParaRPr lang="en-US" dirty="0"/>
-          </a:p>
-        </p:txBody>
-      </p:sp>
+        <p:style>
+          <a:lnRef idx="2">
+            <a:schemeClr val="accent1"/>
+          </a:lnRef>
+          <a:fillRef idx="0">
+            <a:schemeClr val="accent1"/>
+          </a:fillRef>
+          <a:effectRef idx="1">
+            <a:schemeClr val="accent1"/>
+          </a:effectRef>
+          <a:fontRef idx="minor">
+            <a:schemeClr val="tx1"/>
+          </a:fontRef>
+        </p:style>
+      </p:cxnSp>
     </p:spTree>
+    <p:extLst>
+      <p:ext uri="{BB962C8B-B14F-4D97-AF65-F5344CB8AC3E}">
+        <p14:creationId xmlns:p14="http://schemas.microsoft.com/office/powerpoint/2010/main" val="2586011653"/>
+      </p:ext>
+    </p:extLst>
   </p:cSld>
   <p:clrMapOvr>
     <a:masterClrMapping/>
@@ -394,15 +590,17 @@
         </p:nvSpPr>
         <p:spPr>
           <a:xfrm>
-            <a:off x="685777" y="4697360"/>
-            <a:ext cx="10822034" cy="819355"/>
+            <a:off x="1295401" y="4815415"/>
+            <a:ext cx="9609666" cy="566738"/>
           </a:xfrm>
         </p:spPr>
         <p:txBody>
-          <a:bodyPr anchor="b"/>
+          <a:bodyPr anchor="b">
+            <a:normAutofit/>
+          </a:bodyPr>
           <a:lstStyle>
-            <a:lvl1pPr algn="l">
-              <a:defRPr sz="3200"/>
+            <a:lvl1pPr algn="ctr">
+              <a:defRPr sz="2400" b="0"/>
             </a:lvl1pPr>
           </a:lstStyle>
           <a:p>
@@ -426,116 +624,141 @@
         </p:nvSpPr>
         <p:spPr>
           <a:xfrm>
-            <a:off x="681727" y="941439"/>
-            <a:ext cx="10821840" cy="3478161"/>
-          </a:xfrm>
+            <a:off x="1041427" y="1041399"/>
+            <a:ext cx="10105972" cy="3335869"/>
+          </a:xfrm>
+          <a:prstGeom prst="roundRect">
+            <a:avLst>
+              <a:gd name="adj" fmla="val 0"/>
+            </a:avLst>
+          </a:prstGeom>
+          <a:ln w="57150" cmpd="thickThin">
+            <a:solidFill>
+              <a:schemeClr val="tx1">
+                <a:lumMod val="50000"/>
+                <a:lumOff val="50000"/>
+              </a:schemeClr>
+            </a:solidFill>
+            <a:miter lim="800000"/>
+          </a:ln>
+          <a:effectLst>
+            <a:innerShdw blurRad="57150" dist="38100" dir="14460000">
+              <a:srgbClr val="000000">
+                <a:alpha val="70000"/>
+              </a:srgbClr>
+            </a:innerShdw>
+          </a:effectLst>
         </p:spPr>
         <p:txBody>
-          <a:bodyPr anchor="t"/>
+          <a:bodyPr anchor="t">
+            <a:normAutofit/>
+          </a:bodyPr>
           <a:lstStyle>
-            <a:lvl1pPr marL="0" indent="0">
-              <a:buNone/>
-              <a:defRPr sz="3200"/>
-            </a:lvl1pPr>
-            <a:lvl2pPr marL="457200" indent="0">
-              <a:buNone/>
-              <a:defRPr sz="2800"/>
-            </a:lvl2pPr>
-            <a:lvl3pPr marL="914400" indent="0">
-              <a:buNone/>
-              <a:defRPr sz="2400"/>
-            </a:lvl3pPr>
-            <a:lvl4pPr marL="1371600" indent="0">
-              <a:buNone/>
-              <a:defRPr sz="2000"/>
-            </a:lvl4pPr>
-            <a:lvl5pPr marL="1828800" indent="0">
-              <a:buNone/>
-              <a:defRPr sz="2000"/>
-            </a:lvl5pPr>
-            <a:lvl6pPr marL="2286000" indent="0">
-              <a:buNone/>
-              <a:defRPr sz="2000"/>
-            </a:lvl6pPr>
-            <a:lvl7pPr marL="2743200" indent="0">
-              <a:buNone/>
-              <a:defRPr sz="2000"/>
-            </a:lvl7pPr>
-            <a:lvl8pPr marL="3200400" indent="0">
-              <a:buNone/>
-              <a:defRPr sz="2000"/>
-            </a:lvl8pPr>
-            <a:lvl9pPr marL="3657600" indent="0">
-              <a:buNone/>
-              <a:defRPr sz="2000"/>
-            </a:lvl9pPr>
-          </a:lstStyle>
-          <a:p>
-            <a:r>
-              <a:rPr lang="en-US" smtClean="0"/>
-              <a:t>Click icon to add picture</a:t>
-            </a:r>
-            <a:endParaRPr lang="en-US" dirty="0"/>
-          </a:p>
-        </p:txBody>
-      </p:sp>
-      <p:sp>
-        <p:nvSpPr>
-          <p:cNvPr id="4" name="Text Placeholder 3"/>
-          <p:cNvSpPr>
-            <a:spLocks noGrp="1"/>
-          </p:cNvSpPr>
-          <p:nvPr>
-            <p:ph type="body" sz="half" idx="2"/>
-          </p:nvPr>
-        </p:nvSpPr>
-        <p:spPr>
-          <a:xfrm>
-            <a:off x="685800" y="5516715"/>
-            <a:ext cx="10820400" cy="701969"/>
-          </a:xfrm>
-        </p:spPr>
-        <p:txBody>
-          <a:bodyPr/>
-          <a:lstStyle>
-            <a:lvl1pPr marL="0" indent="0" algn="l">
+            <a:lvl1pPr marL="0" indent="0" algn="ctr">
               <a:buNone/>
               <a:defRPr sz="1600"/>
             </a:lvl1pPr>
             <a:lvl2pPr marL="457200" indent="0">
               <a:buNone/>
-              <a:defRPr sz="1400"/>
+              <a:defRPr sz="1600"/>
             </a:lvl2pPr>
             <a:lvl3pPr marL="914400" indent="0">
               <a:buNone/>
-              <a:defRPr sz="1200"/>
+              <a:defRPr sz="1600"/>
             </a:lvl3pPr>
             <a:lvl4pPr marL="1371600" indent="0">
               <a:buNone/>
-              <a:defRPr sz="1000"/>
+              <a:defRPr sz="1600"/>
             </a:lvl4pPr>
             <a:lvl5pPr marL="1828800" indent="0">
               <a:buNone/>
-              <a:defRPr sz="1000"/>
+              <a:defRPr sz="1600"/>
             </a:lvl5pPr>
             <a:lvl6pPr marL="2286000" indent="0">
               <a:buNone/>
-              <a:defRPr sz="1000"/>
+              <a:defRPr sz="1600"/>
             </a:lvl6pPr>
             <a:lvl7pPr marL="2743200" indent="0">
               <a:buNone/>
-              <a:defRPr sz="1000"/>
+              <a:defRPr sz="1600"/>
             </a:lvl7pPr>
             <a:lvl8pPr marL="3200400" indent="0">
               <a:buNone/>
-              <a:defRPr sz="1000"/>
+              <a:defRPr sz="1600"/>
             </a:lvl8pPr>
             <a:lvl9pPr marL="3657600" indent="0">
               <a:buNone/>
-              <a:defRPr sz="1000"/>
+              <a:defRPr sz="1600"/>
             </a:lvl9pPr>
           </a:lstStyle>
           <a:p>
+            <a:r>
+              <a:rPr lang="en-US" smtClean="0"/>
+              <a:t>Click icon to add picture</a:t>
+            </a:r>
+            <a:endParaRPr lang="en-US" dirty="0"/>
+          </a:p>
+        </p:txBody>
+      </p:sp>
+      <p:sp>
+        <p:nvSpPr>
+          <p:cNvPr id="4" name="Text Placeholder 3"/>
+          <p:cNvSpPr>
+            <a:spLocks noGrp="1"/>
+          </p:cNvSpPr>
+          <p:nvPr>
+            <p:ph type="body" sz="half" idx="2"/>
+          </p:nvPr>
+        </p:nvSpPr>
+        <p:spPr>
+          <a:xfrm>
+            <a:off x="1295401" y="5382153"/>
+            <a:ext cx="9609666" cy="493712"/>
+          </a:xfrm>
+        </p:spPr>
+        <p:txBody>
+          <a:bodyPr>
+            <a:normAutofit/>
+          </a:bodyPr>
+          <a:lstStyle>
+            <a:lvl1pPr marL="0" indent="0" algn="ctr">
+              <a:buNone/>
+              <a:defRPr sz="1400"/>
+            </a:lvl1pPr>
+            <a:lvl2pPr marL="457200" indent="0">
+              <a:buNone/>
+              <a:defRPr sz="1200"/>
+            </a:lvl2pPr>
+            <a:lvl3pPr marL="914400" indent="0">
+              <a:buNone/>
+              <a:defRPr sz="1000"/>
+            </a:lvl3pPr>
+            <a:lvl4pPr marL="1371600" indent="0">
+              <a:buNone/>
+              <a:defRPr sz="900"/>
+            </a:lvl4pPr>
+            <a:lvl5pPr marL="1828800" indent="0">
+              <a:buNone/>
+              <a:defRPr sz="900"/>
+            </a:lvl5pPr>
+            <a:lvl6pPr marL="2286000" indent="0">
+              <a:buNone/>
+              <a:defRPr sz="900"/>
+            </a:lvl6pPr>
+            <a:lvl7pPr marL="2743200" indent="0">
+              <a:buNone/>
+              <a:defRPr sz="900"/>
+            </a:lvl7pPr>
+            <a:lvl8pPr marL="3200400" indent="0">
+              <a:buNone/>
+              <a:defRPr sz="900"/>
+            </a:lvl8pPr>
+            <a:lvl9pPr marL="3657600" indent="0">
+              <a:buNone/>
+              <a:defRPr sz="900"/>
+            </a:lvl9pPr>
+          </a:lstStyle>
+          <a:p>
             <a:pPr lvl="0"/>
             <a:r>
               <a:rPr lang="en-US" smtClean="0"/>
@@ -560,8 +783,8 @@
           <a:lstStyle/>
           <a:p>
             <a:fld id="{48A87A34-81AB-432B-8DAE-1953F412C126}" type="datetimeFigureOut">
-              <a:rPr lang="en-US" dirty="0"/>
-              <a:t>3/1/2018</a:t>
+              <a:rPr lang="en-US" smtClean="0"/>
+              <a:t>3/2/2018</a:t>
             </a:fld>
             <a:endParaRPr lang="en-US" dirty="0"/>
           </a:p>
@@ -602,7 +825,7 @@
           <a:lstStyle/>
           <a:p>
             <a:fld id="{6D22F896-40B5-4ADD-8801-0D06FADFA095}" type="slidenum">
-              <a:rPr lang="en-US" dirty="0"/>
+              <a:rPr lang="en-US" smtClean="0"/>
               <a:t>‹#›</a:t>
             </a:fld>
             <a:endParaRPr lang="en-US" dirty="0"/>
@@ -610,6 +833,11 @@
         </p:txBody>
       </p:sp>
     </p:spTree>
+    <p:extLst>
+      <p:ext uri="{BB962C8B-B14F-4D97-AF65-F5344CB8AC3E}">
+        <p14:creationId xmlns:p14="http://schemas.microsoft.com/office/powerpoint/2010/main" val="2498702832"/>
+      </p:ext>
+    </p:extLst>
   </p:cSld>
   <p:clrMapOvr>
     <a:masterClrMapping/>
@@ -618,7 +846,7 @@
 </file>
 
 <file path=ppt/slideLayouts/slideLayout11.xml><?xml version="1.0" encoding="utf-8"?>
-<p:sldLayout xmlns:a="http://schemas.openxmlformats.org/drawingml/2006/main" xmlns:r="http://schemas.openxmlformats.org/officeDocument/2006/relationships" xmlns:p="http://schemas.openxmlformats.org/presentationml/2006/main" showMasterSp="0" preserve="1">
+<p:sldLayout xmlns:a="http://schemas.openxmlformats.org/drawingml/2006/main" xmlns:r="http://schemas.openxmlformats.org/officeDocument/2006/relationships" xmlns:p="http://schemas.openxmlformats.org/presentationml/2006/main" preserve="1">
   <p:cSld name="Title and Caption">
     <p:spTree>
       <p:nvGrpSpPr>
@@ -634,219 +862,262 @@
           <a:chExt cx="0" cy="0"/>
         </a:xfrm>
       </p:grpSpPr>
-      <p:pic>
-        <p:nvPicPr>
-          <p:cNvPr id="9" name="Picture 8" descr="C2-HD-BTM.png"/>
-          <p:cNvPicPr>
-            <a:picLocks noChangeAspect="1"/>
-          </p:cNvPicPr>
+      <p:sp>
+        <p:nvSpPr>
+          <p:cNvPr id="2" name="Title 1"/>
+          <p:cNvSpPr>
+            <a:spLocks noGrp="1"/>
+          </p:cNvSpPr>
+          <p:nvPr>
+            <p:ph type="title"/>
+          </p:nvPr>
+        </p:nvSpPr>
+        <p:spPr>
+          <a:xfrm>
+            <a:off x="1303868" y="982132"/>
+            <a:ext cx="9592732" cy="2954868"/>
+          </a:xfrm>
+        </p:spPr>
+        <p:txBody>
+          <a:bodyPr anchor="ctr">
+            <a:normAutofit/>
+          </a:bodyPr>
+          <a:lstStyle>
+            <a:lvl1pPr algn="ctr">
+              <a:defRPr sz="3200" b="0" cap="none"/>
+            </a:lvl1pPr>
+          </a:lstStyle>
+          <a:p>
+            <a:r>
+              <a:rPr lang="en-US" smtClean="0"/>
+              <a:t>Click to edit Master title style</a:t>
+            </a:r>
+            <a:endParaRPr lang="en-US" dirty="0"/>
+          </a:p>
+        </p:txBody>
+      </p:sp>
+      <p:sp>
+        <p:nvSpPr>
+          <p:cNvPr id="3" name="Text Placeholder 2"/>
+          <p:cNvSpPr>
+            <a:spLocks noGrp="1"/>
+          </p:cNvSpPr>
+          <p:nvPr>
+            <p:ph type="body" idx="1"/>
+          </p:nvPr>
+        </p:nvSpPr>
+        <p:spPr>
+          <a:xfrm>
+            <a:off x="1303868" y="4343399"/>
+            <a:ext cx="9592732" cy="1532467"/>
+          </a:xfrm>
+        </p:spPr>
+        <p:txBody>
+          <a:bodyPr anchor="ctr">
+            <a:normAutofit/>
+          </a:bodyPr>
+          <a:lstStyle>
+            <a:lvl1pPr marL="0" indent="0" algn="ctr">
+              <a:buNone/>
+              <a:defRPr sz="2000">
+                <a:solidFill>
+                  <a:schemeClr val="tx1"/>
+                </a:solidFill>
+              </a:defRPr>
+            </a:lvl1pPr>
+            <a:lvl2pPr marL="457200" indent="0">
+              <a:buNone/>
+              <a:defRPr sz="1800">
+                <a:solidFill>
+                  <a:schemeClr val="tx1">
+                    <a:tint val="75000"/>
+                  </a:schemeClr>
+                </a:solidFill>
+              </a:defRPr>
+            </a:lvl2pPr>
+            <a:lvl3pPr marL="914400" indent="0">
+              <a:buNone/>
+              <a:defRPr sz="1600">
+                <a:solidFill>
+                  <a:schemeClr val="tx1">
+                    <a:tint val="75000"/>
+                  </a:schemeClr>
+                </a:solidFill>
+              </a:defRPr>
+            </a:lvl3pPr>
+            <a:lvl4pPr marL="1371600" indent="0">
+              <a:buNone/>
+              <a:defRPr sz="1400">
+                <a:solidFill>
+                  <a:schemeClr val="tx1">
+                    <a:tint val="75000"/>
+                  </a:schemeClr>
+                </a:solidFill>
+              </a:defRPr>
+            </a:lvl4pPr>
+            <a:lvl5pPr marL="1828800" indent="0">
+              <a:buNone/>
+              <a:defRPr sz="1400">
+                <a:solidFill>
+                  <a:schemeClr val="tx1">
+                    <a:tint val="75000"/>
+                  </a:schemeClr>
+                </a:solidFill>
+              </a:defRPr>
+            </a:lvl5pPr>
+            <a:lvl6pPr marL="2286000" indent="0">
+              <a:buNone/>
+              <a:defRPr sz="1400">
+                <a:solidFill>
+                  <a:schemeClr val="tx1">
+                    <a:tint val="75000"/>
+                  </a:schemeClr>
+                </a:solidFill>
+              </a:defRPr>
+            </a:lvl6pPr>
+            <a:lvl7pPr marL="2743200" indent="0">
+              <a:buNone/>
+              <a:defRPr sz="1400">
+                <a:solidFill>
+                  <a:schemeClr val="tx1">
+                    <a:tint val="75000"/>
+                  </a:schemeClr>
+                </a:solidFill>
+              </a:defRPr>
+            </a:lvl7pPr>
+            <a:lvl8pPr marL="3200400" indent="0">
+              <a:buNone/>
+              <a:defRPr sz="1400">
+                <a:solidFill>
+                  <a:schemeClr val="tx1">
+                    <a:tint val="75000"/>
+                  </a:schemeClr>
+                </a:solidFill>
+              </a:defRPr>
+            </a:lvl8pPr>
+            <a:lvl9pPr marL="3657600" indent="0">
+              <a:buNone/>
+              <a:defRPr sz="1400">
+                <a:solidFill>
+                  <a:schemeClr val="tx1">
+                    <a:tint val="75000"/>
+                  </a:schemeClr>
+                </a:solidFill>
+              </a:defRPr>
+            </a:lvl9pPr>
+          </a:lstStyle>
+          <a:p>
+            <a:pPr lvl="0"/>
+            <a:r>
+              <a:rPr lang="en-US" smtClean="0"/>
+              <a:t>Click to edit Master text styles</a:t>
+            </a:r>
+          </a:p>
+        </p:txBody>
+      </p:sp>
+      <p:sp>
+        <p:nvSpPr>
+          <p:cNvPr id="4" name="Date Placeholder 3"/>
+          <p:cNvSpPr>
+            <a:spLocks noGrp="1"/>
+          </p:cNvSpPr>
+          <p:nvPr>
+            <p:ph type="dt" sz="half" idx="10"/>
+          </p:nvPr>
+        </p:nvSpPr>
+        <p:spPr/>
+        <p:txBody>
+          <a:bodyPr/>
+          <a:lstStyle/>
+          <a:p>
+            <a:fld id="{48A87A34-81AB-432B-8DAE-1953F412C126}" type="datetimeFigureOut">
+              <a:rPr lang="en-US" smtClean="0"/>
+              <a:pPr/>
+              <a:t>3/2/2018</a:t>
+            </a:fld>
+            <a:endParaRPr lang="en-US" dirty="0"/>
+          </a:p>
+        </p:txBody>
+      </p:sp>
+      <p:sp>
+        <p:nvSpPr>
+          <p:cNvPr id="5" name="Footer Placeholder 4"/>
+          <p:cNvSpPr>
+            <a:spLocks noGrp="1"/>
+          </p:cNvSpPr>
+          <p:nvPr>
+            <p:ph type="ftr" sz="quarter" idx="11"/>
+          </p:nvPr>
+        </p:nvSpPr>
+        <p:spPr/>
+        <p:txBody>
+          <a:bodyPr/>
+          <a:lstStyle/>
+          <a:p>
+            <a:endParaRPr lang="en-US" dirty="0"/>
+          </a:p>
+        </p:txBody>
+      </p:sp>
+      <p:sp>
+        <p:nvSpPr>
+          <p:cNvPr id="6" name="Slide Number Placeholder 5"/>
+          <p:cNvSpPr>
+            <a:spLocks noGrp="1"/>
+          </p:cNvSpPr>
+          <p:nvPr>
+            <p:ph type="sldNum" sz="quarter" idx="12"/>
+          </p:nvPr>
+        </p:nvSpPr>
+        <p:spPr/>
+        <p:txBody>
+          <a:bodyPr/>
+          <a:lstStyle/>
+          <a:p>
+            <a:fld id="{6D22F896-40B5-4ADD-8801-0D06FADFA095}" type="slidenum">
+              <a:rPr lang="en-US" smtClean="0"/>
+              <a:t>‹#›</a:t>
+            </a:fld>
+            <a:endParaRPr lang="en-US" dirty="0"/>
+          </a:p>
+        </p:txBody>
+      </p:sp>
+      <p:cxnSp>
+        <p:nvCxnSpPr>
+          <p:cNvPr id="15" name="Straight Connector 14"/>
+          <p:cNvCxnSpPr/>
           <p:nvPr/>
-        </p:nvPicPr>
-        <p:blipFill>
-          <a:blip r:embed="rId2">
-            <a:extLst>
-              <a:ext uri="{28A0092B-C50C-407E-A947-70E740481C1C}">
-                <a14:useLocalDpi xmlns:a14="http://schemas.microsoft.com/office/drawing/2010/main" val="0"/>
-              </a:ext>
-            </a:extLst>
-          </a:blip>
-          <a:stretch>
-            <a:fillRect/>
-          </a:stretch>
-        </p:blipFill>
+        </p:nvCxnSpPr>
         <p:spPr>
           <a:xfrm>
-            <a:off x="0" y="4375150"/>
-            <a:ext cx="12192000" cy="2482850"/>
-          </a:xfrm>
-          <a:prstGeom prst="rect">
+            <a:off x="1396169" y="4140199"/>
+            <a:ext cx="9407298" cy="0"/>
+          </a:xfrm>
+          <a:prstGeom prst="line">
             <a:avLst/>
           </a:prstGeom>
+          <a:ln w="15875"/>
         </p:spPr>
-      </p:pic>
-      <p:sp>
-        <p:nvSpPr>
-          <p:cNvPr id="2" name="Title 1"/>
-          <p:cNvSpPr>
-            <a:spLocks noGrp="1"/>
-          </p:cNvSpPr>
-          <p:nvPr>
-            <p:ph type="title"/>
-          </p:nvPr>
-        </p:nvSpPr>
-        <p:spPr>
-          <a:xfrm>
-            <a:off x="685800" y="753532"/>
-            <a:ext cx="10820400" cy="2802467"/>
-          </a:xfrm>
-        </p:spPr>
-        <p:txBody>
-          <a:bodyPr anchor="ctr"/>
-          <a:lstStyle>
-            <a:lvl1pPr algn="l">
-              <a:defRPr sz="3200"/>
-            </a:lvl1pPr>
-          </a:lstStyle>
-          <a:p>
-            <a:r>
-              <a:rPr lang="en-US" smtClean="0"/>
-              <a:t>Click to edit Master title style</a:t>
-            </a:r>
-            <a:endParaRPr lang="en-US" dirty="0"/>
-          </a:p>
-        </p:txBody>
-      </p:sp>
-      <p:sp>
-        <p:nvSpPr>
-          <p:cNvPr id="4" name="Text Placeholder 3"/>
-          <p:cNvSpPr>
-            <a:spLocks noGrp="1"/>
-          </p:cNvSpPr>
-          <p:nvPr>
-            <p:ph type="body" sz="half" idx="2"/>
-          </p:nvPr>
-        </p:nvSpPr>
-        <p:spPr>
-          <a:xfrm>
-            <a:off x="1024467" y="3649133"/>
-            <a:ext cx="10130516" cy="999067"/>
-          </a:xfrm>
-        </p:spPr>
-        <p:txBody>
-          <a:bodyPr anchor="ctr"/>
-          <a:lstStyle>
-            <a:lvl1pPr marL="0" indent="0">
-              <a:buNone/>
-              <a:defRPr sz="1600"/>
-            </a:lvl1pPr>
-            <a:lvl2pPr marL="457200" indent="0">
-              <a:buNone/>
-              <a:defRPr sz="1400"/>
-            </a:lvl2pPr>
-            <a:lvl3pPr marL="914400" indent="0">
-              <a:buNone/>
-              <a:defRPr sz="1200"/>
-            </a:lvl3pPr>
-            <a:lvl4pPr marL="1371600" indent="0">
-              <a:buNone/>
-              <a:defRPr sz="1000"/>
-            </a:lvl4pPr>
-            <a:lvl5pPr marL="1828800" indent="0">
-              <a:buNone/>
-              <a:defRPr sz="1000"/>
-            </a:lvl5pPr>
-            <a:lvl6pPr marL="2286000" indent="0">
-              <a:buNone/>
-              <a:defRPr sz="1000"/>
-            </a:lvl6pPr>
-            <a:lvl7pPr marL="2743200" indent="0">
-              <a:buNone/>
-              <a:defRPr sz="1000"/>
-            </a:lvl7pPr>
-            <a:lvl8pPr marL="3200400" indent="0">
-              <a:buNone/>
-              <a:defRPr sz="1000"/>
-            </a:lvl8pPr>
-            <a:lvl9pPr marL="3657600" indent="0">
-              <a:buNone/>
-              <a:defRPr sz="1000"/>
-            </a:lvl9pPr>
-          </a:lstStyle>
-          <a:p>
-            <a:pPr lvl="0"/>
-            <a:r>
-              <a:rPr lang="en-US" smtClean="0"/>
-              <a:t>Click to edit Master text styles</a:t>
-            </a:r>
-          </a:p>
-        </p:txBody>
-      </p:sp>
-      <p:sp>
-        <p:nvSpPr>
-          <p:cNvPr id="5" name="Date Placeholder 4"/>
-          <p:cNvSpPr>
-            <a:spLocks noGrp="1"/>
-          </p:cNvSpPr>
-          <p:nvPr>
-            <p:ph type="dt" sz="half" idx="10"/>
-          </p:nvPr>
-        </p:nvSpPr>
-        <p:spPr>
-          <a:xfrm>
-            <a:off x="7814452" y="381000"/>
-            <a:ext cx="2910840" cy="365125"/>
-          </a:xfrm>
-        </p:spPr>
-        <p:txBody>
-          <a:bodyPr/>
-          <a:lstStyle>
-            <a:lvl1pPr algn="r">
-              <a:defRPr/>
-            </a:lvl1pPr>
-          </a:lstStyle>
-          <a:p>
-            <a:fld id="{48A87A34-81AB-432B-8DAE-1953F412C126}" type="datetimeFigureOut">
-              <a:rPr lang="en-US" dirty="0"/>
-              <a:pPr/>
-              <a:t>3/1/2018</a:t>
-            </a:fld>
-            <a:endParaRPr lang="en-US" dirty="0"/>
-          </a:p>
-        </p:txBody>
-      </p:sp>
-      <p:sp>
-        <p:nvSpPr>
-          <p:cNvPr id="6" name="Footer Placeholder 5"/>
-          <p:cNvSpPr>
-            <a:spLocks noGrp="1"/>
-          </p:cNvSpPr>
-          <p:nvPr>
-            <p:ph type="ftr" sz="quarter" idx="11"/>
-          </p:nvPr>
-        </p:nvSpPr>
-        <p:spPr>
-          <a:xfrm>
-            <a:off x="685800" y="379941"/>
-            <a:ext cx="6991492" cy="365125"/>
-          </a:xfrm>
-        </p:spPr>
-        <p:txBody>
-          <a:bodyPr/>
-          <a:lstStyle/>
-          <a:p>
-            <a:endParaRPr lang="en-US" dirty="0"/>
-          </a:p>
-        </p:txBody>
-      </p:sp>
-      <p:sp>
-        <p:nvSpPr>
-          <p:cNvPr id="7" name="Slide Number Placeholder 6"/>
-          <p:cNvSpPr>
-            <a:spLocks noGrp="1"/>
-          </p:cNvSpPr>
-          <p:nvPr>
-            <p:ph type="sldNum" sz="quarter" idx="12"/>
-          </p:nvPr>
-        </p:nvSpPr>
-        <p:spPr>
-          <a:xfrm>
-            <a:off x="10862452" y="381000"/>
-            <a:ext cx="643748" cy="365125"/>
-          </a:xfrm>
-        </p:spPr>
-        <p:txBody>
-          <a:bodyPr/>
-          <a:lstStyle/>
-          <a:p>
-            <a:fld id="{6D22F896-40B5-4ADD-8801-0D06FADFA095}" type="slidenum">
-              <a:rPr lang="en-US" dirty="0"/>
-              <a:t>‹#›</a:t>
-            </a:fld>
-            <a:endParaRPr lang="en-US" dirty="0"/>
-          </a:p>
-        </p:txBody>
-      </p:sp>
+        <p:style>
+          <a:lnRef idx="2">
+            <a:schemeClr val="accent1"/>
+          </a:lnRef>
+          <a:fillRef idx="0">
+            <a:schemeClr val="accent1"/>
+          </a:fillRef>
+          <a:effectRef idx="1">
+            <a:schemeClr val="accent1"/>
+          </a:effectRef>
+          <a:fontRef idx="minor">
+            <a:schemeClr val="tx1"/>
+          </a:fontRef>
+        </p:style>
+      </p:cxnSp>
     </p:spTree>
+    <p:extLst>
+      <p:ext uri="{BB962C8B-B14F-4D97-AF65-F5344CB8AC3E}">
+        <p14:creationId xmlns:p14="http://schemas.microsoft.com/office/powerpoint/2010/main" val="740040406"/>
+      </p:ext>
+    </p:extLst>
   </p:cSld>
   <p:clrMapOvr>
     <a:masterClrMapping/>
@@ -855,7 +1126,7 @@
 </file>
 
 <file path=ppt/slideLayouts/slideLayout12.xml><?xml version="1.0" encoding="utf-8"?>
-<p:sldLayout xmlns:a="http://schemas.openxmlformats.org/drawingml/2006/main" xmlns:r="http://schemas.openxmlformats.org/officeDocument/2006/relationships" xmlns:p="http://schemas.openxmlformats.org/presentationml/2006/main" showMasterSp="0" preserve="1">
+<p:sldLayout xmlns:a="http://schemas.openxmlformats.org/drawingml/2006/main" xmlns:r="http://schemas.openxmlformats.org/officeDocument/2006/relationships" xmlns:p="http://schemas.openxmlformats.org/presentationml/2006/main" preserve="1">
   <p:cSld name="Quote with Caption">
     <p:spTree>
       <p:nvGrpSpPr>
@@ -871,296 +1142,328 @@
           <a:chExt cx="0" cy="0"/>
         </a:xfrm>
       </p:grpSpPr>
-      <p:pic>
-        <p:nvPicPr>
-          <p:cNvPr id="11" name="Picture 10" descr="C2-HD-BTM.png"/>
-          <p:cNvPicPr>
-            <a:picLocks noChangeAspect="1"/>
-          </p:cNvPicPr>
+      <p:sp>
+        <p:nvSpPr>
+          <p:cNvPr id="2" name="Title 1"/>
+          <p:cNvSpPr>
+            <a:spLocks noGrp="1"/>
+          </p:cNvSpPr>
+          <p:nvPr>
+            <p:ph type="title"/>
+          </p:nvPr>
+        </p:nvSpPr>
+        <p:spPr>
+          <a:xfrm>
+            <a:off x="1446213" y="982132"/>
+            <a:ext cx="9296398" cy="2370668"/>
+          </a:xfrm>
+        </p:spPr>
+        <p:txBody>
+          <a:bodyPr anchor="ctr">
+            <a:normAutofit/>
+          </a:bodyPr>
+          <a:lstStyle>
+            <a:lvl1pPr algn="ctr">
+              <a:defRPr sz="3200" b="0" cap="none">
+                <a:solidFill>
+                  <a:schemeClr val="tx1"/>
+                </a:solidFill>
+              </a:defRPr>
+            </a:lvl1pPr>
+          </a:lstStyle>
+          <a:p>
+            <a:r>
+              <a:rPr lang="en-US" smtClean="0"/>
+              <a:t>Click to edit Master title style</a:t>
+            </a:r>
+            <a:endParaRPr lang="en-US" dirty="0"/>
+          </a:p>
+        </p:txBody>
+      </p:sp>
+      <p:sp>
+        <p:nvSpPr>
+          <p:cNvPr id="10" name="Text Placeholder 9"/>
+          <p:cNvSpPr>
+            <a:spLocks noGrp="1"/>
+          </p:cNvSpPr>
+          <p:nvPr>
+            <p:ph type="body" sz="quarter" idx="13"/>
+          </p:nvPr>
+        </p:nvSpPr>
+        <p:spPr>
+          <a:xfrm>
+            <a:off x="1674812" y="3352800"/>
+            <a:ext cx="8839202" cy="584200"/>
+          </a:xfrm>
+        </p:spPr>
+        <p:txBody>
+          <a:bodyPr anchor="ctr">
+            <a:normAutofit/>
+          </a:bodyPr>
+          <a:lstStyle>
+            <a:lvl1pPr marL="0" indent="0" algn="r">
+              <a:buFontTx/>
+              <a:buNone/>
+              <a:defRPr sz="2000"/>
+            </a:lvl1pPr>
+            <a:lvl2pPr marL="457200" indent="0">
+              <a:buFontTx/>
+              <a:buNone/>
+              <a:defRPr/>
+            </a:lvl2pPr>
+            <a:lvl3pPr marL="914400" indent="0">
+              <a:buFontTx/>
+              <a:buNone/>
+              <a:defRPr/>
+            </a:lvl3pPr>
+            <a:lvl4pPr marL="1371600" indent="0">
+              <a:buFontTx/>
+              <a:buNone/>
+              <a:defRPr/>
+            </a:lvl4pPr>
+            <a:lvl5pPr marL="1828800" indent="0">
+              <a:buFontTx/>
+              <a:buNone/>
+              <a:defRPr/>
+            </a:lvl5pPr>
+          </a:lstStyle>
+          <a:p>
+            <a:pPr lvl="0"/>
+            <a:r>
+              <a:rPr lang="en-US" smtClean="0"/>
+              <a:t>Click to edit Master text styles</a:t>
+            </a:r>
+          </a:p>
+        </p:txBody>
+      </p:sp>
+      <p:sp>
+        <p:nvSpPr>
+          <p:cNvPr id="3" name="Text Placeholder 2"/>
+          <p:cNvSpPr>
+            <a:spLocks noGrp="1"/>
+          </p:cNvSpPr>
+          <p:nvPr>
+            <p:ph type="body" idx="1"/>
+          </p:nvPr>
+        </p:nvSpPr>
+        <p:spPr>
+          <a:xfrm>
+            <a:off x="1295401" y="4343399"/>
+            <a:ext cx="9609666" cy="1532467"/>
+          </a:xfrm>
+        </p:spPr>
+        <p:txBody>
+          <a:bodyPr anchor="ctr">
+            <a:normAutofit/>
+          </a:bodyPr>
+          <a:lstStyle>
+            <a:lvl1pPr marL="0" indent="0" algn="ctr">
+              <a:buNone/>
+              <a:defRPr sz="2000">
+                <a:solidFill>
+                  <a:schemeClr val="tx1"/>
+                </a:solidFill>
+              </a:defRPr>
+            </a:lvl1pPr>
+            <a:lvl2pPr marL="457200" indent="0">
+              <a:buNone/>
+              <a:defRPr sz="1800">
+                <a:solidFill>
+                  <a:schemeClr val="tx1">
+                    <a:tint val="75000"/>
+                  </a:schemeClr>
+                </a:solidFill>
+              </a:defRPr>
+            </a:lvl2pPr>
+            <a:lvl3pPr marL="914400" indent="0">
+              <a:buNone/>
+              <a:defRPr sz="1600">
+                <a:solidFill>
+                  <a:schemeClr val="tx1">
+                    <a:tint val="75000"/>
+                  </a:schemeClr>
+                </a:solidFill>
+              </a:defRPr>
+            </a:lvl3pPr>
+            <a:lvl4pPr marL="1371600" indent="0">
+              <a:buNone/>
+              <a:defRPr sz="1400">
+                <a:solidFill>
+                  <a:schemeClr val="tx1">
+                    <a:tint val="75000"/>
+                  </a:schemeClr>
+                </a:solidFill>
+              </a:defRPr>
+            </a:lvl4pPr>
+            <a:lvl5pPr marL="1828800" indent="0">
+              <a:buNone/>
+              <a:defRPr sz="1400">
+                <a:solidFill>
+                  <a:schemeClr val="tx1">
+                    <a:tint val="75000"/>
+                  </a:schemeClr>
+                </a:solidFill>
+              </a:defRPr>
+            </a:lvl5pPr>
+            <a:lvl6pPr marL="2286000" indent="0">
+              <a:buNone/>
+              <a:defRPr sz="1400">
+                <a:solidFill>
+                  <a:schemeClr val="tx1">
+                    <a:tint val="75000"/>
+                  </a:schemeClr>
+                </a:solidFill>
+              </a:defRPr>
+            </a:lvl6pPr>
+            <a:lvl7pPr marL="2743200" indent="0">
+              <a:buNone/>
+              <a:defRPr sz="1400">
+                <a:solidFill>
+                  <a:schemeClr val="tx1">
+                    <a:tint val="75000"/>
+                  </a:schemeClr>
+                </a:solidFill>
+              </a:defRPr>
+            </a:lvl7pPr>
+            <a:lvl8pPr marL="3200400" indent="0">
+              <a:buNone/>
+              <a:defRPr sz="1400">
+                <a:solidFill>
+                  <a:schemeClr val="tx1">
+                    <a:tint val="75000"/>
+                  </a:schemeClr>
+                </a:solidFill>
+              </a:defRPr>
+            </a:lvl8pPr>
+            <a:lvl9pPr marL="3657600" indent="0">
+              <a:buNone/>
+              <a:defRPr sz="1400">
+                <a:solidFill>
+                  <a:schemeClr val="tx1">
+                    <a:tint val="75000"/>
+                  </a:schemeClr>
+                </a:solidFill>
+              </a:defRPr>
+            </a:lvl9pPr>
+          </a:lstStyle>
+          <a:p>
+            <a:pPr lvl="0"/>
+            <a:r>
+              <a:rPr lang="en-US" smtClean="0"/>
+              <a:t>Click to edit Master text styles</a:t>
+            </a:r>
+          </a:p>
+        </p:txBody>
+      </p:sp>
+      <p:sp>
+        <p:nvSpPr>
+          <p:cNvPr id="4" name="Date Placeholder 3"/>
+          <p:cNvSpPr>
+            <a:spLocks noGrp="1"/>
+          </p:cNvSpPr>
+          <p:nvPr>
+            <p:ph type="dt" sz="half" idx="10"/>
+          </p:nvPr>
+        </p:nvSpPr>
+        <p:spPr/>
+        <p:txBody>
+          <a:bodyPr/>
+          <a:lstStyle/>
+          <a:p>
+            <a:fld id="{48A87A34-81AB-432B-8DAE-1953F412C126}" type="datetimeFigureOut">
+              <a:rPr lang="en-US" smtClean="0"/>
+              <a:pPr/>
+              <a:t>3/2/2018</a:t>
+            </a:fld>
+            <a:endParaRPr lang="en-US" dirty="0"/>
+          </a:p>
+        </p:txBody>
+      </p:sp>
+      <p:sp>
+        <p:nvSpPr>
+          <p:cNvPr id="5" name="Footer Placeholder 4"/>
+          <p:cNvSpPr>
+            <a:spLocks noGrp="1"/>
+          </p:cNvSpPr>
+          <p:nvPr>
+            <p:ph type="ftr" sz="quarter" idx="11"/>
+          </p:nvPr>
+        </p:nvSpPr>
+        <p:spPr/>
+        <p:txBody>
+          <a:bodyPr/>
+          <a:lstStyle/>
+          <a:p>
+            <a:endParaRPr lang="en-US" dirty="0"/>
+          </a:p>
+        </p:txBody>
+      </p:sp>
+      <p:sp>
+        <p:nvSpPr>
+          <p:cNvPr id="6" name="Slide Number Placeholder 5"/>
+          <p:cNvSpPr>
+            <a:spLocks noGrp="1"/>
+          </p:cNvSpPr>
+          <p:nvPr>
+            <p:ph type="sldNum" sz="quarter" idx="12"/>
+          </p:nvPr>
+        </p:nvSpPr>
+        <p:spPr/>
+        <p:txBody>
+          <a:bodyPr/>
+          <a:lstStyle/>
+          <a:p>
+            <a:fld id="{6D22F896-40B5-4ADD-8801-0D06FADFA095}" type="slidenum">
+              <a:rPr lang="en-US" smtClean="0"/>
+              <a:t>‹#›</a:t>
+            </a:fld>
+            <a:endParaRPr lang="en-US" dirty="0"/>
+          </a:p>
+        </p:txBody>
+      </p:sp>
+      <p:sp>
+        <p:nvSpPr>
+          <p:cNvPr id="14" name="TextBox 13"/>
+          <p:cNvSpPr txBox="1"/>
           <p:nvPr/>
-        </p:nvPicPr>
-        <p:blipFill>
-          <a:blip r:embed="rId2">
-            <a:extLst>
-              <a:ext uri="{28A0092B-C50C-407E-A947-70E740481C1C}">
-                <a14:useLocalDpi xmlns:a14="http://schemas.microsoft.com/office/drawing/2010/main" val="0"/>
-              </a:ext>
-            </a:extLst>
-          </a:blip>
-          <a:stretch>
-            <a:fillRect/>
-          </a:stretch>
-        </p:blipFill>
+        </p:nvSpPr>
         <p:spPr>
           <a:xfrm>
-            <a:off x="0" y="4375150"/>
-            <a:ext cx="12192000" cy="2482850"/>
+            <a:off x="862013" y="879961"/>
+            <a:ext cx="609600" cy="584776"/>
           </a:xfrm>
           <a:prstGeom prst="rect">
             <a:avLst/>
           </a:prstGeom>
         </p:spPr>
-      </p:pic>
-      <p:sp>
-        <p:nvSpPr>
-          <p:cNvPr id="2" name="Title 1"/>
-          <p:cNvSpPr>
-            <a:spLocks noGrp="1"/>
-          </p:cNvSpPr>
-          <p:nvPr>
-            <p:ph type="title"/>
-          </p:nvPr>
-        </p:nvSpPr>
-        <p:spPr>
-          <a:xfrm>
-            <a:off x="1024467" y="753533"/>
-            <a:ext cx="10151533" cy="2604495"/>
-          </a:xfrm>
-        </p:spPr>
-        <p:txBody>
-          <a:bodyPr anchor="ctr"/>
-          <a:lstStyle>
-            <a:lvl1pPr algn="l">
-              <a:defRPr sz="3200"/>
-            </a:lvl1pPr>
-          </a:lstStyle>
-          <a:p>
-            <a:r>
-              <a:rPr lang="en-US" smtClean="0"/>
-              <a:t>Click to edit Master title style</a:t>
-            </a:r>
-            <a:endParaRPr lang="en-US" dirty="0"/>
-          </a:p>
-        </p:txBody>
-      </p:sp>
-      <p:sp>
-        <p:nvSpPr>
-          <p:cNvPr id="12" name="Text Placeholder 3"/>
-          <p:cNvSpPr>
-            <a:spLocks noGrp="1"/>
-          </p:cNvSpPr>
-          <p:nvPr>
-            <p:ph type="body" sz="half" idx="13"/>
-          </p:nvPr>
-        </p:nvSpPr>
-        <p:spPr>
-          <a:xfrm>
-            <a:off x="1303865" y="3365556"/>
-            <a:ext cx="9592736" cy="444443"/>
-          </a:xfrm>
-        </p:spPr>
-        <p:txBody>
-          <a:bodyPr anchor="t">
-            <a:normAutofit/>
+        <p:txBody>
+          <a:bodyPr vert="horz" lIns="91440" tIns="45720" rIns="91440" bIns="45720" rtlCol="0" anchor="ctr">
+            <a:noAutofit/>
           </a:bodyPr>
-          <a:lstStyle>
-            <a:lvl1pPr marL="0" indent="0">
-              <a:buNone/>
-              <a:defRPr sz="1400"/>
-            </a:lvl1pPr>
-            <a:lvl2pPr marL="457200" indent="0">
-              <a:buNone/>
-              <a:defRPr sz="1400"/>
-            </a:lvl2pPr>
-            <a:lvl3pPr marL="914400" indent="0">
-              <a:buNone/>
-              <a:defRPr sz="1200"/>
-            </a:lvl3pPr>
-            <a:lvl4pPr marL="1371600" indent="0">
-              <a:buNone/>
-              <a:defRPr sz="1000"/>
-            </a:lvl4pPr>
-            <a:lvl5pPr marL="1828800" indent="0">
-              <a:buNone/>
-              <a:defRPr sz="1000"/>
-            </a:lvl5pPr>
-            <a:lvl6pPr marL="2286000" indent="0">
-              <a:buNone/>
-              <a:defRPr sz="1000"/>
-            </a:lvl6pPr>
-            <a:lvl7pPr marL="2743200" indent="0">
-              <a:buNone/>
-              <a:defRPr sz="1000"/>
-            </a:lvl7pPr>
-            <a:lvl8pPr marL="3200400" indent="0">
-              <a:buNone/>
-              <a:defRPr sz="1000"/>
-            </a:lvl8pPr>
-            <a:lvl9pPr marL="3657600" indent="0">
-              <a:buNone/>
-              <a:defRPr sz="1000"/>
-            </a:lvl9pPr>
-          </a:lstStyle>
+          <a:lstStyle/>
           <a:p>
             <a:pPr lvl="0"/>
             <a:r>
-              <a:rPr lang="en-US" smtClean="0"/>
-              <a:t>Click to edit Master text styles</a:t>
-            </a:r>
-          </a:p>
-        </p:txBody>
-      </p:sp>
-      <p:sp>
-        <p:nvSpPr>
-          <p:cNvPr id="4" name="Text Placeholder 3"/>
-          <p:cNvSpPr>
-            <a:spLocks noGrp="1"/>
-          </p:cNvSpPr>
-          <p:nvPr>
-            <p:ph type="body" sz="half" idx="2"/>
-          </p:nvPr>
-        </p:nvSpPr>
-        <p:spPr>
-          <a:xfrm>
-            <a:off x="1024467" y="3959862"/>
-            <a:ext cx="10151533" cy="679871"/>
-          </a:xfrm>
-        </p:spPr>
-        <p:txBody>
-          <a:bodyPr anchor="ctr">
-            <a:normAutofit/>
-          </a:bodyPr>
-          <a:lstStyle>
-            <a:lvl1pPr marL="0" indent="0">
-              <a:buNone/>
-              <a:defRPr sz="1600"/>
-            </a:lvl1pPr>
-            <a:lvl2pPr marL="457200" indent="0">
-              <a:buNone/>
-              <a:defRPr sz="1400"/>
-            </a:lvl2pPr>
-            <a:lvl3pPr marL="914400" indent="0">
-              <a:buNone/>
-              <a:defRPr sz="1200"/>
-            </a:lvl3pPr>
-            <a:lvl4pPr marL="1371600" indent="0">
-              <a:buNone/>
-              <a:defRPr sz="1000"/>
-            </a:lvl4pPr>
-            <a:lvl5pPr marL="1828800" indent="0">
-              <a:buNone/>
-              <a:defRPr sz="1000"/>
-            </a:lvl5pPr>
-            <a:lvl6pPr marL="2286000" indent="0">
-              <a:buNone/>
-              <a:defRPr sz="1000"/>
-            </a:lvl6pPr>
-            <a:lvl7pPr marL="2743200" indent="0">
-              <a:buNone/>
-              <a:defRPr sz="1000"/>
-            </a:lvl7pPr>
-            <a:lvl8pPr marL="3200400" indent="0">
-              <a:buNone/>
-              <a:defRPr sz="1000"/>
-            </a:lvl8pPr>
-            <a:lvl9pPr marL="3657600" indent="0">
-              <a:buNone/>
-              <a:defRPr sz="1000"/>
-            </a:lvl9pPr>
-          </a:lstStyle>
-          <a:p>
-            <a:pPr lvl="0"/>
-            <a:r>
-              <a:rPr lang="en-US" smtClean="0"/>
-              <a:t>Click to edit Master text styles</a:t>
-            </a:r>
-          </a:p>
-        </p:txBody>
-      </p:sp>
-      <p:sp>
-        <p:nvSpPr>
-          <p:cNvPr id="5" name="Date Placeholder 4"/>
-          <p:cNvSpPr>
-            <a:spLocks noGrp="1"/>
-          </p:cNvSpPr>
-          <p:nvPr>
-            <p:ph type="dt" sz="half" idx="10"/>
-          </p:nvPr>
-        </p:nvSpPr>
-        <p:spPr>
-          <a:xfrm>
-            <a:off x="7814452" y="381000"/>
-            <a:ext cx="2910840" cy="365125"/>
-          </a:xfrm>
-        </p:spPr>
-        <p:txBody>
-          <a:bodyPr/>
-          <a:lstStyle>
-            <a:lvl1pPr algn="r">
-              <a:defRPr/>
-            </a:lvl1pPr>
-          </a:lstStyle>
-          <a:p>
-            <a:fld id="{48A87A34-81AB-432B-8DAE-1953F412C126}" type="datetimeFigureOut">
-              <a:rPr lang="en-US" dirty="0"/>
-              <a:pPr/>
-              <a:t>3/1/2018</a:t>
-            </a:fld>
-            <a:endParaRPr lang="en-US" dirty="0"/>
-          </a:p>
-        </p:txBody>
-      </p:sp>
-      <p:sp>
-        <p:nvSpPr>
-          <p:cNvPr id="6" name="Footer Placeholder 5"/>
-          <p:cNvSpPr>
-            <a:spLocks noGrp="1"/>
-          </p:cNvSpPr>
-          <p:nvPr>
-            <p:ph type="ftr" sz="quarter" idx="11"/>
-          </p:nvPr>
-        </p:nvSpPr>
-        <p:spPr>
-          <a:xfrm>
-            <a:off x="685800" y="379941"/>
-            <a:ext cx="6991492" cy="365125"/>
-          </a:xfrm>
-        </p:spPr>
-        <p:txBody>
-          <a:bodyPr/>
-          <a:lstStyle/>
-          <a:p>
-            <a:endParaRPr lang="en-US" dirty="0"/>
-          </a:p>
-        </p:txBody>
-      </p:sp>
-      <p:sp>
-        <p:nvSpPr>
-          <p:cNvPr id="7" name="Slide Number Placeholder 6"/>
-          <p:cNvSpPr>
-            <a:spLocks noGrp="1"/>
-          </p:cNvSpPr>
-          <p:nvPr>
-            <p:ph type="sldNum" sz="quarter" idx="12"/>
-          </p:nvPr>
-        </p:nvSpPr>
-        <p:spPr>
-          <a:xfrm>
-            <a:off x="10862452" y="381000"/>
-            <a:ext cx="643748" cy="365125"/>
-          </a:xfrm>
-        </p:spPr>
-        <p:txBody>
-          <a:bodyPr/>
-          <a:lstStyle/>
-          <a:p>
-            <a:fld id="{6D22F896-40B5-4ADD-8801-0D06FADFA095}" type="slidenum">
-              <a:rPr lang="en-US" dirty="0"/>
-              <a:t>‹#›</a:t>
-            </a:fld>
-            <a:endParaRPr lang="en-US" dirty="0"/>
-          </a:p>
-        </p:txBody>
-      </p:sp>
-      <p:sp>
-        <p:nvSpPr>
-          <p:cNvPr id="9" name="TextBox 8"/>
+              <a:rPr lang="en-US" sz="8000" dirty="0">
+                <a:solidFill>
+                  <a:schemeClr val="tx1"/>
+                </a:solidFill>
+                <a:effectLst/>
+              </a:rPr>
+              <a:t>“</a:t>
+            </a:r>
+          </a:p>
+        </p:txBody>
+      </p:sp>
+      <p:sp>
+        <p:nvSpPr>
+          <p:cNvPr id="15" name="TextBox 14"/>
           <p:cNvSpPr txBox="1"/>
           <p:nvPr/>
         </p:nvSpPr>
         <p:spPr>
           <a:xfrm>
-            <a:off x="476250" y="933450"/>
+            <a:off x="10600267" y="2827870"/>
             <a:ext cx="609600" cy="584776"/>
           </a:xfrm>
           <a:prstGeom prst="rect">
@@ -1171,205 +1474,7 @@
           <a:bodyPr vert="horz" lIns="91440" tIns="45720" rIns="91440" bIns="45720" rtlCol="0" anchor="ctr">
             <a:noAutofit/>
           </a:bodyPr>
-          <a:lstStyle>
-            <a:lvl1pPr>
-              <a:spcBef>
-                <a:spcPct val="0"/>
-              </a:spcBef>
-              <a:buNone/>
-              <a:defRPr sz="3200" b="0" cap="all">
-                <a:ln w="3175" cmpd="sng">
-                  <a:noFill/>
-                </a:ln>
-                <a:effectLst>
-                  <a:glow rad="38100">
-                    <a:schemeClr val="bg1">
-                      <a:lumMod val="65000"/>
-                      <a:lumOff val="35000"/>
-                      <a:alpha val="40000"/>
-                    </a:schemeClr>
-                  </a:glow>
-                  <a:outerShdw blurRad="28575" dist="38100" dir="14040000" algn="tl" rotWithShape="0">
-                    <a:srgbClr val="000000">
-                      <a:alpha val="25000"/>
-                    </a:srgbClr>
-                  </a:outerShdw>
-                </a:effectLst>
-              </a:defRPr>
-            </a:lvl1pPr>
-            <a:lvl2pPr>
-              <a:defRPr>
-                <a:solidFill>
-                  <a:schemeClr val="tx2"/>
-                </a:solidFill>
-              </a:defRPr>
-            </a:lvl2pPr>
-            <a:lvl3pPr>
-              <a:defRPr>
-                <a:solidFill>
-                  <a:schemeClr val="tx2"/>
-                </a:solidFill>
-              </a:defRPr>
-            </a:lvl3pPr>
-            <a:lvl4pPr>
-              <a:defRPr>
-                <a:solidFill>
-                  <a:schemeClr val="tx2"/>
-                </a:solidFill>
-              </a:defRPr>
-            </a:lvl4pPr>
-            <a:lvl5pPr>
-              <a:defRPr>
-                <a:solidFill>
-                  <a:schemeClr val="tx2"/>
-                </a:solidFill>
-              </a:defRPr>
-            </a:lvl5pPr>
-            <a:lvl6pPr>
-              <a:defRPr>
-                <a:solidFill>
-                  <a:schemeClr val="tx2"/>
-                </a:solidFill>
-              </a:defRPr>
-            </a:lvl6pPr>
-            <a:lvl7pPr>
-              <a:defRPr>
-                <a:solidFill>
-                  <a:schemeClr val="tx2"/>
-                </a:solidFill>
-              </a:defRPr>
-            </a:lvl7pPr>
-            <a:lvl8pPr>
-              <a:defRPr>
-                <a:solidFill>
-                  <a:schemeClr val="tx2"/>
-                </a:solidFill>
-              </a:defRPr>
-            </a:lvl8pPr>
-            <a:lvl9pPr>
-              <a:defRPr>
-                <a:solidFill>
-                  <a:schemeClr val="tx2"/>
-                </a:solidFill>
-              </a:defRPr>
-            </a:lvl9pPr>
-          </a:lstStyle>
-          <a:p>
-            <a:pPr lvl="0"/>
-            <a:r>
-              <a:rPr lang="en-US" sz="8000" dirty="0">
-                <a:solidFill>
-                  <a:schemeClr val="tx1"/>
-                </a:solidFill>
-                <a:effectLst/>
-              </a:rPr>
-              <a:t>“</a:t>
-            </a:r>
-          </a:p>
-        </p:txBody>
-      </p:sp>
-      <p:sp>
-        <p:nvSpPr>
-          <p:cNvPr id="10" name="TextBox 9"/>
-          <p:cNvSpPr txBox="1"/>
-          <p:nvPr/>
-        </p:nvSpPr>
-        <p:spPr>
-          <a:xfrm>
-            <a:off x="10984230" y="2701290"/>
-            <a:ext cx="609600" cy="584776"/>
-          </a:xfrm>
-          <a:prstGeom prst="rect">
-            <a:avLst/>
-          </a:prstGeom>
-        </p:spPr>
-        <p:txBody>
-          <a:bodyPr vert="horz" lIns="91440" tIns="45720" rIns="91440" bIns="45720" rtlCol="0" anchor="ctr">
-            <a:noAutofit/>
-          </a:bodyPr>
-          <a:lstStyle>
-            <a:lvl1pPr>
-              <a:spcBef>
-                <a:spcPct val="0"/>
-              </a:spcBef>
-              <a:buNone/>
-              <a:defRPr sz="3200" b="0" cap="all">
-                <a:ln w="3175" cmpd="sng">
-                  <a:noFill/>
-                </a:ln>
-                <a:effectLst>
-                  <a:glow rad="38100">
-                    <a:schemeClr val="bg1">
-                      <a:lumMod val="65000"/>
-                      <a:lumOff val="35000"/>
-                      <a:alpha val="40000"/>
-                    </a:schemeClr>
-                  </a:glow>
-                  <a:outerShdw blurRad="28575" dist="38100" dir="14040000" algn="tl" rotWithShape="0">
-                    <a:srgbClr val="000000">
-                      <a:alpha val="25000"/>
-                    </a:srgbClr>
-                  </a:outerShdw>
-                </a:effectLst>
-              </a:defRPr>
-            </a:lvl1pPr>
-            <a:lvl2pPr>
-              <a:defRPr>
-                <a:solidFill>
-                  <a:schemeClr val="tx2"/>
-                </a:solidFill>
-              </a:defRPr>
-            </a:lvl2pPr>
-            <a:lvl3pPr>
-              <a:defRPr>
-                <a:solidFill>
-                  <a:schemeClr val="tx2"/>
-                </a:solidFill>
-              </a:defRPr>
-            </a:lvl3pPr>
-            <a:lvl4pPr>
-              <a:defRPr>
-                <a:solidFill>
-                  <a:schemeClr val="tx2"/>
-                </a:solidFill>
-              </a:defRPr>
-            </a:lvl4pPr>
-            <a:lvl5pPr>
-              <a:defRPr>
-                <a:solidFill>
-                  <a:schemeClr val="tx2"/>
-                </a:solidFill>
-              </a:defRPr>
-            </a:lvl5pPr>
-            <a:lvl6pPr>
-              <a:defRPr>
-                <a:solidFill>
-                  <a:schemeClr val="tx2"/>
-                </a:solidFill>
-              </a:defRPr>
-            </a:lvl6pPr>
-            <a:lvl7pPr>
-              <a:defRPr>
-                <a:solidFill>
-                  <a:schemeClr val="tx2"/>
-                </a:solidFill>
-              </a:defRPr>
-            </a:lvl7pPr>
-            <a:lvl8pPr>
-              <a:defRPr>
-                <a:solidFill>
-                  <a:schemeClr val="tx2"/>
-                </a:solidFill>
-              </a:defRPr>
-            </a:lvl8pPr>
-            <a:lvl9pPr>
-              <a:defRPr>
-                <a:solidFill>
-                  <a:schemeClr val="tx2"/>
-                </a:solidFill>
-              </a:defRPr>
-            </a:lvl9pPr>
-          </a:lstStyle>
+          <a:lstStyle/>
           <a:p>
             <a:pPr lvl="0" algn="r"/>
             <a:r>
@@ -1384,7 +1489,43 @@
           </a:p>
         </p:txBody>
       </p:sp>
+      <p:cxnSp>
+        <p:nvCxnSpPr>
+          <p:cNvPr id="19" name="Straight Connector 18"/>
+          <p:cNvCxnSpPr/>
+          <p:nvPr/>
+        </p:nvCxnSpPr>
+        <p:spPr>
+          <a:xfrm>
+            <a:off x="1396169" y="4140199"/>
+            <a:ext cx="9407298" cy="0"/>
+          </a:xfrm>
+          <a:prstGeom prst="line">
+            <a:avLst/>
+          </a:prstGeom>
+          <a:ln w="15875"/>
+        </p:spPr>
+        <p:style>
+          <a:lnRef idx="2">
+            <a:schemeClr val="accent1"/>
+          </a:lnRef>
+          <a:fillRef idx="0">
+            <a:schemeClr val="accent1"/>
+          </a:fillRef>
+          <a:effectRef idx="1">
+            <a:schemeClr val="accent1"/>
+          </a:effectRef>
+          <a:fontRef idx="minor">
+            <a:schemeClr val="tx1"/>
+          </a:fontRef>
+        </p:style>
+      </p:cxnSp>
     </p:spTree>
+    <p:extLst>
+      <p:ext uri="{BB962C8B-B14F-4D97-AF65-F5344CB8AC3E}">
+        <p14:creationId xmlns:p14="http://schemas.microsoft.com/office/powerpoint/2010/main" val="4120478766"/>
+      </p:ext>
+    </p:extLst>
   </p:cSld>
   <p:clrMapOvr>
     <a:masterClrMapping/>
@@ -1393,7 +1534,7 @@
 </file>
 
 <file path=ppt/slideLayouts/slideLayout13.xml><?xml version="1.0" encoding="utf-8"?>
-<p:sldLayout xmlns:a="http://schemas.openxmlformats.org/drawingml/2006/main" xmlns:r="http://schemas.openxmlformats.org/officeDocument/2006/relationships" xmlns:p="http://schemas.openxmlformats.org/presentationml/2006/main" showMasterSp="0" preserve="1">
+<p:sldLayout xmlns:a="http://schemas.openxmlformats.org/drawingml/2006/main" xmlns:r="http://schemas.openxmlformats.org/officeDocument/2006/relationships" xmlns:p="http://schemas.openxmlformats.org/presentationml/2006/main" preserve="1">
   <p:cSld name="Name Card">
     <p:spTree>
       <p:nvGrpSpPr>
@@ -1409,57 +1550,29 @@
           <a:chExt cx="0" cy="0"/>
         </a:xfrm>
       </p:grpSpPr>
-      <p:pic>
-        <p:nvPicPr>
-          <p:cNvPr id="8" name="Picture 7" descr="C2-HD-BTM.png"/>
-          <p:cNvPicPr>
-            <a:picLocks noChangeAspect="1"/>
-          </p:cNvPicPr>
-          <p:nvPr/>
-        </p:nvPicPr>
-        <p:blipFill>
-          <a:blip r:embed="rId2">
-            <a:extLst>
-              <a:ext uri="{28A0092B-C50C-407E-A947-70E740481C1C}">
-                <a14:useLocalDpi xmlns:a14="http://schemas.microsoft.com/office/drawing/2010/main" val="0"/>
-              </a:ext>
-            </a:extLst>
-          </a:blip>
-          <a:stretch>
-            <a:fillRect/>
-          </a:stretch>
-        </p:blipFill>
+      <p:sp>
+        <p:nvSpPr>
+          <p:cNvPr id="2" name="Title 1"/>
+          <p:cNvSpPr>
+            <a:spLocks noGrp="1"/>
+          </p:cNvSpPr>
+          <p:nvPr>
+            <p:ph type="title"/>
+          </p:nvPr>
+        </p:nvSpPr>
         <p:spPr>
           <a:xfrm>
-            <a:off x="0" y="4375150"/>
-            <a:ext cx="12192000" cy="2482850"/>
-          </a:xfrm>
-          <a:prstGeom prst="rect">
-            <a:avLst/>
-          </a:prstGeom>
+            <a:off x="1295402" y="3308581"/>
+            <a:ext cx="9609668" cy="1468800"/>
+          </a:xfrm>
         </p:spPr>
-      </p:pic>
-      <p:sp>
-        <p:nvSpPr>
-          <p:cNvPr id="2" name="Title 1"/>
-          <p:cNvSpPr>
-            <a:spLocks noGrp="1"/>
-          </p:cNvSpPr>
-          <p:nvPr>
-            <p:ph type="title"/>
-          </p:nvPr>
-        </p:nvSpPr>
-        <p:spPr>
-          <a:xfrm>
-            <a:off x="1024495" y="1124701"/>
-            <a:ext cx="10146186" cy="2511835"/>
-          </a:xfrm>
-        </p:spPr>
-        <p:txBody>
-          <a:bodyPr anchor="b"/>
+        <p:txBody>
+          <a:bodyPr anchor="b">
+            <a:normAutofit/>
+          </a:bodyPr>
           <a:lstStyle>
             <a:lvl1pPr algn="l">
-              <a:defRPr sz="3200"/>
+              <a:defRPr sz="3200" b="0" cap="none"/>
             </a:lvl1pPr>
           </a:lstStyle>
           <a:p>
@@ -1473,58 +1586,112 @@
       </p:sp>
       <p:sp>
         <p:nvSpPr>
-          <p:cNvPr id="4" name="Text Placeholder 3"/>
-          <p:cNvSpPr>
-            <a:spLocks noGrp="1"/>
-          </p:cNvSpPr>
-          <p:nvPr>
-            <p:ph type="body" sz="half" idx="2"/>
+          <p:cNvPr id="3" name="Text Placeholder 2"/>
+          <p:cNvSpPr>
+            <a:spLocks noGrp="1"/>
+          </p:cNvSpPr>
+          <p:nvPr>
+            <p:ph type="body" idx="1"/>
           </p:nvPr>
         </p:nvSpPr>
         <p:spPr>
           <a:xfrm>
-            <a:off x="1024467" y="3648315"/>
-            <a:ext cx="10144654" cy="999885"/>
+            <a:off x="1295401" y="4777381"/>
+            <a:ext cx="9609668" cy="860400"/>
           </a:xfrm>
         </p:spPr>
         <p:txBody>
-          <a:bodyPr anchor="t"/>
+          <a:bodyPr anchor="t">
+            <a:normAutofit/>
+          </a:bodyPr>
           <a:lstStyle>
-            <a:lvl1pPr marL="0" indent="0">
-              <a:buNone/>
-              <a:defRPr sz="1600"/>
+            <a:lvl1pPr marL="0" indent="0" algn="l">
+              <a:buNone/>
+              <a:defRPr sz="2000">
+                <a:solidFill>
+                  <a:schemeClr val="tx1"/>
+                </a:solidFill>
+              </a:defRPr>
             </a:lvl1pPr>
             <a:lvl2pPr marL="457200" indent="0">
               <a:buNone/>
-              <a:defRPr sz="1400"/>
+              <a:defRPr sz="1800">
+                <a:solidFill>
+                  <a:schemeClr val="tx1">
+                    <a:tint val="75000"/>
+                  </a:schemeClr>
+                </a:solidFill>
+              </a:defRPr>
             </a:lvl2pPr>
             <a:lvl3pPr marL="914400" indent="0">
               <a:buNone/>
-              <a:defRPr sz="1200"/>
+              <a:defRPr sz="1600">
+                <a:solidFill>
+                  <a:schemeClr val="tx1">
+                    <a:tint val="75000"/>
+                  </a:schemeClr>
+                </a:solidFill>
+              </a:defRPr>
             </a:lvl3pPr>
             <a:lvl4pPr marL="1371600" indent="0">
               <a:buNone/>
-              <a:defRPr sz="1000"/>
+              <a:defRPr sz="1400">
+                <a:solidFill>
+                  <a:schemeClr val="tx1">
+                    <a:tint val="75000"/>
+                  </a:schemeClr>
+                </a:solidFill>
+              </a:defRPr>
             </a:lvl4pPr>
             <a:lvl5pPr marL="1828800" indent="0">
               <a:buNone/>
-              <a:defRPr sz="1000"/>
+              <a:defRPr sz="1400">
+                <a:solidFill>
+                  <a:schemeClr val="tx1">
+                    <a:tint val="75000"/>
+                  </a:schemeClr>
+                </a:solidFill>
+              </a:defRPr>
             </a:lvl5pPr>
             <a:lvl6pPr marL="2286000" indent="0">
               <a:buNone/>
-              <a:defRPr sz="1000"/>
+              <a:defRPr sz="1400">
+                <a:solidFill>
+                  <a:schemeClr val="tx1">
+                    <a:tint val="75000"/>
+                  </a:schemeClr>
+                </a:solidFill>
+              </a:defRPr>
             </a:lvl6pPr>
             <a:lvl7pPr marL="2743200" indent="0">
               <a:buNone/>
-              <a:defRPr sz="1000"/>
+              <a:defRPr sz="1400">
+                <a:solidFill>
+                  <a:schemeClr val="tx1">
+                    <a:tint val="75000"/>
+                  </a:schemeClr>
+                </a:solidFill>
+              </a:defRPr>
             </a:lvl7pPr>
             <a:lvl8pPr marL="3200400" indent="0">
               <a:buNone/>
-              <a:defRPr sz="1000"/>
+              <a:defRPr sz="1400">
+                <a:solidFill>
+                  <a:schemeClr val="tx1">
+                    <a:tint val="75000"/>
+                  </a:schemeClr>
+                </a:solidFill>
+              </a:defRPr>
             </a:lvl8pPr>
             <a:lvl9pPr marL="3657600" indent="0">
               <a:buNone/>
-              <a:defRPr sz="1000"/>
+              <a:defRPr sz="1400">
+                <a:solidFill>
+                  <a:schemeClr val="tx1">
+                    <a:tint val="75000"/>
+                  </a:schemeClr>
+                </a:solidFill>
+              </a:defRPr>
             </a:lvl9pPr>
           </a:lstStyle>
           <a:p>
@@ -1538,7 +1705,7 @@
       </p:sp>
       <p:sp>
         <p:nvSpPr>
-          <p:cNvPr id="5" name="Date Placeholder 4"/>
+          <p:cNvPr id="4" name="Date Placeholder 3"/>
           <p:cNvSpPr>
             <a:spLocks noGrp="1"/>
           </p:cNvSpPr>
@@ -1546,24 +1713,15 @@
             <p:ph type="dt" sz="half" idx="10"/>
           </p:nvPr>
         </p:nvSpPr>
-        <p:spPr>
-          <a:xfrm>
-            <a:off x="7814452" y="378883"/>
-            <a:ext cx="2910840" cy="365125"/>
-          </a:xfrm>
-        </p:spPr>
+        <p:spPr/>
         <p:txBody>
           <a:bodyPr/>
-          <a:lstStyle>
-            <a:lvl1pPr algn="r">
-              <a:defRPr/>
-            </a:lvl1pPr>
-          </a:lstStyle>
+          <a:lstStyle/>
           <a:p>
             <a:fld id="{48A87A34-81AB-432B-8DAE-1953F412C126}" type="datetimeFigureOut">
-              <a:rPr lang="en-US" dirty="0"/>
+              <a:rPr lang="en-US" smtClean="0"/>
               <a:pPr/>
-              <a:t>3/1/2018</a:t>
+              <a:t>3/2/2018</a:t>
             </a:fld>
             <a:endParaRPr lang="en-US" dirty="0"/>
           </a:p>
@@ -1571,7 +1729,7 @@
       </p:sp>
       <p:sp>
         <p:nvSpPr>
-          <p:cNvPr id="6" name="Footer Placeholder 5"/>
+          <p:cNvPr id="5" name="Footer Placeholder 4"/>
           <p:cNvSpPr>
             <a:spLocks noGrp="1"/>
           </p:cNvSpPr>
@@ -1579,12 +1737,7 @@
             <p:ph type="ftr" sz="quarter" idx="11"/>
           </p:nvPr>
         </p:nvSpPr>
-        <p:spPr>
-          <a:xfrm>
-            <a:off x="685800" y="378883"/>
-            <a:ext cx="6991492" cy="365125"/>
-          </a:xfrm>
-        </p:spPr>
+        <p:spPr/>
         <p:txBody>
           <a:bodyPr/>
           <a:lstStyle/>
@@ -1595,7 +1748,7 @@
       </p:sp>
       <p:sp>
         <p:nvSpPr>
-          <p:cNvPr id="7" name="Slide Number Placeholder 6"/>
+          <p:cNvPr id="6" name="Slide Number Placeholder 5"/>
           <p:cNvSpPr>
             <a:spLocks noGrp="1"/>
           </p:cNvSpPr>
@@ -1603,18 +1756,13 @@
             <p:ph type="sldNum" sz="quarter" idx="12"/>
           </p:nvPr>
         </p:nvSpPr>
-        <p:spPr>
-          <a:xfrm>
-            <a:off x="10862452" y="381000"/>
-            <a:ext cx="643748" cy="365125"/>
-          </a:xfrm>
-        </p:spPr>
+        <p:spPr/>
         <p:txBody>
           <a:bodyPr/>
           <a:lstStyle/>
           <a:p>
             <a:fld id="{6D22F896-40B5-4ADD-8801-0D06FADFA095}" type="slidenum">
-              <a:rPr lang="en-US" dirty="0"/>
+              <a:rPr lang="en-US" smtClean="0"/>
               <a:t>‹#›</a:t>
             </a:fld>
             <a:endParaRPr lang="en-US" dirty="0"/>
@@ -1622,6 +1770,11 @@
         </p:txBody>
       </p:sp>
     </p:spTree>
+    <p:extLst>
+      <p:ext uri="{BB962C8B-B14F-4D97-AF65-F5344CB8AC3E}">
+        <p14:creationId xmlns:p14="http://schemas.microsoft.com/office/powerpoint/2010/main" val="1911415793"/>
+      </p:ext>
+    </p:extLst>
   </p:cSld>
   <p:clrMapOvr>
     <a:masterClrMapping/>
@@ -1631,7 +1784,7 @@
 
 <file path=ppt/slideLayouts/slideLayout14.xml><?xml version="1.0" encoding="utf-8"?>
 <p:sldLayout xmlns:a="http://schemas.openxmlformats.org/drawingml/2006/main" xmlns:r="http://schemas.openxmlformats.org/officeDocument/2006/relationships" xmlns:p="http://schemas.openxmlformats.org/presentationml/2006/main" preserve="1">
-  <p:cSld name="3 Column">
+  <p:cSld name="Quote Name Card">
     <p:spTree>
       <p:nvGrpSpPr>
         <p:cNvPr id="1" name=""/>
@@ -1648,7 +1801,7 @@
       </p:grpSpPr>
       <p:sp>
         <p:nvSpPr>
-          <p:cNvPr id="15" name="Title 1"/>
+          <p:cNvPr id="2" name="Title 1"/>
           <p:cNvSpPr>
             <a:spLocks noGrp="1"/>
           </p:cNvSpPr>
@@ -1658,46 +1811,59 @@
         </p:nvSpPr>
         <p:spPr>
           <a:xfrm>
-            <a:off x="2895600" y="761999"/>
-            <a:ext cx="8610599" cy="1303867"/>
+            <a:off x="1446213" y="982132"/>
+            <a:ext cx="9296398" cy="2243668"/>
           </a:xfrm>
         </p:spPr>
         <p:txBody>
-          <a:bodyPr/>
-          <a:lstStyle/>
-          <a:p>
-            <a:r>
-              <a:rPr lang="en-US" smtClean="0"/>
-              <a:t>Click to edit Master title style</a:t>
-            </a:r>
-            <a:endParaRPr lang="en-US" dirty="0"/>
-          </a:p>
-        </p:txBody>
-      </p:sp>
-      <p:sp>
-        <p:nvSpPr>
-          <p:cNvPr id="7" name="Text Placeholder 2"/>
-          <p:cNvSpPr>
-            <a:spLocks noGrp="1"/>
-          </p:cNvSpPr>
-          <p:nvPr>
-            <p:ph type="body" idx="1"/>
-          </p:nvPr>
-        </p:nvSpPr>
-        <p:spPr>
-          <a:xfrm>
-            <a:off x="685800" y="2202080"/>
-            <a:ext cx="3456432" cy="617320"/>
-          </a:xfrm>
-        </p:spPr>
-        <p:txBody>
-          <a:bodyPr anchor="b">
-            <a:noAutofit/>
+          <a:bodyPr anchor="ctr">
+            <a:normAutofit/>
           </a:bodyPr>
           <a:lstStyle>
-            <a:lvl1pPr marL="0" indent="0">
-              <a:buNone/>
-              <a:defRPr sz="2400" b="0">
+            <a:lvl1pPr algn="ctr">
+              <a:defRPr sz="3200" b="0" cap="none">
+                <a:solidFill>
+                  <a:schemeClr val="tx1"/>
+                </a:solidFill>
+              </a:defRPr>
+            </a:lvl1pPr>
+          </a:lstStyle>
+          <a:p>
+            <a:r>
+              <a:rPr lang="en-US" smtClean="0"/>
+              <a:t>Click to edit Master title style</a:t>
+            </a:r>
+            <a:endParaRPr lang="en-US" dirty="0"/>
+          </a:p>
+        </p:txBody>
+      </p:sp>
+      <p:sp>
+        <p:nvSpPr>
+          <p:cNvPr id="23" name="Text Placeholder 2"/>
+          <p:cNvSpPr>
+            <a:spLocks noGrp="1"/>
+          </p:cNvSpPr>
+          <p:nvPr>
+            <p:ph type="body" idx="13"/>
+          </p:nvPr>
+        </p:nvSpPr>
+        <p:spPr>
+          <a:xfrm>
+            <a:off x="1295401" y="3639312"/>
+            <a:ext cx="9609668" cy="886968"/>
+          </a:xfrm>
+        </p:spPr>
+        <p:txBody>
+          <a:bodyPr anchor="b">
+            <a:normAutofit/>
+          </a:bodyPr>
+          <a:lstStyle>
+            <a:lvl1pPr marL="0" indent="0" algn="l">
+              <a:spcBef>
+                <a:spcPts val="0"/>
+              </a:spcBef>
+              <a:buNone/>
+              <a:defRPr sz="2400">
                 <a:solidFill>
                   <a:schemeClr val="tx1"/>
                 </a:solidFill>
@@ -1705,35 +1871,83 @@
             </a:lvl1pPr>
             <a:lvl2pPr marL="457200" indent="0">
               <a:buNone/>
-              <a:defRPr sz="2000" b="1"/>
+              <a:defRPr sz="1800">
+                <a:solidFill>
+                  <a:schemeClr val="tx1">
+                    <a:tint val="75000"/>
+                  </a:schemeClr>
+                </a:solidFill>
+              </a:defRPr>
             </a:lvl2pPr>
             <a:lvl3pPr marL="914400" indent="0">
               <a:buNone/>
-              <a:defRPr sz="1800" b="1"/>
+              <a:defRPr sz="1600">
+                <a:solidFill>
+                  <a:schemeClr val="tx1">
+                    <a:tint val="75000"/>
+                  </a:schemeClr>
+                </a:solidFill>
+              </a:defRPr>
             </a:lvl3pPr>
             <a:lvl4pPr marL="1371600" indent="0">
               <a:buNone/>
-              <a:defRPr sz="1600" b="1"/>
+              <a:defRPr sz="1400">
+                <a:solidFill>
+                  <a:schemeClr val="tx1">
+                    <a:tint val="75000"/>
+                  </a:schemeClr>
+                </a:solidFill>
+              </a:defRPr>
             </a:lvl4pPr>
             <a:lvl5pPr marL="1828800" indent="0">
               <a:buNone/>
-              <a:defRPr sz="1600" b="1"/>
+              <a:defRPr sz="1400">
+                <a:solidFill>
+                  <a:schemeClr val="tx1">
+                    <a:tint val="75000"/>
+                  </a:schemeClr>
+                </a:solidFill>
+              </a:defRPr>
             </a:lvl5pPr>
             <a:lvl6pPr marL="2286000" indent="0">
               <a:buNone/>
-              <a:defRPr sz="1600" b="1"/>
+              <a:defRPr sz="1400">
+                <a:solidFill>
+                  <a:schemeClr val="tx1">
+                    <a:tint val="75000"/>
+                  </a:schemeClr>
+                </a:solidFill>
+              </a:defRPr>
             </a:lvl6pPr>
             <a:lvl7pPr marL="2743200" indent="0">
               <a:buNone/>
-              <a:defRPr sz="1600" b="1"/>
+              <a:defRPr sz="1400">
+                <a:solidFill>
+                  <a:schemeClr val="tx1">
+                    <a:tint val="75000"/>
+                  </a:schemeClr>
+                </a:solidFill>
+              </a:defRPr>
             </a:lvl7pPr>
             <a:lvl8pPr marL="3200400" indent="0">
               <a:buNone/>
-              <a:defRPr sz="1600" b="1"/>
+              <a:defRPr sz="1400">
+                <a:solidFill>
+                  <a:schemeClr val="tx1">
+                    <a:tint val="75000"/>
+                  </a:schemeClr>
+                </a:solidFill>
+              </a:defRPr>
             </a:lvl8pPr>
             <a:lvl9pPr marL="3657600" indent="0">
               <a:buNone/>
-              <a:defRPr sz="1600" b="1"/>
+              <a:defRPr sz="1400">
+                <a:solidFill>
+                  <a:schemeClr val="tx1">
+                    <a:tint val="75000"/>
+                  </a:schemeClr>
+                </a:solidFill>
+              </a:defRPr>
             </a:lvl9pPr>
           </a:lstStyle>
           <a:p>
@@ -1747,18 +1961,18 @@
       </p:sp>
       <p:sp>
         <p:nvSpPr>
-          <p:cNvPr id="8" name="Text Placeholder 3"/>
-          <p:cNvSpPr>
-            <a:spLocks noGrp="1"/>
-          </p:cNvSpPr>
-          <p:nvPr>
-            <p:ph type="body" sz="half" idx="15"/>
+          <p:cNvPr id="3" name="Text Placeholder 2"/>
+          <p:cNvSpPr>
+            <a:spLocks noGrp="1"/>
+          </p:cNvSpPr>
+          <p:nvPr>
+            <p:ph type="body" idx="1"/>
           </p:nvPr>
         </p:nvSpPr>
         <p:spPr>
           <a:xfrm>
-            <a:off x="685799" y="2904565"/>
-            <a:ext cx="3456432" cy="3314132"/>
+            <a:off x="1295401" y="4529667"/>
+            <a:ext cx="9609668" cy="1346200"/>
           </a:xfrm>
         </p:spPr>
         <p:txBody>
@@ -1766,41 +1980,93 @@
             <a:normAutofit/>
           </a:bodyPr>
           <a:lstStyle>
-            <a:lvl1pPr marL="0" indent="0">
-              <a:buNone/>
-              <a:defRPr sz="1400"/>
+            <a:lvl1pPr marL="0" indent="0" algn="l">
+              <a:buNone/>
+              <a:defRPr sz="1800">
+                <a:solidFill>
+                  <a:schemeClr val="tx1"/>
+                </a:solidFill>
+              </a:defRPr>
             </a:lvl1pPr>
             <a:lvl2pPr marL="457200" indent="0">
               <a:buNone/>
-              <a:defRPr sz="1200"/>
+              <a:defRPr sz="1800">
+                <a:solidFill>
+                  <a:schemeClr val="tx1">
+                    <a:tint val="75000"/>
+                  </a:schemeClr>
+                </a:solidFill>
+              </a:defRPr>
             </a:lvl2pPr>
             <a:lvl3pPr marL="914400" indent="0">
               <a:buNone/>
-              <a:defRPr sz="1000"/>
+              <a:defRPr sz="1600">
+                <a:solidFill>
+                  <a:schemeClr val="tx1">
+                    <a:tint val="75000"/>
+                  </a:schemeClr>
+                </a:solidFill>
+              </a:defRPr>
             </a:lvl3pPr>
             <a:lvl4pPr marL="1371600" indent="0">
               <a:buNone/>
-              <a:defRPr sz="900"/>
+              <a:defRPr sz="1400">
+                <a:solidFill>
+                  <a:schemeClr val="tx1">
+                    <a:tint val="75000"/>
+                  </a:schemeClr>
+                </a:solidFill>
+              </a:defRPr>
             </a:lvl4pPr>
             <a:lvl5pPr marL="1828800" indent="0">
               <a:buNone/>
-              <a:defRPr sz="900"/>
+              <a:defRPr sz="1400">
+                <a:solidFill>
+                  <a:schemeClr val="tx1">
+                    <a:tint val="75000"/>
+                  </a:schemeClr>
+                </a:solidFill>
+              </a:defRPr>
             </a:lvl5pPr>
             <a:lvl6pPr marL="2286000" indent="0">
               <a:buNone/>
-              <a:defRPr sz="900"/>
+              <a:defRPr sz="1400">
+                <a:solidFill>
+                  <a:schemeClr val="tx1">
+                    <a:tint val="75000"/>
+                  </a:schemeClr>
+                </a:solidFill>
+              </a:defRPr>
             </a:lvl6pPr>
             <a:lvl7pPr marL="2743200" indent="0">
               <a:buNone/>
-              <a:defRPr sz="900"/>
+              <a:defRPr sz="1400">
+                <a:solidFill>
+                  <a:schemeClr val="tx1">
+                    <a:tint val="75000"/>
+                  </a:schemeClr>
+                </a:solidFill>
+              </a:defRPr>
             </a:lvl7pPr>
             <a:lvl8pPr marL="3200400" indent="0">
               <a:buNone/>
-              <a:defRPr sz="900"/>
+              <a:defRPr sz="1400">
+                <a:solidFill>
+                  <a:schemeClr val="tx1">
+                    <a:tint val="75000"/>
+                  </a:schemeClr>
+                </a:solidFill>
+              </a:defRPr>
             </a:lvl8pPr>
             <a:lvl9pPr marL="3657600" indent="0">
               <a:buNone/>
-              <a:defRPr sz="900"/>
+              <a:defRPr sz="1400">
+                <a:solidFill>
+                  <a:schemeClr val="tx1">
+                    <a:tint val="75000"/>
+                  </a:schemeClr>
+                </a:solidFill>
+              </a:defRPr>
             </a:lvl9pPr>
           </a:lstStyle>
           <a:p>
@@ -1814,346 +2080,176 @@
       </p:sp>
       <p:sp>
         <p:nvSpPr>
-          <p:cNvPr id="9" name="Text Placeholder 4"/>
-          <p:cNvSpPr>
-            <a:spLocks noGrp="1"/>
-          </p:cNvSpPr>
-          <p:nvPr>
-            <p:ph type="body" sz="quarter" idx="3"/>
-          </p:nvPr>
+          <p:cNvPr id="4" name="Date Placeholder 3"/>
+          <p:cNvSpPr>
+            <a:spLocks noGrp="1"/>
+          </p:cNvSpPr>
+          <p:nvPr>
+            <p:ph type="dt" sz="half" idx="10"/>
+          </p:nvPr>
+        </p:nvSpPr>
+        <p:spPr/>
+        <p:txBody>
+          <a:bodyPr/>
+          <a:lstStyle/>
+          <a:p>
+            <a:fld id="{48A87A34-81AB-432B-8DAE-1953F412C126}" type="datetimeFigureOut">
+              <a:rPr lang="en-US" smtClean="0"/>
+              <a:pPr/>
+              <a:t>3/2/2018</a:t>
+            </a:fld>
+            <a:endParaRPr lang="en-US" dirty="0"/>
+          </a:p>
+        </p:txBody>
+      </p:sp>
+      <p:sp>
+        <p:nvSpPr>
+          <p:cNvPr id="5" name="Footer Placeholder 4"/>
+          <p:cNvSpPr>
+            <a:spLocks noGrp="1"/>
+          </p:cNvSpPr>
+          <p:nvPr>
+            <p:ph type="ftr" sz="quarter" idx="11"/>
+          </p:nvPr>
+        </p:nvSpPr>
+        <p:spPr/>
+        <p:txBody>
+          <a:bodyPr/>
+          <a:lstStyle/>
+          <a:p>
+            <a:endParaRPr lang="en-US" dirty="0"/>
+          </a:p>
+        </p:txBody>
+      </p:sp>
+      <p:sp>
+        <p:nvSpPr>
+          <p:cNvPr id="6" name="Slide Number Placeholder 5"/>
+          <p:cNvSpPr>
+            <a:spLocks noGrp="1"/>
+          </p:cNvSpPr>
+          <p:nvPr>
+            <p:ph type="sldNum" sz="quarter" idx="12"/>
+          </p:nvPr>
+        </p:nvSpPr>
+        <p:spPr/>
+        <p:txBody>
+          <a:bodyPr/>
+          <a:lstStyle/>
+          <a:p>
+            <a:fld id="{6D22F896-40B5-4ADD-8801-0D06FADFA095}" type="slidenum">
+              <a:rPr lang="en-US" smtClean="0"/>
+              <a:pPr/>
+              <a:t>‹#›</a:t>
+            </a:fld>
+            <a:endParaRPr lang="en-US" dirty="0"/>
+          </a:p>
+        </p:txBody>
+      </p:sp>
+      <p:sp>
+        <p:nvSpPr>
+          <p:cNvPr id="12" name="TextBox 11"/>
+          <p:cNvSpPr txBox="1"/>
+          <p:nvPr/>
         </p:nvSpPr>
         <p:spPr>
           <a:xfrm>
-            <a:off x="4368800" y="2201333"/>
-            <a:ext cx="3456432" cy="626534"/>
-          </a:xfrm>
+            <a:off x="862013" y="879961"/>
+            <a:ext cx="609600" cy="584776"/>
+          </a:xfrm>
+          <a:prstGeom prst="rect">
+            <a:avLst/>
+          </a:prstGeom>
         </p:spPr>
         <p:txBody>
-          <a:bodyPr anchor="b">
+          <a:bodyPr vert="horz" lIns="91440" tIns="45720" rIns="91440" bIns="45720" rtlCol="0" anchor="ctr">
             <a:noAutofit/>
           </a:bodyPr>
-          <a:lstStyle>
-            <a:lvl1pPr marL="0" indent="0">
-              <a:buNone/>
-              <a:defRPr sz="2400" b="0">
+          <a:lstStyle/>
+          <a:p>
+            <a:pPr lvl="0"/>
+            <a:r>
+              <a:rPr lang="en-US" sz="8000" dirty="0">
                 <a:solidFill>
                   <a:schemeClr val="tx1"/>
                 </a:solidFill>
-              </a:defRPr>
-            </a:lvl1pPr>
-            <a:lvl2pPr marL="457200" indent="0">
-              <a:buNone/>
-              <a:defRPr sz="2000" b="1"/>
-            </a:lvl2pPr>
-            <a:lvl3pPr marL="914400" indent="0">
-              <a:buNone/>
-              <a:defRPr sz="1800" b="1"/>
-            </a:lvl3pPr>
-            <a:lvl4pPr marL="1371600" indent="0">
-              <a:buNone/>
-              <a:defRPr sz="1600" b="1"/>
-            </a:lvl4pPr>
-            <a:lvl5pPr marL="1828800" indent="0">
-              <a:buNone/>
-              <a:defRPr sz="1600" b="1"/>
-            </a:lvl5pPr>
-            <a:lvl6pPr marL="2286000" indent="0">
-              <a:buNone/>
-              <a:defRPr sz="1600" b="1"/>
-            </a:lvl6pPr>
-            <a:lvl7pPr marL="2743200" indent="0">
-              <a:buNone/>
-              <a:defRPr sz="1600" b="1"/>
-            </a:lvl7pPr>
-            <a:lvl8pPr marL="3200400" indent="0">
-              <a:buNone/>
-              <a:defRPr sz="1600" b="1"/>
-            </a:lvl8pPr>
-            <a:lvl9pPr marL="3657600" indent="0">
-              <a:buNone/>
-              <a:defRPr sz="1600" b="1"/>
-            </a:lvl9pPr>
-          </a:lstStyle>
-          <a:p>
-            <a:pPr lvl="0"/>
-            <a:r>
-              <a:rPr lang="en-US" smtClean="0"/>
-              <a:t>Click to edit Master text styles</a:t>
-            </a:r>
-          </a:p>
-        </p:txBody>
-      </p:sp>
-      <p:sp>
-        <p:nvSpPr>
-          <p:cNvPr id="10" name="Text Placeholder 3"/>
-          <p:cNvSpPr>
-            <a:spLocks noGrp="1"/>
-          </p:cNvSpPr>
-          <p:nvPr>
-            <p:ph type="body" sz="half" idx="16"/>
-          </p:nvPr>
+                <a:effectLst/>
+              </a:rPr>
+              <a:t>“</a:t>
+            </a:r>
+          </a:p>
+        </p:txBody>
+      </p:sp>
+      <p:sp>
+        <p:nvSpPr>
+          <p:cNvPr id="13" name="TextBox 12"/>
+          <p:cNvSpPr txBox="1"/>
+          <p:nvPr/>
         </p:nvSpPr>
         <p:spPr>
           <a:xfrm>
-            <a:off x="4366858" y="2904067"/>
-            <a:ext cx="3456432" cy="3314618"/>
-          </a:xfrm>
+            <a:off x="10600267" y="2599261"/>
+            <a:ext cx="609600" cy="584776"/>
+          </a:xfrm>
+          <a:prstGeom prst="rect">
+            <a:avLst/>
+          </a:prstGeom>
         </p:spPr>
         <p:txBody>
-          <a:bodyPr anchor="t">
-            <a:normAutofit/>
-          </a:bodyPr>
-          <a:lstStyle>
-            <a:lvl1pPr marL="0" indent="0">
-              <a:buNone/>
-              <a:defRPr sz="1400"/>
-            </a:lvl1pPr>
-            <a:lvl2pPr marL="457200" indent="0">
-              <a:buNone/>
-              <a:defRPr sz="1200"/>
-            </a:lvl2pPr>
-            <a:lvl3pPr marL="914400" indent="0">
-              <a:buNone/>
-              <a:defRPr sz="1000"/>
-            </a:lvl3pPr>
-            <a:lvl4pPr marL="1371600" indent="0">
-              <a:buNone/>
-              <a:defRPr sz="900"/>
-            </a:lvl4pPr>
-            <a:lvl5pPr marL="1828800" indent="0">
-              <a:buNone/>
-              <a:defRPr sz="900"/>
-            </a:lvl5pPr>
-            <a:lvl6pPr marL="2286000" indent="0">
-              <a:buNone/>
-              <a:defRPr sz="900"/>
-            </a:lvl6pPr>
-            <a:lvl7pPr marL="2743200" indent="0">
-              <a:buNone/>
-              <a:defRPr sz="900"/>
-            </a:lvl7pPr>
-            <a:lvl8pPr marL="3200400" indent="0">
-              <a:buNone/>
-              <a:defRPr sz="900"/>
-            </a:lvl8pPr>
-            <a:lvl9pPr marL="3657600" indent="0">
-              <a:buNone/>
-              <a:defRPr sz="900"/>
-            </a:lvl9pPr>
-          </a:lstStyle>
-          <a:p>
-            <a:pPr lvl="0"/>
-            <a:r>
-              <a:rPr lang="en-US" smtClean="0"/>
-              <a:t>Click to edit Master text styles</a:t>
-            </a:r>
-          </a:p>
-        </p:txBody>
-      </p:sp>
-      <p:sp>
-        <p:nvSpPr>
-          <p:cNvPr id="11" name="Text Placeholder 4"/>
-          <p:cNvSpPr>
-            <a:spLocks noGrp="1"/>
-          </p:cNvSpPr>
-          <p:nvPr>
-            <p:ph type="body" sz="quarter" idx="13"/>
-          </p:nvPr>
-        </p:nvSpPr>
-        <p:spPr>
-          <a:xfrm>
-            <a:off x="8051800" y="2192866"/>
-            <a:ext cx="3456432" cy="626534"/>
-          </a:xfrm>
-        </p:spPr>
-        <p:txBody>
-          <a:bodyPr anchor="b">
+          <a:bodyPr vert="horz" lIns="91440" tIns="45720" rIns="91440" bIns="45720" rtlCol="0" anchor="ctr">
             <a:noAutofit/>
           </a:bodyPr>
-          <a:lstStyle>
-            <a:lvl1pPr marL="0" indent="0">
-              <a:buNone/>
-              <a:defRPr sz="2400" b="0">
+          <a:lstStyle/>
+          <a:p>
+            <a:pPr lvl="0" algn="r"/>
+            <a:r>
+              <a:rPr lang="en-US" sz="8000" dirty="0">
                 <a:solidFill>
                   <a:schemeClr val="tx1"/>
                 </a:solidFill>
-              </a:defRPr>
-            </a:lvl1pPr>
-            <a:lvl2pPr marL="457200" indent="0">
-              <a:buNone/>
-              <a:defRPr sz="2000" b="1"/>
-            </a:lvl2pPr>
-            <a:lvl3pPr marL="914400" indent="0">
-              <a:buNone/>
-              <a:defRPr sz="1800" b="1"/>
-            </a:lvl3pPr>
-            <a:lvl4pPr marL="1371600" indent="0">
-              <a:buNone/>
-              <a:defRPr sz="1600" b="1"/>
-            </a:lvl4pPr>
-            <a:lvl5pPr marL="1828800" indent="0">
-              <a:buNone/>
-              <a:defRPr sz="1600" b="1"/>
-            </a:lvl5pPr>
-            <a:lvl6pPr marL="2286000" indent="0">
-              <a:buNone/>
-              <a:defRPr sz="1600" b="1"/>
-            </a:lvl6pPr>
-            <a:lvl7pPr marL="2743200" indent="0">
-              <a:buNone/>
-              <a:defRPr sz="1600" b="1"/>
-            </a:lvl7pPr>
-            <a:lvl8pPr marL="3200400" indent="0">
-              <a:buNone/>
-              <a:defRPr sz="1600" b="1"/>
-            </a:lvl8pPr>
-            <a:lvl9pPr marL="3657600" indent="0">
-              <a:buNone/>
-              <a:defRPr sz="1600" b="1"/>
-            </a:lvl9pPr>
-          </a:lstStyle>
-          <a:p>
-            <a:pPr lvl="0"/>
-            <a:r>
-              <a:rPr lang="en-US" smtClean="0"/>
-              <a:t>Click to edit Master text styles</a:t>
-            </a:r>
-          </a:p>
-        </p:txBody>
-      </p:sp>
-      <p:sp>
-        <p:nvSpPr>
-          <p:cNvPr id="12" name="Text Placeholder 3"/>
-          <p:cNvSpPr>
-            <a:spLocks noGrp="1"/>
-          </p:cNvSpPr>
-          <p:nvPr>
-            <p:ph type="body" sz="half" idx="17"/>
-          </p:nvPr>
-        </p:nvSpPr>
+                <a:effectLst/>
+              </a:rPr>
+              <a:t>”</a:t>
+            </a:r>
+          </a:p>
+        </p:txBody>
+      </p:sp>
+      <p:cxnSp>
+        <p:nvCxnSpPr>
+          <p:cNvPr id="26" name="Straight Connector 25"/>
+          <p:cNvCxnSpPr/>
+          <p:nvPr/>
+        </p:nvCxnSpPr>
         <p:spPr>
           <a:xfrm>
-            <a:off x="8051801" y="2904565"/>
-            <a:ext cx="3456432" cy="3314132"/>
-          </a:xfrm>
+            <a:off x="1396169" y="3429000"/>
+            <a:ext cx="9407298" cy="0"/>
+          </a:xfrm>
+          <a:prstGeom prst="line">
+            <a:avLst/>
+          </a:prstGeom>
+          <a:ln w="15875"/>
         </p:spPr>
-        <p:txBody>
-          <a:bodyPr anchor="t">
-            <a:normAutofit/>
-          </a:bodyPr>
-          <a:lstStyle>
-            <a:lvl1pPr marL="0" indent="0">
-              <a:buNone/>
-              <a:defRPr sz="1400"/>
-            </a:lvl1pPr>
-            <a:lvl2pPr marL="457200" indent="0">
-              <a:buNone/>
-              <a:defRPr sz="1200"/>
-            </a:lvl2pPr>
-            <a:lvl3pPr marL="914400" indent="0">
-              <a:buNone/>
-              <a:defRPr sz="1000"/>
-            </a:lvl3pPr>
-            <a:lvl4pPr marL="1371600" indent="0">
-              <a:buNone/>
-              <a:defRPr sz="900"/>
-            </a:lvl4pPr>
-            <a:lvl5pPr marL="1828800" indent="0">
-              <a:buNone/>
-              <a:defRPr sz="900"/>
-            </a:lvl5pPr>
-            <a:lvl6pPr marL="2286000" indent="0">
-              <a:buNone/>
-              <a:defRPr sz="900"/>
-            </a:lvl6pPr>
-            <a:lvl7pPr marL="2743200" indent="0">
-              <a:buNone/>
-              <a:defRPr sz="900"/>
-            </a:lvl7pPr>
-            <a:lvl8pPr marL="3200400" indent="0">
-              <a:buNone/>
-              <a:defRPr sz="900"/>
-            </a:lvl8pPr>
-            <a:lvl9pPr marL="3657600" indent="0">
-              <a:buNone/>
-              <a:defRPr sz="900"/>
-            </a:lvl9pPr>
-          </a:lstStyle>
-          <a:p>
-            <a:pPr lvl="0"/>
-            <a:r>
-              <a:rPr lang="en-US" smtClean="0"/>
-              <a:t>Click to edit Master text styles</a:t>
-            </a:r>
-          </a:p>
-        </p:txBody>
-      </p:sp>
-      <p:sp>
-        <p:nvSpPr>
-          <p:cNvPr id="3" name="Date Placeholder 2"/>
-          <p:cNvSpPr>
-            <a:spLocks noGrp="1"/>
-          </p:cNvSpPr>
-          <p:nvPr>
-            <p:ph type="dt" sz="half" idx="10"/>
-          </p:nvPr>
-        </p:nvSpPr>
-        <p:spPr/>
-        <p:txBody>
-          <a:bodyPr/>
-          <a:lstStyle/>
-          <a:p>
-            <a:fld id="{48A87A34-81AB-432B-8DAE-1953F412C126}" type="datetimeFigureOut">
-              <a:rPr lang="en-US" dirty="0"/>
-              <a:t>3/1/2018</a:t>
-            </a:fld>
-            <a:endParaRPr lang="en-US" dirty="0"/>
-          </a:p>
-        </p:txBody>
-      </p:sp>
-      <p:sp>
-        <p:nvSpPr>
-          <p:cNvPr id="4" name="Footer Placeholder 3"/>
-          <p:cNvSpPr>
-            <a:spLocks noGrp="1"/>
-          </p:cNvSpPr>
-          <p:nvPr>
-            <p:ph type="ftr" sz="quarter" idx="11"/>
-          </p:nvPr>
-        </p:nvSpPr>
-        <p:spPr/>
-        <p:txBody>
-          <a:bodyPr/>
-          <a:lstStyle/>
-          <a:p>
-            <a:endParaRPr lang="en-US" dirty="0"/>
-          </a:p>
-        </p:txBody>
-      </p:sp>
-      <p:sp>
-        <p:nvSpPr>
-          <p:cNvPr id="5" name="Slide Number Placeholder 4"/>
-          <p:cNvSpPr>
-            <a:spLocks noGrp="1"/>
-          </p:cNvSpPr>
-          <p:nvPr>
-            <p:ph type="sldNum" sz="quarter" idx="12"/>
-          </p:nvPr>
-        </p:nvSpPr>
-        <p:spPr/>
-        <p:txBody>
-          <a:bodyPr/>
-          <a:lstStyle/>
-          <a:p>
-            <a:fld id="{6D22F896-40B5-4ADD-8801-0D06FADFA095}" type="slidenum">
-              <a:rPr lang="en-US" dirty="0"/>
-              <a:t>‹#›</a:t>
-            </a:fld>
-            <a:endParaRPr lang="en-US" dirty="0"/>
-          </a:p>
-        </p:txBody>
-      </p:sp>
+        <p:style>
+          <a:lnRef idx="2">
+            <a:schemeClr val="accent1"/>
+          </a:lnRef>
+          <a:fillRef idx="0">
+            <a:schemeClr val="accent1"/>
+          </a:fillRef>
+          <a:effectRef idx="1">
+            <a:schemeClr val="accent1"/>
+          </a:effectRef>
+          <a:fontRef idx="minor">
+            <a:schemeClr val="tx1"/>
+          </a:fontRef>
+        </p:style>
+      </p:cxnSp>
     </p:spTree>
+    <p:extLst>
+      <p:ext uri="{BB962C8B-B14F-4D97-AF65-F5344CB8AC3E}">
+        <p14:creationId xmlns:p14="http://schemas.microsoft.com/office/powerpoint/2010/main" val="4003029125"/>
+      </p:ext>
+    </p:extLst>
   </p:cSld>
   <p:clrMapOvr>
     <a:masterClrMapping/>
@@ -2163,7 +2259,7 @@
 
 <file path=ppt/slideLayouts/slideLayout15.xml><?xml version="1.0" encoding="utf-8"?>
 <p:sldLayout xmlns:a="http://schemas.openxmlformats.org/drawingml/2006/main" xmlns:r="http://schemas.openxmlformats.org/officeDocument/2006/relationships" xmlns:p="http://schemas.openxmlformats.org/presentationml/2006/main" preserve="1">
-  <p:cSld name="3 Picture Column">
+  <p:cSld name="True or False">
     <p:spTree>
       <p:nvGrpSpPr>
         <p:cNvPr id="1" name=""/>
@@ -2180,7 +2276,7 @@
       </p:grpSpPr>
       <p:sp>
         <p:nvSpPr>
-          <p:cNvPr id="30" name="Title 1"/>
+          <p:cNvPr id="2" name="Title 1"/>
           <p:cNvSpPr>
             <a:spLocks noGrp="1"/>
           </p:cNvSpPr>
@@ -2190,46 +2286,56 @@
         </p:nvSpPr>
         <p:spPr>
           <a:xfrm>
-            <a:off x="2895600" y="762000"/>
-            <a:ext cx="8610599" cy="1295400"/>
+            <a:off x="1295401" y="982132"/>
+            <a:ext cx="9609666" cy="2243668"/>
           </a:xfrm>
         </p:spPr>
         <p:txBody>
-          <a:bodyPr/>
-          <a:lstStyle/>
-          <a:p>
-            <a:r>
-              <a:rPr lang="en-US" smtClean="0"/>
-              <a:t>Click to edit Master title style</a:t>
-            </a:r>
-            <a:endParaRPr lang="en-US" dirty="0"/>
-          </a:p>
-        </p:txBody>
-      </p:sp>
-      <p:sp>
-        <p:nvSpPr>
-          <p:cNvPr id="19" name="Text Placeholder 2"/>
-          <p:cNvSpPr>
-            <a:spLocks noGrp="1"/>
-          </p:cNvSpPr>
-          <p:nvPr>
-            <p:ph type="body" idx="1"/>
-          </p:nvPr>
-        </p:nvSpPr>
-        <p:spPr>
-          <a:xfrm>
-            <a:off x="688618" y="4191000"/>
-            <a:ext cx="3451582" cy="682765"/>
-          </a:xfrm>
-        </p:spPr>
-        <p:txBody>
-          <a:bodyPr anchor="b">
-            <a:noAutofit/>
+          <a:bodyPr vert="horz" lIns="91440" tIns="45720" rIns="91440" bIns="45720" rtlCol="0" anchor="ctr">
+            <a:normAutofit/>
           </a:bodyPr>
           <a:lstStyle>
-            <a:lvl1pPr marL="0" indent="0">
-              <a:buNone/>
-              <a:defRPr sz="2400" b="0">
+            <a:lvl1pPr>
+              <a:defRPr lang="en-US" b="0" dirty="0"/>
+            </a:lvl1pPr>
+          </a:lstStyle>
+          <a:p>
+            <a:pPr marL="0" lvl="0"/>
+            <a:r>
+              <a:rPr lang="en-US" smtClean="0"/>
+              <a:t>Click to edit Master title style</a:t>
+            </a:r>
+            <a:endParaRPr lang="en-US" dirty="0"/>
+          </a:p>
+        </p:txBody>
+      </p:sp>
+      <p:sp>
+        <p:nvSpPr>
+          <p:cNvPr id="20" name="Text Placeholder 2"/>
+          <p:cNvSpPr>
+            <a:spLocks noGrp="1"/>
+          </p:cNvSpPr>
+          <p:nvPr>
+            <p:ph type="body" idx="13"/>
+          </p:nvPr>
+        </p:nvSpPr>
+        <p:spPr>
+          <a:xfrm>
+            <a:off x="1295401" y="3630168"/>
+            <a:ext cx="9609668" cy="841248"/>
+          </a:xfrm>
+        </p:spPr>
+        <p:txBody>
+          <a:bodyPr anchor="b">
+            <a:normAutofit/>
+          </a:bodyPr>
+          <a:lstStyle>
+            <a:lvl1pPr marL="0" indent="0" algn="l">
+              <a:spcBef>
+                <a:spcPts val="0"/>
+              </a:spcBef>
+              <a:buNone/>
+              <a:defRPr sz="2800">
                 <a:solidFill>
                   <a:schemeClr val="tx1"/>
                 </a:solidFill>
@@ -2237,35 +2343,83 @@
             </a:lvl1pPr>
             <a:lvl2pPr marL="457200" indent="0">
               <a:buNone/>
-              <a:defRPr sz="2000" b="1"/>
+              <a:defRPr sz="1800">
+                <a:solidFill>
+                  <a:schemeClr val="tx1">
+                    <a:tint val="75000"/>
+                  </a:schemeClr>
+                </a:solidFill>
+              </a:defRPr>
             </a:lvl2pPr>
             <a:lvl3pPr marL="914400" indent="0">
               <a:buNone/>
-              <a:defRPr sz="1800" b="1"/>
+              <a:defRPr sz="1600">
+                <a:solidFill>
+                  <a:schemeClr val="tx1">
+                    <a:tint val="75000"/>
+                  </a:schemeClr>
+                </a:solidFill>
+              </a:defRPr>
             </a:lvl3pPr>
             <a:lvl4pPr marL="1371600" indent="0">
               <a:buNone/>
-              <a:defRPr sz="1600" b="1"/>
+              <a:defRPr sz="1400">
+                <a:solidFill>
+                  <a:schemeClr val="tx1">
+                    <a:tint val="75000"/>
+                  </a:schemeClr>
+                </a:solidFill>
+              </a:defRPr>
             </a:lvl4pPr>
             <a:lvl5pPr marL="1828800" indent="0">
               <a:buNone/>
-              <a:defRPr sz="1600" b="1"/>
+              <a:defRPr sz="1400">
+                <a:solidFill>
+                  <a:schemeClr val="tx1">
+                    <a:tint val="75000"/>
+                  </a:schemeClr>
+                </a:solidFill>
+              </a:defRPr>
             </a:lvl5pPr>
             <a:lvl6pPr marL="2286000" indent="0">
               <a:buNone/>
-              <a:defRPr sz="1600" b="1"/>
+              <a:defRPr sz="1400">
+                <a:solidFill>
+                  <a:schemeClr val="tx1">
+                    <a:tint val="75000"/>
+                  </a:schemeClr>
+                </a:solidFill>
+              </a:defRPr>
             </a:lvl6pPr>
             <a:lvl7pPr marL="2743200" indent="0">
               <a:buNone/>
-              <a:defRPr sz="1600" b="1"/>
+              <a:defRPr sz="1400">
+                <a:solidFill>
+                  <a:schemeClr val="tx1">
+                    <a:tint val="75000"/>
+                  </a:schemeClr>
+                </a:solidFill>
+              </a:defRPr>
             </a:lvl7pPr>
             <a:lvl8pPr marL="3200400" indent="0">
               <a:buNone/>
-              <a:defRPr sz="1600" b="1"/>
+              <a:defRPr sz="1400">
+                <a:solidFill>
+                  <a:schemeClr val="tx1">
+                    <a:tint val="75000"/>
+                  </a:schemeClr>
+                </a:solidFill>
+              </a:defRPr>
             </a:lvl8pPr>
             <a:lvl9pPr marL="3657600" indent="0">
               <a:buNone/>
-              <a:defRPr sz="1600" b="1"/>
+              <a:defRPr sz="1400">
+                <a:solidFill>
+                  <a:schemeClr val="tx1">
+                    <a:tint val="75000"/>
+                  </a:schemeClr>
+                </a:solidFill>
+              </a:defRPr>
             </a:lvl9pPr>
           </a:lstStyle>
           <a:p>
@@ -2279,142 +2433,115 @@
       </p:sp>
       <p:sp>
         <p:nvSpPr>
-          <p:cNvPr id="20" name="Picture Placeholder 2"/>
-          <p:cNvSpPr>
-            <a:spLocks noGrp="1" noChangeAspect="1"/>
-          </p:cNvSpPr>
-          <p:nvPr>
-            <p:ph type="pic" idx="15"/>
+          <p:cNvPr id="3" name="Text Placeholder 2"/>
+          <p:cNvSpPr>
+            <a:spLocks noGrp="1"/>
+          </p:cNvSpPr>
+          <p:nvPr>
+            <p:ph type="body" idx="1"/>
           </p:nvPr>
         </p:nvSpPr>
         <p:spPr>
           <a:xfrm>
-            <a:off x="688618" y="2362200"/>
-            <a:ext cx="3451582" cy="1524000"/>
-          </a:xfrm>
-          <a:prstGeom prst="roundRect">
-            <a:avLst>
-              <a:gd name="adj" fmla="val 0"/>
-            </a:avLst>
-          </a:prstGeom>
-          <a:effectLst>
-            <a:outerShdw blurRad="50800" dist="50800" dir="5400000" algn="tl" rotWithShape="0">
-              <a:srgbClr val="000000">
-                <a:alpha val="43000"/>
-              </a:srgbClr>
-            </a:outerShdw>
-          </a:effectLst>
+            <a:off x="1295400" y="4470399"/>
+            <a:ext cx="9609670" cy="1405467"/>
+          </a:xfrm>
         </p:spPr>
         <p:txBody>
           <a:bodyPr anchor="t">
             <a:normAutofit/>
           </a:bodyPr>
           <a:lstStyle>
-            <a:lvl1pPr marL="0" indent="0" algn="ctr">
-              <a:buNone/>
-              <a:defRPr sz="1600"/>
+            <a:lvl1pPr marL="0" indent="0" algn="l">
+              <a:buNone/>
+              <a:defRPr sz="1800">
+                <a:solidFill>
+                  <a:schemeClr val="tx1"/>
+                </a:solidFill>
+              </a:defRPr>
             </a:lvl1pPr>
             <a:lvl2pPr marL="457200" indent="0">
               <a:buNone/>
-              <a:defRPr sz="1600"/>
+              <a:defRPr sz="1800">
+                <a:solidFill>
+                  <a:schemeClr val="tx1">
+                    <a:tint val="75000"/>
+                  </a:schemeClr>
+                </a:solidFill>
+              </a:defRPr>
             </a:lvl2pPr>
             <a:lvl3pPr marL="914400" indent="0">
               <a:buNone/>
-              <a:defRPr sz="1600"/>
+              <a:defRPr sz="1600">
+                <a:solidFill>
+                  <a:schemeClr val="tx1">
+                    <a:tint val="75000"/>
+                  </a:schemeClr>
+                </a:solidFill>
+              </a:defRPr>
             </a:lvl3pPr>
             <a:lvl4pPr marL="1371600" indent="0">
               <a:buNone/>
-              <a:defRPr sz="1600"/>
+              <a:defRPr sz="1400">
+                <a:solidFill>
+                  <a:schemeClr val="tx1">
+                    <a:tint val="75000"/>
+                  </a:schemeClr>
+                </a:solidFill>
+              </a:defRPr>
             </a:lvl4pPr>
             <a:lvl5pPr marL="1828800" indent="0">
               <a:buNone/>
-              <a:defRPr sz="1600"/>
+              <a:defRPr sz="1400">
+                <a:solidFill>
+                  <a:schemeClr val="tx1">
+                    <a:tint val="75000"/>
+                  </a:schemeClr>
+                </a:solidFill>
+              </a:defRPr>
             </a:lvl5pPr>
             <a:lvl6pPr marL="2286000" indent="0">
               <a:buNone/>
-              <a:defRPr sz="1600"/>
+              <a:defRPr sz="1400">
+                <a:solidFill>
+                  <a:schemeClr val="tx1">
+                    <a:tint val="75000"/>
+                  </a:schemeClr>
+                </a:solidFill>
+              </a:defRPr>
             </a:lvl6pPr>
             <a:lvl7pPr marL="2743200" indent="0">
               <a:buNone/>
-              <a:defRPr sz="1600"/>
+              <a:defRPr sz="1400">
+                <a:solidFill>
+                  <a:schemeClr val="tx1">
+                    <a:tint val="75000"/>
+                  </a:schemeClr>
+                </a:solidFill>
+              </a:defRPr>
             </a:lvl7pPr>
             <a:lvl8pPr marL="3200400" indent="0">
               <a:buNone/>
-              <a:defRPr sz="1600"/>
+              <a:defRPr sz="1400">
+                <a:solidFill>
+                  <a:schemeClr val="tx1">
+                    <a:tint val="75000"/>
+                  </a:schemeClr>
+                </a:solidFill>
+              </a:defRPr>
             </a:lvl8pPr>
             <a:lvl9pPr marL="3657600" indent="0">
               <a:buNone/>
-              <a:defRPr sz="1600"/>
+              <a:defRPr sz="1400">
+                <a:solidFill>
+                  <a:schemeClr val="tx1">
+                    <a:tint val="75000"/>
+                  </a:schemeClr>
+                </a:solidFill>
+              </a:defRPr>
             </a:lvl9pPr>
           </a:lstStyle>
           <a:p>
-            <a:r>
-              <a:rPr lang="en-US" smtClean="0"/>
-              <a:t>Click icon to add picture</a:t>
-            </a:r>
-            <a:endParaRPr lang="en-US" dirty="0"/>
-          </a:p>
-        </p:txBody>
-      </p:sp>
-      <p:sp>
-        <p:nvSpPr>
-          <p:cNvPr id="21" name="Text Placeholder 3"/>
-          <p:cNvSpPr>
-            <a:spLocks noGrp="1"/>
-          </p:cNvSpPr>
-          <p:nvPr>
-            <p:ph type="body" sz="half" idx="18"/>
-          </p:nvPr>
-        </p:nvSpPr>
-        <p:spPr>
-          <a:xfrm>
-            <a:off x="688618" y="4873764"/>
-            <a:ext cx="3451582" cy="1344921"/>
-          </a:xfrm>
-        </p:spPr>
-        <p:txBody>
-          <a:bodyPr anchor="t">
-            <a:normAutofit/>
-          </a:bodyPr>
-          <a:lstStyle>
-            <a:lvl1pPr marL="0" indent="0">
-              <a:buNone/>
-              <a:defRPr sz="1400"/>
-            </a:lvl1pPr>
-            <a:lvl2pPr marL="457200" indent="0">
-              <a:buNone/>
-              <a:defRPr sz="1200"/>
-            </a:lvl2pPr>
-            <a:lvl3pPr marL="914400" indent="0">
-              <a:buNone/>
-              <a:defRPr sz="1000"/>
-            </a:lvl3pPr>
-            <a:lvl4pPr marL="1371600" indent="0">
-              <a:buNone/>
-              <a:defRPr sz="900"/>
-            </a:lvl4pPr>
-            <a:lvl5pPr marL="1828800" indent="0">
-              <a:buNone/>
-              <a:defRPr sz="900"/>
-            </a:lvl5pPr>
-            <a:lvl6pPr marL="2286000" indent="0">
-              <a:buNone/>
-              <a:defRPr sz="900"/>
-            </a:lvl6pPr>
-            <a:lvl7pPr marL="2743200" indent="0">
-              <a:buNone/>
-              <a:defRPr sz="900"/>
-            </a:lvl7pPr>
-            <a:lvl8pPr marL="3200400" indent="0">
-              <a:buNone/>
-              <a:defRPr sz="900"/>
-            </a:lvl8pPr>
-            <a:lvl9pPr marL="3657600" indent="0">
-              <a:buNone/>
-              <a:defRPr sz="900"/>
-            </a:lvl9pPr>
-          </a:lstStyle>
-          <a:p>
             <a:pPr lvl="0"/>
             <a:r>
               <a:rPr lang="en-US" smtClean="0"/>
@@ -2425,441 +2552,7 @@
       </p:sp>
       <p:sp>
         <p:nvSpPr>
-          <p:cNvPr id="22" name="Text Placeholder 4"/>
-          <p:cNvSpPr>
-            <a:spLocks noGrp="1"/>
-          </p:cNvSpPr>
-          <p:nvPr>
-            <p:ph type="body" sz="quarter" idx="3"/>
-          </p:nvPr>
-        </p:nvSpPr>
-        <p:spPr>
-          <a:xfrm>
-            <a:off x="4374263" y="4191000"/>
-            <a:ext cx="3448935" cy="682765"/>
-          </a:xfrm>
-        </p:spPr>
-        <p:txBody>
-          <a:bodyPr anchor="b">
-            <a:noAutofit/>
-          </a:bodyPr>
-          <a:lstStyle>
-            <a:lvl1pPr marL="0" indent="0">
-              <a:buNone/>
-              <a:defRPr sz="2400" b="0">
-                <a:solidFill>
-                  <a:schemeClr val="tx1"/>
-                </a:solidFill>
-              </a:defRPr>
-            </a:lvl1pPr>
-            <a:lvl2pPr marL="457200" indent="0">
-              <a:buNone/>
-              <a:defRPr sz="2000" b="1"/>
-            </a:lvl2pPr>
-            <a:lvl3pPr marL="914400" indent="0">
-              <a:buNone/>
-              <a:defRPr sz="1800" b="1"/>
-            </a:lvl3pPr>
-            <a:lvl4pPr marL="1371600" indent="0">
-              <a:buNone/>
-              <a:defRPr sz="1600" b="1"/>
-            </a:lvl4pPr>
-            <a:lvl5pPr marL="1828800" indent="0">
-              <a:buNone/>
-              <a:defRPr sz="1600" b="1"/>
-            </a:lvl5pPr>
-            <a:lvl6pPr marL="2286000" indent="0">
-              <a:buNone/>
-              <a:defRPr sz="1600" b="1"/>
-            </a:lvl6pPr>
-            <a:lvl7pPr marL="2743200" indent="0">
-              <a:buNone/>
-              <a:defRPr sz="1600" b="1"/>
-            </a:lvl7pPr>
-            <a:lvl8pPr marL="3200400" indent="0">
-              <a:buNone/>
-              <a:defRPr sz="1600" b="1"/>
-            </a:lvl8pPr>
-            <a:lvl9pPr marL="3657600" indent="0">
-              <a:buNone/>
-              <a:defRPr sz="1600" b="1"/>
-            </a:lvl9pPr>
-          </a:lstStyle>
-          <a:p>
-            <a:pPr lvl="0"/>
-            <a:r>
-              <a:rPr lang="en-US" smtClean="0"/>
-              <a:t>Click to edit Master text styles</a:t>
-            </a:r>
-          </a:p>
-        </p:txBody>
-      </p:sp>
-      <p:sp>
-        <p:nvSpPr>
-          <p:cNvPr id="23" name="Picture Placeholder 2"/>
-          <p:cNvSpPr>
-            <a:spLocks noGrp="1" noChangeAspect="1"/>
-          </p:cNvSpPr>
-          <p:nvPr>
-            <p:ph type="pic" idx="21"/>
-          </p:nvPr>
-        </p:nvSpPr>
-        <p:spPr>
-          <a:xfrm>
-            <a:off x="4374263" y="2362200"/>
-            <a:ext cx="3448936" cy="1524000"/>
-          </a:xfrm>
-          <a:prstGeom prst="roundRect">
-            <a:avLst>
-              <a:gd name="adj" fmla="val 0"/>
-            </a:avLst>
-          </a:prstGeom>
-          <a:effectLst>
-            <a:outerShdw blurRad="50800" dist="50800" dir="5400000" algn="tl" rotWithShape="0">
-              <a:srgbClr val="000000">
-                <a:alpha val="43000"/>
-              </a:srgbClr>
-            </a:outerShdw>
-          </a:effectLst>
-        </p:spPr>
-        <p:txBody>
-          <a:bodyPr anchor="t">
-            <a:normAutofit/>
-          </a:bodyPr>
-          <a:lstStyle>
-            <a:lvl1pPr marL="0" indent="0" algn="ctr">
-              <a:buNone/>
-              <a:defRPr sz="1600"/>
-            </a:lvl1pPr>
-            <a:lvl2pPr marL="457200" indent="0">
-              <a:buNone/>
-              <a:defRPr sz="1600"/>
-            </a:lvl2pPr>
-            <a:lvl3pPr marL="914400" indent="0">
-              <a:buNone/>
-              <a:defRPr sz="1600"/>
-            </a:lvl3pPr>
-            <a:lvl4pPr marL="1371600" indent="0">
-              <a:buNone/>
-              <a:defRPr sz="1600"/>
-            </a:lvl4pPr>
-            <a:lvl5pPr marL="1828800" indent="0">
-              <a:buNone/>
-              <a:defRPr sz="1600"/>
-            </a:lvl5pPr>
-            <a:lvl6pPr marL="2286000" indent="0">
-              <a:buNone/>
-              <a:defRPr sz="1600"/>
-            </a:lvl6pPr>
-            <a:lvl7pPr marL="2743200" indent="0">
-              <a:buNone/>
-              <a:defRPr sz="1600"/>
-            </a:lvl7pPr>
-            <a:lvl8pPr marL="3200400" indent="0">
-              <a:buNone/>
-              <a:defRPr sz="1600"/>
-            </a:lvl8pPr>
-            <a:lvl9pPr marL="3657600" indent="0">
-              <a:buNone/>
-              <a:defRPr sz="1600"/>
-            </a:lvl9pPr>
-          </a:lstStyle>
-          <a:p>
-            <a:r>
-              <a:rPr lang="en-US" smtClean="0"/>
-              <a:t>Click icon to add picture</a:t>
-            </a:r>
-            <a:endParaRPr lang="en-US" dirty="0"/>
-          </a:p>
-        </p:txBody>
-      </p:sp>
-      <p:sp>
-        <p:nvSpPr>
-          <p:cNvPr id="24" name="Text Placeholder 3"/>
-          <p:cNvSpPr>
-            <a:spLocks noGrp="1"/>
-          </p:cNvSpPr>
-          <p:nvPr>
-            <p:ph type="body" sz="half" idx="19"/>
-          </p:nvPr>
-        </p:nvSpPr>
-        <p:spPr>
-          <a:xfrm>
-            <a:off x="4374264" y="4873763"/>
-            <a:ext cx="3448935" cy="1344921"/>
-          </a:xfrm>
-        </p:spPr>
-        <p:txBody>
-          <a:bodyPr anchor="t">
-            <a:normAutofit/>
-          </a:bodyPr>
-          <a:lstStyle>
-            <a:lvl1pPr marL="0" indent="0">
-              <a:buNone/>
-              <a:defRPr sz="1400"/>
-            </a:lvl1pPr>
-            <a:lvl2pPr marL="457200" indent="0">
-              <a:buNone/>
-              <a:defRPr sz="1200"/>
-            </a:lvl2pPr>
-            <a:lvl3pPr marL="914400" indent="0">
-              <a:buNone/>
-              <a:defRPr sz="1000"/>
-            </a:lvl3pPr>
-            <a:lvl4pPr marL="1371600" indent="0">
-              <a:buNone/>
-              <a:defRPr sz="900"/>
-            </a:lvl4pPr>
-            <a:lvl5pPr marL="1828800" indent="0">
-              <a:buNone/>
-              <a:defRPr sz="900"/>
-            </a:lvl5pPr>
-            <a:lvl6pPr marL="2286000" indent="0">
-              <a:buNone/>
-              <a:defRPr sz="900"/>
-            </a:lvl6pPr>
-            <a:lvl7pPr marL="2743200" indent="0">
-              <a:buNone/>
-              <a:defRPr sz="900"/>
-            </a:lvl7pPr>
-            <a:lvl8pPr marL="3200400" indent="0">
-              <a:buNone/>
-              <a:defRPr sz="900"/>
-            </a:lvl8pPr>
-            <a:lvl9pPr marL="3657600" indent="0">
-              <a:buNone/>
-              <a:defRPr sz="900"/>
-            </a:lvl9pPr>
-          </a:lstStyle>
-          <a:p>
-            <a:pPr lvl="0"/>
-            <a:r>
-              <a:rPr lang="en-US" smtClean="0"/>
-              <a:t>Click to edit Master text styles</a:t>
-            </a:r>
-          </a:p>
-        </p:txBody>
-      </p:sp>
-      <p:sp>
-        <p:nvSpPr>
-          <p:cNvPr id="25" name="Text Placeholder 4"/>
-          <p:cNvSpPr>
-            <a:spLocks noGrp="1"/>
-          </p:cNvSpPr>
-          <p:nvPr>
-            <p:ph type="body" sz="quarter" idx="13"/>
-          </p:nvPr>
-        </p:nvSpPr>
-        <p:spPr>
-          <a:xfrm>
-            <a:off x="8049731" y="4191000"/>
-            <a:ext cx="3456469" cy="682765"/>
-          </a:xfrm>
-        </p:spPr>
-        <p:txBody>
-          <a:bodyPr anchor="b">
-            <a:noAutofit/>
-          </a:bodyPr>
-          <a:lstStyle>
-            <a:lvl1pPr marL="0" indent="0">
-              <a:buNone/>
-              <a:defRPr sz="2400" b="0">
-                <a:solidFill>
-                  <a:schemeClr val="tx1"/>
-                </a:solidFill>
-              </a:defRPr>
-            </a:lvl1pPr>
-            <a:lvl2pPr marL="457200" indent="0">
-              <a:buNone/>
-              <a:defRPr sz="2000" b="1"/>
-            </a:lvl2pPr>
-            <a:lvl3pPr marL="914400" indent="0">
-              <a:buNone/>
-              <a:defRPr sz="1800" b="1"/>
-            </a:lvl3pPr>
-            <a:lvl4pPr marL="1371600" indent="0">
-              <a:buNone/>
-              <a:defRPr sz="1600" b="1"/>
-            </a:lvl4pPr>
-            <a:lvl5pPr marL="1828800" indent="0">
-              <a:buNone/>
-              <a:defRPr sz="1600" b="1"/>
-            </a:lvl5pPr>
-            <a:lvl6pPr marL="2286000" indent="0">
-              <a:buNone/>
-              <a:defRPr sz="1600" b="1"/>
-            </a:lvl6pPr>
-            <a:lvl7pPr marL="2743200" indent="0">
-              <a:buNone/>
-              <a:defRPr sz="1600" b="1"/>
-            </a:lvl7pPr>
-            <a:lvl8pPr marL="3200400" indent="0">
-              <a:buNone/>
-              <a:defRPr sz="1600" b="1"/>
-            </a:lvl8pPr>
-            <a:lvl9pPr marL="3657600" indent="0">
-              <a:buNone/>
-              <a:defRPr sz="1600" b="1"/>
-            </a:lvl9pPr>
-          </a:lstStyle>
-          <a:p>
-            <a:pPr lvl="0"/>
-            <a:r>
-              <a:rPr lang="en-US" smtClean="0"/>
-              <a:t>Click to edit Master text styles</a:t>
-            </a:r>
-          </a:p>
-        </p:txBody>
-      </p:sp>
-      <p:sp>
-        <p:nvSpPr>
-          <p:cNvPr id="26" name="Picture Placeholder 2"/>
-          <p:cNvSpPr>
-            <a:spLocks noGrp="1" noChangeAspect="1"/>
-          </p:cNvSpPr>
-          <p:nvPr>
-            <p:ph type="pic" idx="22"/>
-          </p:nvPr>
-        </p:nvSpPr>
-        <p:spPr>
-          <a:xfrm>
-            <a:off x="8049855" y="2362200"/>
-            <a:ext cx="3447878" cy="1524000"/>
-          </a:xfrm>
-          <a:prstGeom prst="roundRect">
-            <a:avLst>
-              <a:gd name="adj" fmla="val 0"/>
-            </a:avLst>
-          </a:prstGeom>
-          <a:effectLst>
-            <a:outerShdw blurRad="50800" dist="50800" dir="5400000" algn="tl" rotWithShape="0">
-              <a:srgbClr val="000000">
-                <a:alpha val="43000"/>
-              </a:srgbClr>
-            </a:outerShdw>
-          </a:effectLst>
-        </p:spPr>
-        <p:txBody>
-          <a:bodyPr anchor="t">
-            <a:normAutofit/>
-          </a:bodyPr>
-          <a:lstStyle>
-            <a:lvl1pPr marL="0" indent="0" algn="ctr">
-              <a:buNone/>
-              <a:defRPr sz="1600"/>
-            </a:lvl1pPr>
-            <a:lvl2pPr marL="457200" indent="0">
-              <a:buNone/>
-              <a:defRPr sz="1600"/>
-            </a:lvl2pPr>
-            <a:lvl3pPr marL="914400" indent="0">
-              <a:buNone/>
-              <a:defRPr sz="1600"/>
-            </a:lvl3pPr>
-            <a:lvl4pPr marL="1371600" indent="0">
-              <a:buNone/>
-              <a:defRPr sz="1600"/>
-            </a:lvl4pPr>
-            <a:lvl5pPr marL="1828800" indent="0">
-              <a:buNone/>
-              <a:defRPr sz="1600"/>
-            </a:lvl5pPr>
-            <a:lvl6pPr marL="2286000" indent="0">
-              <a:buNone/>
-              <a:defRPr sz="1600"/>
-            </a:lvl6pPr>
-            <a:lvl7pPr marL="2743200" indent="0">
-              <a:buNone/>
-              <a:defRPr sz="1600"/>
-            </a:lvl7pPr>
-            <a:lvl8pPr marL="3200400" indent="0">
-              <a:buNone/>
-              <a:defRPr sz="1600"/>
-            </a:lvl8pPr>
-            <a:lvl9pPr marL="3657600" indent="0">
-              <a:buNone/>
-              <a:defRPr sz="1600"/>
-            </a:lvl9pPr>
-          </a:lstStyle>
-          <a:p>
-            <a:r>
-              <a:rPr lang="en-US" smtClean="0"/>
-              <a:t>Click icon to add picture</a:t>
-            </a:r>
-            <a:endParaRPr lang="en-US" dirty="0"/>
-          </a:p>
-        </p:txBody>
-      </p:sp>
-      <p:sp>
-        <p:nvSpPr>
-          <p:cNvPr id="27" name="Text Placeholder 3"/>
-          <p:cNvSpPr>
-            <a:spLocks noGrp="1"/>
-          </p:cNvSpPr>
-          <p:nvPr>
-            <p:ph type="body" sz="half" idx="20"/>
-          </p:nvPr>
-        </p:nvSpPr>
-        <p:spPr>
-          <a:xfrm>
-            <a:off x="8049731" y="4873761"/>
-            <a:ext cx="3452445" cy="1344921"/>
-          </a:xfrm>
-        </p:spPr>
-        <p:txBody>
-          <a:bodyPr anchor="t">
-            <a:normAutofit/>
-          </a:bodyPr>
-          <a:lstStyle>
-            <a:lvl1pPr marL="0" indent="0">
-              <a:buNone/>
-              <a:defRPr sz="1400"/>
-            </a:lvl1pPr>
-            <a:lvl2pPr marL="457200" indent="0">
-              <a:buNone/>
-              <a:defRPr sz="1200"/>
-            </a:lvl2pPr>
-            <a:lvl3pPr marL="914400" indent="0">
-              <a:buNone/>
-              <a:defRPr sz="1000"/>
-            </a:lvl3pPr>
-            <a:lvl4pPr marL="1371600" indent="0">
-              <a:buNone/>
-              <a:defRPr sz="900"/>
-            </a:lvl4pPr>
-            <a:lvl5pPr marL="1828800" indent="0">
-              <a:buNone/>
-              <a:defRPr sz="900"/>
-            </a:lvl5pPr>
-            <a:lvl6pPr marL="2286000" indent="0">
-              <a:buNone/>
-              <a:defRPr sz="900"/>
-            </a:lvl6pPr>
-            <a:lvl7pPr marL="2743200" indent="0">
-              <a:buNone/>
-              <a:defRPr sz="900"/>
-            </a:lvl7pPr>
-            <a:lvl8pPr marL="3200400" indent="0">
-              <a:buNone/>
-              <a:defRPr sz="900"/>
-            </a:lvl8pPr>
-            <a:lvl9pPr marL="3657600" indent="0">
-              <a:buNone/>
-              <a:defRPr sz="900"/>
-            </a:lvl9pPr>
-          </a:lstStyle>
-          <a:p>
-            <a:pPr lvl="0"/>
-            <a:r>
-              <a:rPr lang="en-US" smtClean="0"/>
-              <a:t>Click to edit Master text styles</a:t>
-            </a:r>
-          </a:p>
-        </p:txBody>
-      </p:sp>
-      <p:sp>
-        <p:nvSpPr>
-          <p:cNvPr id="3" name="Date Placeholder 2"/>
+          <p:cNvPr id="4" name="Date Placeholder 3"/>
           <p:cNvSpPr>
             <a:spLocks noGrp="1"/>
           </p:cNvSpPr>
@@ -2873,8 +2566,9 @@
           <a:lstStyle/>
           <a:p>
             <a:fld id="{48A87A34-81AB-432B-8DAE-1953F412C126}" type="datetimeFigureOut">
-              <a:rPr lang="en-US" dirty="0"/>
-              <a:t>3/1/2018</a:t>
+              <a:rPr lang="en-US" smtClean="0"/>
+              <a:pPr/>
+              <a:t>3/2/2018</a:t>
             </a:fld>
             <a:endParaRPr lang="en-US" dirty="0"/>
           </a:p>
@@ -2882,7 +2576,7 @@
       </p:sp>
       <p:sp>
         <p:nvSpPr>
-          <p:cNvPr id="4" name="Footer Placeholder 3"/>
+          <p:cNvPr id="5" name="Footer Placeholder 4"/>
           <p:cNvSpPr>
             <a:spLocks noGrp="1"/>
           </p:cNvSpPr>
@@ -2901,7 +2595,7 @@
       </p:sp>
       <p:sp>
         <p:nvSpPr>
-          <p:cNvPr id="5" name="Slide Number Placeholder 4"/>
+          <p:cNvPr id="6" name="Slide Number Placeholder 5"/>
           <p:cNvSpPr>
             <a:spLocks noGrp="1"/>
           </p:cNvSpPr>
@@ -2915,14 +2609,51 @@
           <a:lstStyle/>
           <a:p>
             <a:fld id="{6D22F896-40B5-4ADD-8801-0D06FADFA095}" type="slidenum">
-              <a:rPr lang="en-US" dirty="0"/>
+              <a:rPr lang="en-US" smtClean="0"/>
+              <a:pPr/>
               <a:t>‹#›</a:t>
             </a:fld>
             <a:endParaRPr lang="en-US" dirty="0"/>
           </a:p>
         </p:txBody>
       </p:sp>
+      <p:cxnSp>
+        <p:nvCxnSpPr>
+          <p:cNvPr id="15" name="Straight Connector 14"/>
+          <p:cNvCxnSpPr/>
+          <p:nvPr/>
+        </p:nvCxnSpPr>
+        <p:spPr>
+          <a:xfrm>
+            <a:off x="1396169" y="3429000"/>
+            <a:ext cx="9407298" cy="0"/>
+          </a:xfrm>
+          <a:prstGeom prst="line">
+            <a:avLst/>
+          </a:prstGeom>
+          <a:ln w="15875"/>
+        </p:spPr>
+        <p:style>
+          <a:lnRef idx="2">
+            <a:schemeClr val="accent1"/>
+          </a:lnRef>
+          <a:fillRef idx="0">
+            <a:schemeClr val="accent1"/>
+          </a:fillRef>
+          <a:effectRef idx="1">
+            <a:schemeClr val="accent1"/>
+          </a:effectRef>
+          <a:fontRef idx="minor">
+            <a:schemeClr val="tx1"/>
+          </a:fontRef>
+        </p:style>
+      </p:cxnSp>
     </p:spTree>
+    <p:extLst>
+      <p:ext uri="{BB962C8B-B14F-4D97-AF65-F5344CB8AC3E}">
+        <p14:creationId xmlns:p14="http://schemas.microsoft.com/office/powerpoint/2010/main" val="151964342"/>
+      </p:ext>
+    </p:extLst>
   </p:cSld>
   <p:clrMapOvr>
     <a:masterClrMapping/>
@@ -2960,7 +2691,11 @@
         <p:spPr/>
         <p:txBody>
           <a:bodyPr/>
-          <a:lstStyle/>
+          <a:lstStyle>
+            <a:lvl1pPr algn="ctr">
+              <a:defRPr/>
+            </a:lvl1pPr>
+          </a:lstStyle>
           <a:p>
             <a:r>
               <a:rPr lang="en-US" smtClean="0"/>
@@ -2980,14 +2715,9 @@
             <p:ph type="body" orient="vert" idx="1"/>
           </p:nvPr>
         </p:nvSpPr>
-        <p:spPr>
-          <a:xfrm>
-            <a:off x="685800" y="2194559"/>
-            <a:ext cx="10820400" cy="4024125"/>
-          </a:xfrm>
-        </p:spPr>
-        <p:txBody>
-          <a:bodyPr vert="eaVert"/>
+        <p:spPr/>
+        <p:txBody>
+          <a:bodyPr vert="eaVert" anchor="t"/>
           <a:lstStyle/>
           <a:p>
             <a:pPr lvl="0"/>
@@ -3043,8 +2773,8 @@
           <a:lstStyle/>
           <a:p>
             <a:fld id="{48A87A34-81AB-432B-8DAE-1953F412C126}" type="datetimeFigureOut">
-              <a:rPr lang="en-US" dirty="0"/>
-              <a:t>3/1/2018</a:t>
+              <a:rPr lang="en-US" smtClean="0"/>
+              <a:t>3/2/2018</a:t>
             </a:fld>
             <a:endParaRPr lang="en-US" dirty="0"/>
           </a:p>
@@ -3085,14 +2815,50 @@
           <a:lstStyle/>
           <a:p>
             <a:fld id="{6D22F896-40B5-4ADD-8801-0D06FADFA095}" type="slidenum">
-              <a:rPr lang="en-US" dirty="0"/>
+              <a:rPr lang="en-US" smtClean="0"/>
               <a:t>‹#›</a:t>
             </a:fld>
             <a:endParaRPr lang="en-US" dirty="0"/>
           </a:p>
         </p:txBody>
       </p:sp>
+      <p:cxnSp>
+        <p:nvCxnSpPr>
+          <p:cNvPr id="14" name="Straight Connector 13"/>
+          <p:cNvCxnSpPr/>
+          <p:nvPr/>
+        </p:nvCxnSpPr>
+        <p:spPr>
+          <a:xfrm>
+            <a:off x="1396169" y="2421466"/>
+            <a:ext cx="9407298" cy="0"/>
+          </a:xfrm>
+          <a:prstGeom prst="line">
+            <a:avLst/>
+          </a:prstGeom>
+          <a:ln w="15875"/>
+        </p:spPr>
+        <p:style>
+          <a:lnRef idx="2">
+            <a:schemeClr val="accent1"/>
+          </a:lnRef>
+          <a:fillRef idx="0">
+            <a:schemeClr val="accent1"/>
+          </a:fillRef>
+          <a:effectRef idx="1">
+            <a:schemeClr val="accent1"/>
+          </a:effectRef>
+          <a:fontRef idx="minor">
+            <a:schemeClr val="tx1"/>
+          </a:fontRef>
+        </p:style>
+      </p:cxnSp>
     </p:spTree>
+    <p:extLst>
+      <p:ext uri="{BB962C8B-B14F-4D97-AF65-F5344CB8AC3E}">
+        <p14:creationId xmlns:p14="http://schemas.microsoft.com/office/powerpoint/2010/main" val="245717975"/>
+      </p:ext>
+    </p:extLst>
   </p:cSld>
   <p:clrMapOvr>
     <a:masterClrMapping/>
@@ -3101,7 +2867,7 @@
 </file>
 
 <file path=ppt/slideLayouts/slideLayout17.xml><?xml version="1.0" encoding="utf-8"?>
-<p:sldLayout xmlns:a="http://schemas.openxmlformats.org/drawingml/2006/main" xmlns:r="http://schemas.openxmlformats.org/officeDocument/2006/relationships" xmlns:p="http://schemas.openxmlformats.org/presentationml/2006/main" showMasterSp="0" type="vertTitleAndTx" preserve="1">
+<p:sldLayout xmlns:a="http://schemas.openxmlformats.org/drawingml/2006/main" xmlns:r="http://schemas.openxmlformats.org/officeDocument/2006/relationships" xmlns:p="http://schemas.openxmlformats.org/presentationml/2006/main" type="vertTitleAndTx" preserve="1">
   <p:cSld name="Vertical Title and Text">
     <p:spTree>
       <p:nvGrpSpPr>
@@ -3117,211 +2883,194 @@
           <a:chExt cx="0" cy="0"/>
         </a:xfrm>
       </p:grpSpPr>
-      <p:pic>
-        <p:nvPicPr>
-          <p:cNvPr id="9" name="Picture 8" descr="C2-HD-BTM.png"/>
-          <p:cNvPicPr>
-            <a:picLocks noChangeAspect="1"/>
-          </p:cNvPicPr>
+      <p:sp>
+        <p:nvSpPr>
+          <p:cNvPr id="2" name="Vertical Title 1"/>
+          <p:cNvSpPr>
+            <a:spLocks noGrp="1"/>
+          </p:cNvSpPr>
+          <p:nvPr>
+            <p:ph type="title" orient="vert"/>
+          </p:nvPr>
+        </p:nvSpPr>
+        <p:spPr>
+          <a:xfrm>
+            <a:off x="8999356" y="982131"/>
+            <a:ext cx="1890895" cy="4893735"/>
+          </a:xfrm>
+        </p:spPr>
+        <p:txBody>
+          <a:bodyPr vert="eaVert"/>
+          <a:lstStyle/>
+          <a:p>
+            <a:r>
+              <a:rPr lang="en-US" smtClean="0"/>
+              <a:t>Click to edit Master title style</a:t>
+            </a:r>
+            <a:endParaRPr lang="en-US" dirty="0"/>
+          </a:p>
+        </p:txBody>
+      </p:sp>
+      <p:sp>
+        <p:nvSpPr>
+          <p:cNvPr id="3" name="Vertical Text Placeholder 2"/>
+          <p:cNvSpPr>
+            <a:spLocks noGrp="1"/>
+          </p:cNvSpPr>
+          <p:nvPr>
+            <p:ph type="body" orient="vert" idx="1"/>
+          </p:nvPr>
+        </p:nvSpPr>
+        <p:spPr>
+          <a:xfrm>
+            <a:off x="1295398" y="982132"/>
+            <a:ext cx="7433025" cy="4893734"/>
+          </a:xfrm>
+        </p:spPr>
+        <p:txBody>
+          <a:bodyPr vert="eaVert" anchor="t"/>
+          <a:lstStyle/>
+          <a:p>
+            <a:pPr lvl="0"/>
+            <a:r>
+              <a:rPr lang="en-US" smtClean="0"/>
+              <a:t>Click to edit Master text styles</a:t>
+            </a:r>
+          </a:p>
+          <a:p>
+            <a:pPr lvl="1"/>
+            <a:r>
+              <a:rPr lang="en-US" smtClean="0"/>
+              <a:t>Second level</a:t>
+            </a:r>
+          </a:p>
+          <a:p>
+            <a:pPr lvl="2"/>
+            <a:r>
+              <a:rPr lang="en-US" smtClean="0"/>
+              <a:t>Third level</a:t>
+            </a:r>
+          </a:p>
+          <a:p>
+            <a:pPr lvl="3"/>
+            <a:r>
+              <a:rPr lang="en-US" smtClean="0"/>
+              <a:t>Fourth level</a:t>
+            </a:r>
+          </a:p>
+          <a:p>
+            <a:pPr lvl="4"/>
+            <a:r>
+              <a:rPr lang="en-US" smtClean="0"/>
+              <a:t>Fifth level</a:t>
+            </a:r>
+            <a:endParaRPr lang="en-US" dirty="0"/>
+          </a:p>
+        </p:txBody>
+      </p:sp>
+      <p:sp>
+        <p:nvSpPr>
+          <p:cNvPr id="4" name="Date Placeholder 3"/>
+          <p:cNvSpPr>
+            <a:spLocks noGrp="1"/>
+          </p:cNvSpPr>
+          <p:nvPr>
+            <p:ph type="dt" sz="half" idx="10"/>
+          </p:nvPr>
+        </p:nvSpPr>
+        <p:spPr/>
+        <p:txBody>
+          <a:bodyPr/>
+          <a:lstStyle/>
+          <a:p>
+            <a:fld id="{48A87A34-81AB-432B-8DAE-1953F412C126}" type="datetimeFigureOut">
+              <a:rPr lang="en-US" smtClean="0"/>
+              <a:pPr/>
+              <a:t>3/2/2018</a:t>
+            </a:fld>
+            <a:endParaRPr lang="en-US" dirty="0"/>
+          </a:p>
+        </p:txBody>
+      </p:sp>
+      <p:sp>
+        <p:nvSpPr>
+          <p:cNvPr id="5" name="Footer Placeholder 4"/>
+          <p:cNvSpPr>
+            <a:spLocks noGrp="1"/>
+          </p:cNvSpPr>
+          <p:nvPr>
+            <p:ph type="ftr" sz="quarter" idx="11"/>
+          </p:nvPr>
+        </p:nvSpPr>
+        <p:spPr/>
+        <p:txBody>
+          <a:bodyPr/>
+          <a:lstStyle/>
+          <a:p>
+            <a:endParaRPr lang="en-US" dirty="0"/>
+          </a:p>
+        </p:txBody>
+      </p:sp>
+      <p:sp>
+        <p:nvSpPr>
+          <p:cNvPr id="6" name="Slide Number Placeholder 5"/>
+          <p:cNvSpPr>
+            <a:spLocks noGrp="1"/>
+          </p:cNvSpPr>
+          <p:nvPr>
+            <p:ph type="sldNum" sz="quarter" idx="12"/>
+          </p:nvPr>
+        </p:nvSpPr>
+        <p:spPr/>
+        <p:txBody>
+          <a:bodyPr/>
+          <a:lstStyle/>
+          <a:p>
+            <a:fld id="{6D22F896-40B5-4ADD-8801-0D06FADFA095}" type="slidenum">
+              <a:rPr lang="en-US" smtClean="0"/>
+              <a:t>‹#›</a:t>
+            </a:fld>
+            <a:endParaRPr lang="en-US" dirty="0"/>
+          </a:p>
+        </p:txBody>
+      </p:sp>
+      <p:cxnSp>
+        <p:nvCxnSpPr>
+          <p:cNvPr id="14" name="Straight Connector 13"/>
+          <p:cNvCxnSpPr/>
           <p:nvPr/>
-        </p:nvPicPr>
-        <p:blipFill>
-          <a:blip r:embed="rId2">
-            <a:extLst>
-              <a:ext uri="{28A0092B-C50C-407E-A947-70E740481C1C}">
-                <a14:useLocalDpi xmlns:a14="http://schemas.microsoft.com/office/drawing/2010/main" val="0"/>
-              </a:ext>
-            </a:extLst>
-          </a:blip>
-          <a:stretch>
-            <a:fillRect/>
-          </a:stretch>
-        </p:blipFill>
+        </p:nvCxnSpPr>
         <p:spPr>
           <a:xfrm>
-            <a:off x="0" y="4375150"/>
-            <a:ext cx="12192000" cy="2482850"/>
-          </a:xfrm>
-          <a:prstGeom prst="rect">
+            <a:off x="8863890" y="990600"/>
+            <a:ext cx="0" cy="4876800"/>
+          </a:xfrm>
+          <a:prstGeom prst="line">
             <a:avLst/>
           </a:prstGeom>
+          <a:ln w="15875"/>
         </p:spPr>
-      </p:pic>
-      <p:sp>
-        <p:nvSpPr>
-          <p:cNvPr id="2" name="Vertical Title 1"/>
-          <p:cNvSpPr>
-            <a:spLocks noGrp="1"/>
-          </p:cNvSpPr>
-          <p:nvPr>
-            <p:ph type="title" orient="vert"/>
-          </p:nvPr>
-        </p:nvSpPr>
-        <p:spPr>
-          <a:xfrm>
-            <a:off x="9448800" y="745066"/>
-            <a:ext cx="2057400" cy="3903133"/>
-          </a:xfrm>
-        </p:spPr>
-        <p:txBody>
-          <a:bodyPr vert="eaVert"/>
-          <a:lstStyle>
-            <a:lvl1pPr algn="l">
-              <a:defRPr/>
-            </a:lvl1pPr>
-          </a:lstStyle>
-          <a:p>
-            <a:r>
-              <a:rPr lang="en-US" smtClean="0"/>
-              <a:t>Click to edit Master title style</a:t>
-            </a:r>
-            <a:endParaRPr lang="en-US" dirty="0"/>
-          </a:p>
-        </p:txBody>
-      </p:sp>
-      <p:sp>
-        <p:nvSpPr>
-          <p:cNvPr id="3" name="Vertical Text Placeholder 2"/>
-          <p:cNvSpPr>
-            <a:spLocks noGrp="1"/>
-          </p:cNvSpPr>
-          <p:nvPr>
-            <p:ph type="body" orient="vert" idx="1"/>
-          </p:nvPr>
-        </p:nvSpPr>
-        <p:spPr>
-          <a:xfrm>
-            <a:off x="1024466" y="745067"/>
-            <a:ext cx="8204201" cy="3903133"/>
-          </a:xfrm>
-        </p:spPr>
-        <p:txBody>
-          <a:bodyPr vert="eaVert"/>
-          <a:lstStyle/>
-          <a:p>
-            <a:pPr lvl="0"/>
-            <a:r>
-              <a:rPr lang="en-US" smtClean="0"/>
-              <a:t>Click to edit Master text styles</a:t>
-            </a:r>
-          </a:p>
-          <a:p>
-            <a:pPr lvl="1"/>
-            <a:r>
-              <a:rPr lang="en-US" smtClean="0"/>
-              <a:t>Second level</a:t>
-            </a:r>
-          </a:p>
-          <a:p>
-            <a:pPr lvl="2"/>
-            <a:r>
-              <a:rPr lang="en-US" smtClean="0"/>
-              <a:t>Third level</a:t>
-            </a:r>
-          </a:p>
-          <a:p>
-            <a:pPr lvl="3"/>
-            <a:r>
-              <a:rPr lang="en-US" smtClean="0"/>
-              <a:t>Fourth level</a:t>
-            </a:r>
-          </a:p>
-          <a:p>
-            <a:pPr lvl="4"/>
-            <a:r>
-              <a:rPr lang="en-US" smtClean="0"/>
-              <a:t>Fifth level</a:t>
-            </a:r>
-            <a:endParaRPr lang="en-US" dirty="0"/>
-          </a:p>
-        </p:txBody>
-      </p:sp>
-      <p:sp>
-        <p:nvSpPr>
-          <p:cNvPr id="4" name="Date Placeholder 3"/>
-          <p:cNvSpPr>
-            <a:spLocks noGrp="1"/>
-          </p:cNvSpPr>
-          <p:nvPr>
-            <p:ph type="dt" sz="half" idx="10"/>
-          </p:nvPr>
-        </p:nvSpPr>
-        <p:spPr>
-          <a:xfrm>
-            <a:off x="7814452" y="379941"/>
-            <a:ext cx="2910840" cy="365125"/>
-          </a:xfrm>
-        </p:spPr>
-        <p:txBody>
-          <a:bodyPr/>
-          <a:lstStyle>
-            <a:lvl1pPr algn="r">
-              <a:defRPr/>
-            </a:lvl1pPr>
-          </a:lstStyle>
-          <a:p>
-            <a:fld id="{48A87A34-81AB-432B-8DAE-1953F412C126}" type="datetimeFigureOut">
-              <a:rPr lang="en-US" dirty="0"/>
-              <a:pPr/>
-              <a:t>3/1/2018</a:t>
-            </a:fld>
-            <a:endParaRPr lang="en-US" dirty="0"/>
-          </a:p>
-        </p:txBody>
-      </p:sp>
-      <p:sp>
-        <p:nvSpPr>
-          <p:cNvPr id="5" name="Footer Placeholder 4"/>
-          <p:cNvSpPr>
-            <a:spLocks noGrp="1"/>
-          </p:cNvSpPr>
-          <p:nvPr>
-            <p:ph type="ftr" sz="quarter" idx="11"/>
-          </p:nvPr>
-        </p:nvSpPr>
-        <p:spPr>
-          <a:xfrm>
-            <a:off x="685800" y="381000"/>
-            <a:ext cx="6991492" cy="365125"/>
-          </a:xfrm>
-        </p:spPr>
-        <p:txBody>
-          <a:bodyPr/>
-          <a:lstStyle/>
-          <a:p>
-            <a:endParaRPr lang="en-US" dirty="0"/>
-          </a:p>
-        </p:txBody>
-      </p:sp>
-      <p:sp>
-        <p:nvSpPr>
-          <p:cNvPr id="6" name="Slide Number Placeholder 5"/>
-          <p:cNvSpPr>
-            <a:spLocks noGrp="1"/>
-          </p:cNvSpPr>
-          <p:nvPr>
-            <p:ph type="sldNum" sz="quarter" idx="12"/>
-          </p:nvPr>
-        </p:nvSpPr>
-        <p:spPr>
-          <a:xfrm>
-            <a:off x="10862452" y="381000"/>
-            <a:ext cx="643748" cy="365125"/>
-          </a:xfrm>
-        </p:spPr>
-        <p:txBody>
-          <a:bodyPr/>
-          <a:lstStyle/>
-          <a:p>
-            <a:fld id="{6D22F896-40B5-4ADD-8801-0D06FADFA095}" type="slidenum">
-              <a:rPr lang="en-US" dirty="0"/>
-              <a:t>‹#›</a:t>
-            </a:fld>
-            <a:endParaRPr lang="en-US" dirty="0"/>
-          </a:p>
-        </p:txBody>
-      </p:sp>
+        <p:style>
+          <a:lnRef idx="2">
+            <a:schemeClr val="accent1"/>
+          </a:lnRef>
+          <a:fillRef idx="0">
+            <a:schemeClr val="accent1"/>
+          </a:fillRef>
+          <a:effectRef idx="1">
+            <a:schemeClr val="accent1"/>
+          </a:effectRef>
+          <a:fontRef idx="minor">
+            <a:schemeClr val="tx1"/>
+          </a:fontRef>
+        </p:style>
+      </p:cxnSp>
     </p:spTree>
+    <p:extLst>
+      <p:ext uri="{BB962C8B-B14F-4D97-AF65-F5344CB8AC3E}">
+        <p14:creationId xmlns:p14="http://schemas.microsoft.com/office/powerpoint/2010/main" val="1797188482"/>
+      </p:ext>
+    </p:extLst>
   </p:cSld>
   <p:clrMapOvr>
     <a:masterClrMapping/>
@@ -3346,6 +3095,37 @@
           <a:chExt cx="0" cy="0"/>
         </a:xfrm>
       </p:grpSpPr>
+      <p:cxnSp>
+        <p:nvCxnSpPr>
+          <p:cNvPr id="7" name="Straight Connector 6"/>
+          <p:cNvCxnSpPr/>
+          <p:nvPr/>
+        </p:nvCxnSpPr>
+        <p:spPr>
+          <a:xfrm>
+            <a:off x="1396169" y="2421466"/>
+            <a:ext cx="9407298" cy="0"/>
+          </a:xfrm>
+          <a:prstGeom prst="line">
+            <a:avLst/>
+          </a:prstGeom>
+          <a:ln w="15875"/>
+        </p:spPr>
+        <p:style>
+          <a:lnRef idx="2">
+            <a:schemeClr val="accent1"/>
+          </a:lnRef>
+          <a:fillRef idx="0">
+            <a:schemeClr val="accent1"/>
+          </a:fillRef>
+          <a:effectRef idx="1">
+            <a:schemeClr val="accent1"/>
+          </a:effectRef>
+          <a:fontRef idx="minor">
+            <a:schemeClr val="tx1"/>
+          </a:fontRef>
+        </p:style>
+      </p:cxnSp>
       <p:sp>
         <p:nvSpPr>
           <p:cNvPr id="2" name="Title 1"/>
@@ -3437,8 +3217,8 @@
           <a:lstStyle/>
           <a:p>
             <a:fld id="{48A87A34-81AB-432B-8DAE-1953F412C126}" type="datetimeFigureOut">
-              <a:rPr lang="en-US" dirty="0"/>
-              <a:t>3/1/2018</a:t>
+              <a:rPr lang="en-US" smtClean="0"/>
+              <a:t>3/2/2018</a:t>
             </a:fld>
             <a:endParaRPr lang="en-US" dirty="0"/>
           </a:p>
@@ -3479,7 +3259,7 @@
           <a:lstStyle/>
           <a:p>
             <a:fld id="{6D22F896-40B5-4ADD-8801-0D06FADFA095}" type="slidenum">
-              <a:rPr lang="en-US" dirty="0"/>
+              <a:rPr lang="en-US" smtClean="0"/>
               <a:t>‹#›</a:t>
             </a:fld>
             <a:endParaRPr lang="en-US" dirty="0"/>
@@ -3487,6 +3267,11 @@
         </p:txBody>
       </p:sp>
     </p:spTree>
+    <p:extLst>
+      <p:ext uri="{BB962C8B-B14F-4D97-AF65-F5344CB8AC3E}">
+        <p14:creationId xmlns:p14="http://schemas.microsoft.com/office/powerpoint/2010/main" val="4046501841"/>
+      </p:ext>
+    </p:extLst>
   </p:cSld>
   <p:clrMapOvr>
     <a:masterClrMapping/>
@@ -3495,7 +3280,7 @@
 </file>
 
 <file path=ppt/slideLayouts/slideLayout3.xml><?xml version="1.0" encoding="utf-8"?>
-<p:sldLayout xmlns:a="http://schemas.openxmlformats.org/drawingml/2006/main" xmlns:r="http://schemas.openxmlformats.org/officeDocument/2006/relationships" xmlns:p="http://schemas.openxmlformats.org/presentationml/2006/main" showMasterSp="0" type="secHead" preserve="1">
+<p:sldLayout xmlns:a="http://schemas.openxmlformats.org/drawingml/2006/main" xmlns:r="http://schemas.openxmlformats.org/officeDocument/2006/relationships" xmlns:p="http://schemas.openxmlformats.org/presentationml/2006/main" type="secHead" preserve="1">
   <p:cSld name="Section Header">
     <p:spTree>
       <p:nvGrpSpPr>
@@ -3511,50 +3296,20 @@
           <a:chExt cx="0" cy="0"/>
         </a:xfrm>
       </p:grpSpPr>
-      <p:pic>
-        <p:nvPicPr>
-          <p:cNvPr id="8" name="Picture 7" descr="C2-HD-BTM.png"/>
-          <p:cNvPicPr>
-            <a:picLocks noChangeAspect="1"/>
-          </p:cNvPicPr>
-          <p:nvPr/>
-        </p:nvPicPr>
-        <p:blipFill>
-          <a:blip r:embed="rId2">
-            <a:extLst>
-              <a:ext uri="{28A0092B-C50C-407E-A947-70E740481C1C}">
-                <a14:useLocalDpi xmlns:a14="http://schemas.microsoft.com/office/drawing/2010/main" val="0"/>
-              </a:ext>
-            </a:extLst>
-          </a:blip>
-          <a:stretch>
-            <a:fillRect/>
-          </a:stretch>
-        </p:blipFill>
+      <p:sp>
+        <p:nvSpPr>
+          <p:cNvPr id="2" name="Title 1"/>
+          <p:cNvSpPr>
+            <a:spLocks noGrp="1"/>
+          </p:cNvSpPr>
+          <p:nvPr>
+            <p:ph type="title"/>
+          </p:nvPr>
+        </p:nvSpPr>
         <p:spPr>
           <a:xfrm>
-            <a:off x="0" y="4375150"/>
-            <a:ext cx="12192000" cy="2482850"/>
-          </a:xfrm>
-          <a:prstGeom prst="rect">
-            <a:avLst/>
-          </a:prstGeom>
-        </p:spPr>
-      </p:pic>
-      <p:sp>
-        <p:nvSpPr>
-          <p:cNvPr id="2" name="Title 1"/>
-          <p:cNvSpPr>
-            <a:spLocks noGrp="1"/>
-          </p:cNvSpPr>
-          <p:nvPr>
-            <p:ph type="title"/>
-          </p:nvPr>
-        </p:nvSpPr>
-        <p:spPr>
-          <a:xfrm>
-            <a:off x="685800" y="753533"/>
-            <a:ext cx="10820399" cy="2801935"/>
+            <a:off x="2015069" y="1752606"/>
+            <a:ext cx="8158688" cy="1822514"/>
           </a:xfrm>
         </p:spPr>
         <p:txBody>
@@ -3562,8 +3317,8 @@
             <a:normAutofit/>
           </a:bodyPr>
           <a:lstStyle>
-            <a:lvl1pPr algn="r">
-              <a:defRPr sz="4000"/>
+            <a:lvl1pPr algn="ctr">
+              <a:defRPr sz="4400" b="0" cap="none"/>
             </a:lvl1pPr>
           </a:lstStyle>
           <a:p>
@@ -3587,104 +3342,102 @@
         </p:nvSpPr>
         <p:spPr>
           <a:xfrm>
-            <a:off x="1024467" y="3641725"/>
-            <a:ext cx="10490200" cy="955675"/>
+            <a:off x="2015067" y="3846051"/>
+            <a:ext cx="8158690" cy="954547"/>
           </a:xfrm>
         </p:spPr>
         <p:txBody>
-          <a:bodyPr>
+          <a:bodyPr anchor="t">
             <a:normAutofit/>
           </a:bodyPr>
           <a:lstStyle>
-            <a:lvl1pPr marL="0" indent="0" algn="r">
-              <a:buNone/>
-              <a:defRPr sz="2200">
+            <a:lvl1pPr marL="0" indent="0" algn="ctr">
+              <a:buNone/>
+              <a:defRPr sz="2400">
+                <a:solidFill>
+                  <a:schemeClr val="tx1"/>
+                </a:solidFill>
+              </a:defRPr>
+            </a:lvl1pPr>
+            <a:lvl2pPr marL="457200" indent="0">
+              <a:buNone/>
+              <a:defRPr sz="1800">
                 <a:solidFill>
                   <a:schemeClr val="tx1">
                     <a:tint val="75000"/>
                   </a:schemeClr>
                 </a:solidFill>
               </a:defRPr>
-            </a:lvl1pPr>
-            <a:lvl2pPr marL="457200" indent="0">
-              <a:buNone/>
-              <a:defRPr sz="2000">
+            </a:lvl2pPr>
+            <a:lvl3pPr marL="914400" indent="0">
+              <a:buNone/>
+              <a:defRPr sz="1600">
                 <a:solidFill>
                   <a:schemeClr val="tx1">
                     <a:tint val="75000"/>
                   </a:schemeClr>
                 </a:solidFill>
               </a:defRPr>
-            </a:lvl2pPr>
-            <a:lvl3pPr marL="914400" indent="0">
-              <a:buNone/>
-              <a:defRPr sz="1800">
+            </a:lvl3pPr>
+            <a:lvl4pPr marL="1371600" indent="0">
+              <a:buNone/>
+              <a:defRPr sz="1400">
                 <a:solidFill>
                   <a:schemeClr val="tx1">
                     <a:tint val="75000"/>
                   </a:schemeClr>
                 </a:solidFill>
               </a:defRPr>
-            </a:lvl3pPr>
-            <a:lvl4pPr marL="1371600" indent="0">
-              <a:buNone/>
-              <a:defRPr sz="1600">
+            </a:lvl4pPr>
+            <a:lvl5pPr marL="1828800" indent="0">
+              <a:buNone/>
+              <a:defRPr sz="1400">
                 <a:solidFill>
                   <a:schemeClr val="tx1">
                     <a:tint val="75000"/>
                   </a:schemeClr>
                 </a:solidFill>
               </a:defRPr>
-            </a:lvl4pPr>
-            <a:lvl5pPr marL="1828800" indent="0">
-              <a:buNone/>
-              <a:defRPr sz="1600">
+            </a:lvl5pPr>
+            <a:lvl6pPr marL="2286000" indent="0">
+              <a:buNone/>
+              <a:defRPr sz="1400">
                 <a:solidFill>
                   <a:schemeClr val="tx1">
                     <a:tint val="75000"/>
                   </a:schemeClr>
                 </a:solidFill>
               </a:defRPr>
-            </a:lvl5pPr>
-            <a:lvl6pPr marL="2286000" indent="0">
-              <a:buNone/>
-              <a:defRPr sz="1600">
+            </a:lvl6pPr>
+            <a:lvl7pPr marL="2743200" indent="0">
+              <a:buNone/>
+              <a:defRPr sz="1400">
                 <a:solidFill>
                   <a:schemeClr val="tx1">
                     <a:tint val="75000"/>
                   </a:schemeClr>
                 </a:solidFill>
               </a:defRPr>
-            </a:lvl6pPr>
-            <a:lvl7pPr marL="2743200" indent="0">
-              <a:buNone/>
-              <a:defRPr sz="1600">
+            </a:lvl7pPr>
+            <a:lvl8pPr marL="3200400" indent="0">
+              <a:buNone/>
+              <a:defRPr sz="1400">
                 <a:solidFill>
                   <a:schemeClr val="tx1">
                     <a:tint val="75000"/>
                   </a:schemeClr>
                 </a:solidFill>
               </a:defRPr>
-            </a:lvl7pPr>
-            <a:lvl8pPr marL="3200400" indent="0">
-              <a:buNone/>
-              <a:defRPr sz="1600">
+            </a:lvl8pPr>
+            <a:lvl9pPr marL="3657600" indent="0">
+              <a:buNone/>
+              <a:defRPr sz="1400">
                 <a:solidFill>
                   <a:schemeClr val="tx1">
                     <a:tint val="75000"/>
                   </a:schemeClr>
                 </a:solidFill>
               </a:defRPr>
-            </a:lvl8pPr>
-            <a:lvl9pPr marL="3657600" indent="0">
-              <a:buNone/>
-              <a:defRPr sz="1600">
-                <a:solidFill>
-                  <a:schemeClr val="tx1">
-                    <a:tint val="75000"/>
-                  </a:schemeClr>
-                </a:solidFill>
-              </a:defRPr>
             </a:lvl9pPr>
           </a:lstStyle>
           <a:p>
@@ -3706,24 +3459,15 @@
             <p:ph type="dt" sz="half" idx="10"/>
           </p:nvPr>
         </p:nvSpPr>
-        <p:spPr>
-          <a:xfrm>
-            <a:off x="7814452" y="381000"/>
-            <a:ext cx="2910840" cy="365125"/>
-          </a:xfrm>
-        </p:spPr>
+        <p:spPr/>
         <p:txBody>
           <a:bodyPr/>
-          <a:lstStyle>
-            <a:lvl1pPr algn="r">
-              <a:defRPr/>
-            </a:lvl1pPr>
-          </a:lstStyle>
+          <a:lstStyle/>
           <a:p>
             <a:fld id="{48A87A34-81AB-432B-8DAE-1953F412C126}" type="datetimeFigureOut">
-              <a:rPr lang="en-US" dirty="0"/>
+              <a:rPr lang="en-US" smtClean="0"/>
               <a:pPr/>
-              <a:t>3/1/2018</a:t>
+              <a:t>3/2/2018</a:t>
             </a:fld>
             <a:endParaRPr lang="en-US" dirty="0"/>
           </a:p>
@@ -3739,12 +3483,7 @@
             <p:ph type="ftr" sz="quarter" idx="11"/>
           </p:nvPr>
         </p:nvSpPr>
-        <p:spPr>
-          <a:xfrm>
-            <a:off x="685800" y="381001"/>
-            <a:ext cx="6991492" cy="364065"/>
-          </a:xfrm>
-        </p:spPr>
+        <p:spPr/>
         <p:txBody>
           <a:bodyPr/>
           <a:lstStyle/>
@@ -3763,25 +3502,56 @@
             <p:ph type="sldNum" sz="quarter" idx="12"/>
           </p:nvPr>
         </p:nvSpPr>
-        <p:spPr>
-          <a:xfrm>
-            <a:off x="10862452" y="381000"/>
-            <a:ext cx="643748" cy="365125"/>
-          </a:xfrm>
-        </p:spPr>
+        <p:spPr/>
         <p:txBody>
           <a:bodyPr/>
           <a:lstStyle/>
           <a:p>
             <a:fld id="{6D22F896-40B5-4ADD-8801-0D06FADFA095}" type="slidenum">
-              <a:rPr lang="en-US" dirty="0"/>
+              <a:rPr lang="en-US" smtClean="0"/>
               <a:t>‹#›</a:t>
             </a:fld>
             <a:endParaRPr lang="en-US" dirty="0"/>
           </a:p>
         </p:txBody>
       </p:sp>
+      <p:cxnSp>
+        <p:nvCxnSpPr>
+          <p:cNvPr id="16" name="Straight Connector 15"/>
+          <p:cNvCxnSpPr/>
+          <p:nvPr/>
+        </p:nvCxnSpPr>
+        <p:spPr>
+          <a:xfrm>
+            <a:off x="2012723" y="3710585"/>
+            <a:ext cx="8163380" cy="0"/>
+          </a:xfrm>
+          <a:prstGeom prst="line">
+            <a:avLst/>
+          </a:prstGeom>
+          <a:ln w="15875"/>
+        </p:spPr>
+        <p:style>
+          <a:lnRef idx="2">
+            <a:schemeClr val="accent1"/>
+          </a:lnRef>
+          <a:fillRef idx="0">
+            <a:schemeClr val="accent1"/>
+          </a:fillRef>
+          <a:effectRef idx="1">
+            <a:schemeClr val="accent1"/>
+          </a:effectRef>
+          <a:fontRef idx="minor">
+            <a:schemeClr val="tx1"/>
+          </a:fontRef>
+        </p:style>
+      </p:cxnSp>
     </p:spTree>
+    <p:extLst>
+      <p:ext uri="{BB962C8B-B14F-4D97-AF65-F5344CB8AC3E}">
+        <p14:creationId xmlns:p14="http://schemas.microsoft.com/office/powerpoint/2010/main" val="2046972463"/>
+      </p:ext>
+    </p:extLst>
   </p:cSld>
   <p:clrMapOvr>
     <a:masterClrMapping/>
@@ -3806,6 +3576,37 @@
           <a:chExt cx="0" cy="0"/>
         </a:xfrm>
       </p:grpSpPr>
+      <p:cxnSp>
+        <p:nvCxnSpPr>
+          <p:cNvPr id="8" name="Straight Connector 7"/>
+          <p:cNvCxnSpPr/>
+          <p:nvPr/>
+        </p:nvCxnSpPr>
+        <p:spPr>
+          <a:xfrm>
+            <a:off x="1396169" y="2421466"/>
+            <a:ext cx="9407298" cy="0"/>
+          </a:xfrm>
+          <a:prstGeom prst="line">
+            <a:avLst/>
+          </a:prstGeom>
+          <a:ln w="15875"/>
+        </p:spPr>
+        <p:style>
+          <a:lnRef idx="2">
+            <a:schemeClr val="accent1"/>
+          </a:lnRef>
+          <a:fillRef idx="0">
+            <a:schemeClr val="accent1"/>
+          </a:fillRef>
+          <a:effectRef idx="1">
+            <a:schemeClr val="accent1"/>
+          </a:effectRef>
+          <a:fontRef idx="minor">
+            <a:schemeClr val="tx1"/>
+          </a:fontRef>
+        </p:style>
+      </p:cxnSp>
       <p:sp>
         <p:nvSpPr>
           <p:cNvPr id="2" name="Title 1"/>
@@ -3841,116 +3642,162 @@
         </p:nvSpPr>
         <p:spPr>
           <a:xfrm>
-            <a:off x="685800" y="2194559"/>
-            <a:ext cx="5334000" cy="4024125"/>
+            <a:off x="1298448" y="2560320"/>
+            <a:ext cx="4718304" cy="3310128"/>
           </a:xfrm>
         </p:spPr>
         <p:txBody>
+          <a:bodyPr>
+            <a:normAutofit/>
+          </a:bodyPr>
+          <a:lstStyle/>
+          <a:p>
+            <a:pPr lvl="0"/>
+            <a:r>
+              <a:rPr lang="en-US" smtClean="0"/>
+              <a:t>Click to edit Master text styles</a:t>
+            </a:r>
+          </a:p>
+          <a:p>
+            <a:pPr lvl="1"/>
+            <a:r>
+              <a:rPr lang="en-US" smtClean="0"/>
+              <a:t>Second level</a:t>
+            </a:r>
+          </a:p>
+          <a:p>
+            <a:pPr lvl="2"/>
+            <a:r>
+              <a:rPr lang="en-US" smtClean="0"/>
+              <a:t>Third level</a:t>
+            </a:r>
+          </a:p>
+          <a:p>
+            <a:pPr lvl="3"/>
+            <a:r>
+              <a:rPr lang="en-US" smtClean="0"/>
+              <a:t>Fourth level</a:t>
+            </a:r>
+          </a:p>
+          <a:p>
+            <a:pPr lvl="4"/>
+            <a:r>
+              <a:rPr lang="en-US" smtClean="0"/>
+              <a:t>Fifth level</a:t>
+            </a:r>
+            <a:endParaRPr lang="en-US" dirty="0"/>
+          </a:p>
+        </p:txBody>
+      </p:sp>
+      <p:sp>
+        <p:nvSpPr>
+          <p:cNvPr id="4" name="Content Placeholder 3"/>
+          <p:cNvSpPr>
+            <a:spLocks noGrp="1"/>
+          </p:cNvSpPr>
+          <p:nvPr>
+            <p:ph sz="half" idx="2"/>
+          </p:nvPr>
+        </p:nvSpPr>
+        <p:spPr>
+          <a:xfrm>
+            <a:off x="6181344" y="2560320"/>
+            <a:ext cx="4718304" cy="3310128"/>
+          </a:xfrm>
+        </p:spPr>
+        <p:txBody>
+          <a:bodyPr>
+            <a:normAutofit/>
+          </a:bodyPr>
+          <a:lstStyle/>
+          <a:p>
+            <a:pPr lvl="0"/>
+            <a:r>
+              <a:rPr lang="en-US" smtClean="0"/>
+              <a:t>Click to edit Master text styles</a:t>
+            </a:r>
+          </a:p>
+          <a:p>
+            <a:pPr lvl="1"/>
+            <a:r>
+              <a:rPr lang="en-US" smtClean="0"/>
+              <a:t>Second level</a:t>
+            </a:r>
+          </a:p>
+          <a:p>
+            <a:pPr lvl="2"/>
+            <a:r>
+              <a:rPr lang="en-US" smtClean="0"/>
+              <a:t>Third level</a:t>
+            </a:r>
+          </a:p>
+          <a:p>
+            <a:pPr lvl="3"/>
+            <a:r>
+              <a:rPr lang="en-US" smtClean="0"/>
+              <a:t>Fourth level</a:t>
+            </a:r>
+          </a:p>
+          <a:p>
+            <a:pPr lvl="4"/>
+            <a:r>
+              <a:rPr lang="en-US" smtClean="0"/>
+              <a:t>Fifth level</a:t>
+            </a:r>
+            <a:endParaRPr lang="en-US" dirty="0"/>
+          </a:p>
+        </p:txBody>
+      </p:sp>
+      <p:sp>
+        <p:nvSpPr>
+          <p:cNvPr id="5" name="Date Placeholder 4"/>
+          <p:cNvSpPr>
+            <a:spLocks noGrp="1"/>
+          </p:cNvSpPr>
+          <p:nvPr>
+            <p:ph type="dt" sz="half" idx="10"/>
+          </p:nvPr>
+        </p:nvSpPr>
+        <p:spPr/>
+        <p:txBody>
           <a:bodyPr/>
           <a:lstStyle/>
           <a:p>
-            <a:pPr lvl="0"/>
-            <a:r>
-              <a:rPr lang="en-US" smtClean="0"/>
-              <a:t>Click to edit Master text styles</a:t>
-            </a:r>
-          </a:p>
-          <a:p>
-            <a:pPr lvl="1"/>
-            <a:r>
-              <a:rPr lang="en-US" smtClean="0"/>
-              <a:t>Second level</a:t>
-            </a:r>
-          </a:p>
-          <a:p>
-            <a:pPr lvl="2"/>
-            <a:r>
-              <a:rPr lang="en-US" smtClean="0"/>
-              <a:t>Third level</a:t>
-            </a:r>
-          </a:p>
-          <a:p>
-            <a:pPr lvl="3"/>
-            <a:r>
-              <a:rPr lang="en-US" smtClean="0"/>
-              <a:t>Fourth level</a:t>
-            </a:r>
-          </a:p>
-          <a:p>
-            <a:pPr lvl="4"/>
-            <a:r>
-              <a:rPr lang="en-US" smtClean="0"/>
-              <a:t>Fifth level</a:t>
-            </a:r>
-            <a:endParaRPr lang="en-US" dirty="0"/>
-          </a:p>
-        </p:txBody>
-      </p:sp>
-      <p:sp>
-        <p:nvSpPr>
-          <p:cNvPr id="4" name="Content Placeholder 3"/>
-          <p:cNvSpPr>
-            <a:spLocks noGrp="1"/>
-          </p:cNvSpPr>
-          <p:nvPr>
-            <p:ph sz="half" idx="2"/>
-          </p:nvPr>
-        </p:nvSpPr>
-        <p:spPr>
-          <a:xfrm>
-            <a:off x="6172200" y="2194559"/>
-            <a:ext cx="5334000" cy="4024125"/>
-          </a:xfrm>
-        </p:spPr>
+            <a:fld id="{48A87A34-81AB-432B-8DAE-1953F412C126}" type="datetimeFigureOut">
+              <a:rPr lang="en-US" smtClean="0"/>
+              <a:t>3/2/2018</a:t>
+            </a:fld>
+            <a:endParaRPr lang="en-US" dirty="0"/>
+          </a:p>
+        </p:txBody>
+      </p:sp>
+      <p:sp>
+        <p:nvSpPr>
+          <p:cNvPr id="6" name="Footer Placeholder 5"/>
+          <p:cNvSpPr>
+            <a:spLocks noGrp="1"/>
+          </p:cNvSpPr>
+          <p:nvPr>
+            <p:ph type="ftr" sz="quarter" idx="11"/>
+          </p:nvPr>
+        </p:nvSpPr>
+        <p:spPr/>
         <p:txBody>
           <a:bodyPr/>
           <a:lstStyle/>
           <a:p>
-            <a:pPr lvl="0"/>
-            <a:r>
-              <a:rPr lang="en-US" smtClean="0"/>
-              <a:t>Click to edit Master text styles</a:t>
-            </a:r>
-          </a:p>
-          <a:p>
-            <a:pPr lvl="1"/>
-            <a:r>
-              <a:rPr lang="en-US" smtClean="0"/>
-              <a:t>Second level</a:t>
-            </a:r>
-          </a:p>
-          <a:p>
-            <a:pPr lvl="2"/>
-            <a:r>
-              <a:rPr lang="en-US" smtClean="0"/>
-              <a:t>Third level</a:t>
-            </a:r>
-          </a:p>
-          <a:p>
-            <a:pPr lvl="3"/>
-            <a:r>
-              <a:rPr lang="en-US" smtClean="0"/>
-              <a:t>Fourth level</a:t>
-            </a:r>
-          </a:p>
-          <a:p>
-            <a:pPr lvl="4"/>
-            <a:r>
-              <a:rPr lang="en-US" smtClean="0"/>
-              <a:t>Fifth level</a:t>
-            </a:r>
-            <a:endParaRPr lang="en-US" dirty="0"/>
-          </a:p>
-        </p:txBody>
-      </p:sp>
-      <p:sp>
-        <p:nvSpPr>
-          <p:cNvPr id="5" name="Date Placeholder 4"/>
-          <p:cNvSpPr>
-            <a:spLocks noGrp="1"/>
-          </p:cNvSpPr>
-          <p:nvPr>
-            <p:ph type="dt" sz="half" idx="10"/>
+            <a:endParaRPr lang="en-US" dirty="0"/>
+          </a:p>
+        </p:txBody>
+      </p:sp>
+      <p:sp>
+        <p:nvSpPr>
+          <p:cNvPr id="7" name="Slide Number Placeholder 6"/>
+          <p:cNvSpPr>
+            <a:spLocks noGrp="1"/>
+          </p:cNvSpPr>
+          <p:nvPr>
+            <p:ph type="sldNum" sz="quarter" idx="12"/>
           </p:nvPr>
         </p:nvSpPr>
         <p:spPr/>
@@ -3958,50 +3805,8 @@
           <a:bodyPr/>
           <a:lstStyle/>
           <a:p>
-            <a:fld id="{48A87A34-81AB-432B-8DAE-1953F412C126}" type="datetimeFigureOut">
-              <a:rPr lang="en-US" dirty="0"/>
-              <a:t>3/1/2018</a:t>
-            </a:fld>
-            <a:endParaRPr lang="en-US" dirty="0"/>
-          </a:p>
-        </p:txBody>
-      </p:sp>
-      <p:sp>
-        <p:nvSpPr>
-          <p:cNvPr id="6" name="Footer Placeholder 5"/>
-          <p:cNvSpPr>
-            <a:spLocks noGrp="1"/>
-          </p:cNvSpPr>
-          <p:nvPr>
-            <p:ph type="ftr" sz="quarter" idx="11"/>
-          </p:nvPr>
-        </p:nvSpPr>
-        <p:spPr/>
-        <p:txBody>
-          <a:bodyPr/>
-          <a:lstStyle/>
-          <a:p>
-            <a:endParaRPr lang="en-US" dirty="0"/>
-          </a:p>
-        </p:txBody>
-      </p:sp>
-      <p:sp>
-        <p:nvSpPr>
-          <p:cNvPr id="7" name="Slide Number Placeholder 6"/>
-          <p:cNvSpPr>
-            <a:spLocks noGrp="1"/>
-          </p:cNvSpPr>
-          <p:nvPr>
-            <p:ph type="sldNum" sz="quarter" idx="12"/>
-          </p:nvPr>
-        </p:nvSpPr>
-        <p:spPr/>
-        <p:txBody>
-          <a:bodyPr/>
-          <a:lstStyle/>
-          <a:p>
             <a:fld id="{6D22F896-40B5-4ADD-8801-0D06FADFA095}" type="slidenum">
-              <a:rPr lang="en-US" dirty="0"/>
+              <a:rPr lang="en-US" smtClean="0"/>
               <a:t>‹#›</a:t>
             </a:fld>
             <a:endParaRPr lang="en-US" dirty="0"/>
@@ -4009,6 +3814,11 @@
         </p:txBody>
       </p:sp>
     </p:spTree>
+    <p:extLst>
+      <p:ext uri="{BB962C8B-B14F-4D97-AF65-F5344CB8AC3E}">
+        <p14:creationId xmlns:p14="http://schemas.microsoft.com/office/powerpoint/2010/main" val="351732618"/>
+      </p:ext>
+    </p:extLst>
   </p:cSld>
   <p:clrMapOvr>
     <a:masterClrMapping/>
@@ -4043,50 +3853,55 @@
             <p:ph type="title"/>
           </p:nvPr>
         </p:nvSpPr>
+        <p:spPr/>
+        <p:txBody>
+          <a:bodyPr/>
+          <a:lstStyle>
+            <a:lvl1pPr>
+              <a:defRPr/>
+            </a:lvl1pPr>
+          </a:lstStyle>
+          <a:p>
+            <a:r>
+              <a:rPr lang="en-US" smtClean="0"/>
+              <a:t>Click to edit Master title style</a:t>
+            </a:r>
+            <a:endParaRPr lang="en-US" dirty="0"/>
+          </a:p>
+        </p:txBody>
+      </p:sp>
+      <p:sp>
+        <p:nvSpPr>
+          <p:cNvPr id="3" name="Text Placeholder 2"/>
+          <p:cNvSpPr>
+            <a:spLocks noGrp="1"/>
+          </p:cNvSpPr>
+          <p:nvPr>
+            <p:ph type="body" idx="1"/>
+          </p:nvPr>
+        </p:nvSpPr>
         <p:spPr>
           <a:xfrm>
-            <a:off x="2895600" y="762000"/>
-            <a:ext cx="8610600" cy="1295400"/>
+            <a:off x="1295400" y="2658533"/>
+            <a:ext cx="4718304" cy="576262"/>
           </a:xfrm>
         </p:spPr>
         <p:txBody>
-          <a:bodyPr/>
-          <a:lstStyle/>
-          <a:p>
-            <a:r>
-              <a:rPr lang="en-US" smtClean="0"/>
-              <a:t>Click to edit Master title style</a:t>
-            </a:r>
-            <a:endParaRPr lang="en-US" dirty="0"/>
-          </a:p>
-        </p:txBody>
-      </p:sp>
-      <p:sp>
-        <p:nvSpPr>
-          <p:cNvPr id="3" name="Text Placeholder 2"/>
-          <p:cNvSpPr>
-            <a:spLocks noGrp="1"/>
-          </p:cNvSpPr>
-          <p:nvPr>
-            <p:ph type="body" idx="1"/>
-          </p:nvPr>
-        </p:nvSpPr>
-        <p:spPr>
-          <a:xfrm>
-            <a:off x="914409" y="2183802"/>
-            <a:ext cx="5079991" cy="823912"/>
-          </a:xfrm>
-        </p:spPr>
-        <p:txBody>
           <a:bodyPr anchor="b">
-            <a:normAutofit/>
+            <a:noAutofit/>
           </a:bodyPr>
           <a:lstStyle>
             <a:lvl1pPr marL="0" indent="0">
+              <a:spcBef>
+                <a:spcPts val="672"/>
+              </a:spcBef>
+              <a:spcAft>
+                <a:spcPts val="600"/>
+              </a:spcAft>
               <a:buNone/>
               <a:defRPr sz="2800" b="0">
                 <a:solidFill>
-                  <a:schemeClr val="tx1"/>
+                  <a:schemeClr val="accent1"/>
                 </a:solidFill>
               </a:defRPr>
             </a:lvl1pPr>
@@ -4144,12 +3959,14 @@
         </p:nvSpPr>
         <p:spPr>
           <a:xfrm>
-            <a:off x="685800" y="3132666"/>
-            <a:ext cx="5311775" cy="3086019"/>
+            <a:off x="1295400" y="3243262"/>
+            <a:ext cx="4718304" cy="2632605"/>
           </a:xfrm>
         </p:spPr>
         <p:txBody>
-          <a:bodyPr/>
+          <a:bodyPr anchor="t">
+            <a:normAutofit/>
+          </a:bodyPr>
           <a:lstStyle/>
           <a:p>
             <a:pPr lvl="0"/>
@@ -4201,20 +4018,26 @@
         </p:nvSpPr>
         <p:spPr>
           <a:xfrm>
-            <a:off x="6400800" y="2183802"/>
-            <a:ext cx="5105400" cy="823912"/>
+            <a:off x="6180670" y="2658533"/>
+            <a:ext cx="4718304" cy="576262"/>
           </a:xfrm>
         </p:spPr>
         <p:txBody>
           <a:bodyPr anchor="b">
-            <a:normAutofit/>
+            <a:noAutofit/>
           </a:bodyPr>
           <a:lstStyle>
             <a:lvl1pPr marL="0" indent="0">
+              <a:spcBef>
+                <a:spcPts val="672"/>
+              </a:spcBef>
+              <a:spcAft>
+                <a:spcPts val="600"/>
+              </a:spcAft>
               <a:buNone/>
               <a:defRPr sz="2800" b="0">
                 <a:solidFill>
-                  <a:schemeClr val="tx1"/>
+                  <a:schemeClr val="accent1"/>
                 </a:solidFill>
               </a:defRPr>
             </a:lvl1pPr>
@@ -4272,59 +4095,84 @@
         </p:nvSpPr>
         <p:spPr>
           <a:xfrm>
-            <a:off x="6172200" y="3132666"/>
-            <a:ext cx="5334000" cy="3086019"/>
+            <a:off x="6180670" y="3243262"/>
+            <a:ext cx="4718304" cy="2632605"/>
           </a:xfrm>
         </p:spPr>
         <p:txBody>
+          <a:bodyPr anchor="t">
+            <a:normAutofit/>
+          </a:bodyPr>
+          <a:lstStyle/>
+          <a:p>
+            <a:pPr lvl="0"/>
+            <a:r>
+              <a:rPr lang="en-US" smtClean="0"/>
+              <a:t>Click to edit Master text styles</a:t>
+            </a:r>
+          </a:p>
+          <a:p>
+            <a:pPr lvl="1"/>
+            <a:r>
+              <a:rPr lang="en-US" smtClean="0"/>
+              <a:t>Second level</a:t>
+            </a:r>
+          </a:p>
+          <a:p>
+            <a:pPr lvl="2"/>
+            <a:r>
+              <a:rPr lang="en-US" smtClean="0"/>
+              <a:t>Third level</a:t>
+            </a:r>
+          </a:p>
+          <a:p>
+            <a:pPr lvl="3"/>
+            <a:r>
+              <a:rPr lang="en-US" smtClean="0"/>
+              <a:t>Fourth level</a:t>
+            </a:r>
+          </a:p>
+          <a:p>
+            <a:pPr lvl="4"/>
+            <a:r>
+              <a:rPr lang="en-US" smtClean="0"/>
+              <a:t>Fifth level</a:t>
+            </a:r>
+            <a:endParaRPr lang="en-US" dirty="0"/>
+          </a:p>
+        </p:txBody>
+      </p:sp>
+      <p:sp>
+        <p:nvSpPr>
+          <p:cNvPr id="7" name="Date Placeholder 6"/>
+          <p:cNvSpPr>
+            <a:spLocks noGrp="1"/>
+          </p:cNvSpPr>
+          <p:nvPr>
+            <p:ph type="dt" sz="half" idx="10"/>
+          </p:nvPr>
+        </p:nvSpPr>
+        <p:spPr/>
+        <p:txBody>
           <a:bodyPr/>
           <a:lstStyle/>
           <a:p>
-            <a:pPr lvl="0"/>
-            <a:r>
-              <a:rPr lang="en-US" smtClean="0"/>
-              <a:t>Click to edit Master text styles</a:t>
-            </a:r>
-          </a:p>
-          <a:p>
-            <a:pPr lvl="1"/>
-            <a:r>
-              <a:rPr lang="en-US" smtClean="0"/>
-              <a:t>Second level</a:t>
-            </a:r>
-          </a:p>
-          <a:p>
-            <a:pPr lvl="2"/>
-            <a:r>
-              <a:rPr lang="en-US" smtClean="0"/>
-              <a:t>Third level</a:t>
-            </a:r>
-          </a:p>
-          <a:p>
-            <a:pPr lvl="3"/>
-            <a:r>
-              <a:rPr lang="en-US" smtClean="0"/>
-              <a:t>Fourth level</a:t>
-            </a:r>
-          </a:p>
-          <a:p>
-            <a:pPr lvl="4"/>
-            <a:r>
-              <a:rPr lang="en-US" smtClean="0"/>
-              <a:t>Fifth level</a:t>
-            </a:r>
-            <a:endParaRPr lang="en-US" dirty="0"/>
-          </a:p>
-        </p:txBody>
-      </p:sp>
-      <p:sp>
-        <p:nvSpPr>
-          <p:cNvPr id="7" name="Date Placeholder 6"/>
-          <p:cNvSpPr>
-            <a:spLocks noGrp="1"/>
-          </p:cNvSpPr>
-          <p:nvPr>
-            <p:ph type="dt" sz="half" idx="10"/>
+            <a:fld id="{48A87A34-81AB-432B-8DAE-1953F412C126}" type="datetimeFigureOut">
+              <a:rPr lang="en-US" smtClean="0"/>
+              <a:t>3/2/2018</a:t>
+            </a:fld>
+            <a:endParaRPr lang="en-US" dirty="0"/>
+          </a:p>
+        </p:txBody>
+      </p:sp>
+      <p:sp>
+        <p:nvSpPr>
+          <p:cNvPr id="8" name="Footer Placeholder 7"/>
+          <p:cNvSpPr>
+            <a:spLocks noGrp="1"/>
+          </p:cNvSpPr>
+          <p:nvPr>
+            <p:ph type="ftr" sz="quarter" idx="11"/>
           </p:nvPr>
         </p:nvSpPr>
         <p:spPr/>
@@ -4332,22 +4180,18 @@
           <a:bodyPr/>
           <a:lstStyle/>
           <a:p>
-            <a:fld id="{48A87A34-81AB-432B-8DAE-1953F412C126}" type="datetimeFigureOut">
-              <a:rPr lang="en-US" dirty="0"/>
-              <a:t>3/1/2018</a:t>
-            </a:fld>
-            <a:endParaRPr lang="en-US" dirty="0"/>
-          </a:p>
-        </p:txBody>
-      </p:sp>
-      <p:sp>
-        <p:nvSpPr>
-          <p:cNvPr id="8" name="Footer Placeholder 7"/>
-          <p:cNvSpPr>
-            <a:spLocks noGrp="1"/>
-          </p:cNvSpPr>
-          <p:nvPr>
-            <p:ph type="ftr" sz="quarter" idx="11"/>
+            <a:endParaRPr lang="en-US" dirty="0"/>
+          </a:p>
+        </p:txBody>
+      </p:sp>
+      <p:sp>
+        <p:nvSpPr>
+          <p:cNvPr id="9" name="Slide Number Placeholder 8"/>
+          <p:cNvSpPr>
+            <a:spLocks noGrp="1"/>
+          </p:cNvSpPr>
+          <p:nvPr>
+            <p:ph type="sldNum" sz="quarter" idx="12"/>
           </p:nvPr>
         </p:nvSpPr>
         <p:spPr/>
@@ -4355,34 +4199,51 @@
           <a:bodyPr/>
           <a:lstStyle/>
           <a:p>
-            <a:endParaRPr lang="en-US" dirty="0"/>
-          </a:p>
-        </p:txBody>
-      </p:sp>
-      <p:sp>
-        <p:nvSpPr>
-          <p:cNvPr id="9" name="Slide Number Placeholder 8"/>
-          <p:cNvSpPr>
-            <a:spLocks noGrp="1"/>
-          </p:cNvSpPr>
-          <p:nvPr>
-            <p:ph type="sldNum" sz="quarter" idx="12"/>
-          </p:nvPr>
-        </p:nvSpPr>
-        <p:spPr/>
-        <p:txBody>
-          <a:bodyPr/>
-          <a:lstStyle/>
-          <a:p>
             <a:fld id="{6D22F896-40B5-4ADD-8801-0D06FADFA095}" type="slidenum">
-              <a:rPr lang="en-US" dirty="0"/>
+              <a:rPr lang="en-US" smtClean="0"/>
               <a:t>‹#›</a:t>
             </a:fld>
             <a:endParaRPr lang="en-US" dirty="0"/>
           </a:p>
         </p:txBody>
       </p:sp>
+      <p:cxnSp>
+        <p:nvCxnSpPr>
+          <p:cNvPr id="18" name="Straight Connector 17"/>
+          <p:cNvCxnSpPr/>
+          <p:nvPr/>
+        </p:nvCxnSpPr>
+        <p:spPr>
+          <a:xfrm>
+            <a:off x="1396169" y="2421466"/>
+            <a:ext cx="9407298" cy="0"/>
+          </a:xfrm>
+          <a:prstGeom prst="line">
+            <a:avLst/>
+          </a:prstGeom>
+          <a:ln w="15875"/>
+        </p:spPr>
+        <p:style>
+          <a:lnRef idx="2">
+            <a:schemeClr val="accent1"/>
+          </a:lnRef>
+          <a:fillRef idx="0">
+            <a:schemeClr val="accent1"/>
+          </a:fillRef>
+          <a:effectRef idx="1">
+            <a:schemeClr val="accent1"/>
+          </a:effectRef>
+          <a:fontRef idx="minor">
+            <a:schemeClr val="tx1"/>
+          </a:fontRef>
+        </p:style>
+      </p:cxnSp>
     </p:spTree>
+    <p:extLst>
+      <p:ext uri="{BB962C8B-B14F-4D97-AF65-F5344CB8AC3E}">
+        <p14:creationId xmlns:p14="http://schemas.microsoft.com/office/powerpoint/2010/main" val="4254040196"/>
+      </p:ext>
+    </p:extLst>
   </p:cSld>
   <p:clrMapOvr>
     <a:masterClrMapping/>
@@ -4446,8 +4307,8 @@
           <a:lstStyle/>
           <a:p>
             <a:fld id="{48A87A34-81AB-432B-8DAE-1953F412C126}" type="datetimeFigureOut">
-              <a:rPr lang="en-US" dirty="0"/>
-              <a:t>3/1/2018</a:t>
+              <a:rPr lang="en-US" smtClean="0"/>
+              <a:t>3/2/2018</a:t>
             </a:fld>
             <a:endParaRPr lang="en-US" dirty="0"/>
           </a:p>
@@ -4488,14 +4349,50 @@
           <a:lstStyle/>
           <a:p>
             <a:fld id="{6D22F896-40B5-4ADD-8801-0D06FADFA095}" type="slidenum">
-              <a:rPr lang="en-US" dirty="0"/>
+              <a:rPr lang="en-US" smtClean="0"/>
               <a:t>‹#›</a:t>
             </a:fld>
             <a:endParaRPr lang="en-US" dirty="0"/>
           </a:p>
         </p:txBody>
       </p:sp>
+      <p:cxnSp>
+        <p:nvCxnSpPr>
+          <p:cNvPr id="14" name="Straight Connector 13"/>
+          <p:cNvCxnSpPr/>
+          <p:nvPr/>
+        </p:nvCxnSpPr>
+        <p:spPr>
+          <a:xfrm>
+            <a:off x="1396169" y="2421466"/>
+            <a:ext cx="9407298" cy="0"/>
+          </a:xfrm>
+          <a:prstGeom prst="line">
+            <a:avLst/>
+          </a:prstGeom>
+          <a:ln w="15875"/>
+        </p:spPr>
+        <p:style>
+          <a:lnRef idx="2">
+            <a:schemeClr val="accent1"/>
+          </a:lnRef>
+          <a:fillRef idx="0">
+            <a:schemeClr val="accent1"/>
+          </a:fillRef>
+          <a:effectRef idx="1">
+            <a:schemeClr val="accent1"/>
+          </a:effectRef>
+          <a:fontRef idx="minor">
+            <a:schemeClr val="tx1"/>
+          </a:fontRef>
+        </p:style>
+      </p:cxnSp>
     </p:spTree>
+    <p:extLst>
+      <p:ext uri="{BB962C8B-B14F-4D97-AF65-F5344CB8AC3E}">
+        <p14:creationId xmlns:p14="http://schemas.microsoft.com/office/powerpoint/2010/main" val="1059259141"/>
+      </p:ext>
+    </p:extLst>
   </p:cSld>
   <p:clrMapOvr>
     <a:masterClrMapping/>
@@ -4536,8 +4433,8 @@
           <a:lstStyle/>
           <a:p>
             <a:fld id="{48A87A34-81AB-432B-8DAE-1953F412C126}" type="datetimeFigureOut">
-              <a:rPr lang="en-US" dirty="0"/>
-              <a:t>3/1/2018</a:t>
+              <a:rPr lang="en-US" smtClean="0"/>
+              <a:t>3/2/2018</a:t>
             </a:fld>
             <a:endParaRPr lang="en-US" dirty="0"/>
           </a:p>
@@ -4578,7 +4475,7 @@
           <a:lstStyle/>
           <a:p>
             <a:fld id="{6D22F896-40B5-4ADD-8801-0D06FADFA095}" type="slidenum">
-              <a:rPr lang="en-US" dirty="0"/>
+              <a:rPr lang="en-US" smtClean="0"/>
               <a:t>‹#›</a:t>
             </a:fld>
             <a:endParaRPr lang="en-US" dirty="0"/>
@@ -4586,6 +4483,11 @@
         </p:txBody>
       </p:sp>
     </p:spTree>
+    <p:extLst>
+      <p:ext uri="{BB962C8B-B14F-4D97-AF65-F5344CB8AC3E}">
+        <p14:creationId xmlns:p14="http://schemas.microsoft.com/office/powerpoint/2010/main" val="4029680854"/>
+      </p:ext>
+    </p:extLst>
   </p:cSld>
   <p:clrMapOvr>
     <a:masterClrMapping/>
@@ -4622,15 +4524,17 @@
         </p:nvSpPr>
         <p:spPr>
           <a:xfrm>
-            <a:off x="685800" y="1524000"/>
-            <a:ext cx="4114800" cy="1600200"/>
+            <a:off x="1293811" y="1388534"/>
+            <a:ext cx="3718455" cy="1371600"/>
           </a:xfrm>
         </p:spPr>
         <p:txBody>
-          <a:bodyPr anchor="b"/>
+          <a:bodyPr anchor="b">
+            <a:normAutofit/>
+          </a:bodyPr>
           <a:lstStyle>
-            <a:lvl1pPr algn="l">
-              <a:defRPr sz="3200"/>
+            <a:lvl1pPr algn="ctr">
+              <a:defRPr sz="2400" b="0"/>
             </a:lvl1pPr>
           </a:lstStyle>
           <a:p>
@@ -4654,12 +4558,14 @@
         </p:nvSpPr>
         <p:spPr>
           <a:xfrm>
-            <a:off x="4995582" y="746759"/>
-            <a:ext cx="6510618" cy="5471925"/>
+            <a:off x="5418668" y="982131"/>
+            <a:ext cx="5469466" cy="4893735"/>
           </a:xfrm>
         </p:spPr>
         <p:txBody>
-          <a:bodyPr anchor="ctr"/>
+          <a:bodyPr anchor="ctr">
+            <a:normAutofit/>
+          </a:bodyPr>
           <a:lstStyle/>
           <a:p>
             <a:pPr lvl="0"/>
@@ -4711,48 +4617,50 @@
         </p:nvSpPr>
         <p:spPr>
           <a:xfrm>
-            <a:off x="685800" y="3124199"/>
-            <a:ext cx="4114800" cy="3094485"/>
+            <a:off x="1293811" y="3031065"/>
+            <a:ext cx="3718455" cy="2438404"/>
           </a:xfrm>
         </p:spPr>
         <p:txBody>
-          <a:bodyPr/>
+          <a:bodyPr anchor="t">
+            <a:normAutofit/>
+          </a:bodyPr>
           <a:lstStyle>
-            <a:lvl1pPr marL="0" indent="0">
+            <a:lvl1pPr marL="0" indent="0" algn="ctr">
               <a:buNone/>
               <a:defRPr sz="1600"/>
             </a:lvl1pPr>
             <a:lvl2pPr marL="457200" indent="0">
               <a:buNone/>
-              <a:defRPr sz="1400"/>
+              <a:defRPr sz="1200"/>
             </a:lvl2pPr>
             <a:lvl3pPr marL="914400" indent="0">
               <a:buNone/>
-              <a:defRPr sz="1200"/>
+              <a:defRPr sz="1000"/>
             </a:lvl3pPr>
             <a:lvl4pPr marL="1371600" indent="0">
               <a:buNone/>
-              <a:defRPr sz="1000"/>
+              <a:defRPr sz="900"/>
             </a:lvl4pPr>
             <a:lvl5pPr marL="1828800" indent="0">
               <a:buNone/>
-              <a:defRPr sz="1000"/>
+              <a:defRPr sz="900"/>
             </a:lvl5pPr>
             <a:lvl6pPr marL="2286000" indent="0">
               <a:buNone/>
-              <a:defRPr sz="1000"/>
+              <a:defRPr sz="900"/>
             </a:lvl6pPr>
             <a:lvl7pPr marL="2743200" indent="0">
               <a:buNone/>
-              <a:defRPr sz="1000"/>
+              <a:defRPr sz="900"/>
             </a:lvl7pPr>
             <a:lvl8pPr marL="3200400" indent="0">
               <a:buNone/>
-              <a:defRPr sz="1000"/>
+              <a:defRPr sz="900"/>
             </a:lvl8pPr>
             <a:lvl9pPr marL="3657600" indent="0">
               <a:buNone/>
-              <a:defRPr sz="1000"/>
+              <a:defRPr sz="900"/>
             </a:lvl9pPr>
           </a:lstStyle>
           <a:p>
@@ -4780,8 +4688,8 @@
           <a:lstStyle/>
           <a:p>
             <a:fld id="{48A87A34-81AB-432B-8DAE-1953F412C126}" type="datetimeFigureOut">
-              <a:rPr lang="en-US" dirty="0"/>
-              <a:t>3/1/2018</a:t>
+              <a:rPr lang="en-US" smtClean="0"/>
+              <a:t>3/2/2018</a:t>
             </a:fld>
             <a:endParaRPr lang="en-US" dirty="0"/>
           </a:p>
@@ -4822,14 +4730,50 @@
           <a:lstStyle/>
           <a:p>
             <a:fld id="{6D22F896-40B5-4ADD-8801-0D06FADFA095}" type="slidenum">
-              <a:rPr lang="en-US" dirty="0"/>
+              <a:rPr lang="en-US" smtClean="0"/>
               <a:t>‹#›</a:t>
             </a:fld>
             <a:endParaRPr lang="en-US" dirty="0"/>
           </a:p>
         </p:txBody>
       </p:sp>
+      <p:cxnSp>
+        <p:nvCxnSpPr>
+          <p:cNvPr id="16" name="Straight Connector 15"/>
+          <p:cNvCxnSpPr/>
+          <p:nvPr/>
+        </p:nvCxnSpPr>
+        <p:spPr>
+          <a:xfrm>
+            <a:off x="1396169" y="2912533"/>
+            <a:ext cx="3514498" cy="0"/>
+          </a:xfrm>
+          <a:prstGeom prst="line">
+            <a:avLst/>
+          </a:prstGeom>
+          <a:ln w="15875"/>
+        </p:spPr>
+        <p:style>
+          <a:lnRef idx="2">
+            <a:schemeClr val="accent1"/>
+          </a:lnRef>
+          <a:fillRef idx="0">
+            <a:schemeClr val="accent1"/>
+          </a:fillRef>
+          <a:effectRef idx="1">
+            <a:schemeClr val="accent1"/>
+          </a:effectRef>
+          <a:fontRef idx="minor">
+            <a:schemeClr val="tx1"/>
+          </a:fontRef>
+        </p:style>
+      </p:cxnSp>
     </p:spTree>
+    <p:extLst>
+      <p:ext uri="{BB962C8B-B14F-4D97-AF65-F5344CB8AC3E}">
+        <p14:creationId xmlns:p14="http://schemas.microsoft.com/office/powerpoint/2010/main" val="1396278050"/>
+      </p:ext>
+    </p:extLst>
   </p:cSld>
   <p:clrMapOvr>
     <a:masterClrMapping/>
@@ -4866,15 +4810,17 @@
         </p:nvSpPr>
         <p:spPr>
           <a:xfrm>
-            <a:off x="685800" y="1524000"/>
-            <a:ext cx="6873240" cy="1600200"/>
+            <a:off x="1295399" y="1883832"/>
+            <a:ext cx="6241816" cy="1371600"/>
           </a:xfrm>
         </p:spPr>
         <p:txBody>
-          <a:bodyPr anchor="b"/>
+          <a:bodyPr anchor="b">
+            <a:normAutofit/>
+          </a:bodyPr>
           <a:lstStyle>
-            <a:lvl1pPr algn="l">
-              <a:defRPr sz="3200"/>
+            <a:lvl1pPr algn="ctr">
+              <a:defRPr sz="2800" b="0"/>
             </a:lvl1pPr>
           </a:lstStyle>
           <a:p>
@@ -4888,7 +4834,7 @@
       </p:sp>
       <p:sp>
         <p:nvSpPr>
-          <p:cNvPr id="3" name="Picture Placeholder 2"/>
+          <p:cNvPr id="17" name="Picture Placeholder 2"/>
           <p:cNvSpPr>
             <a:spLocks noGrp="1" noChangeAspect="1"/>
           </p:cNvSpPr>
@@ -4898,116 +4844,141 @@
         </p:nvSpPr>
         <p:spPr>
           <a:xfrm>
-            <a:off x="7861238" y="751241"/>
-            <a:ext cx="3644962" cy="5467443"/>
-          </a:xfrm>
+            <a:off x="8094831" y="1041400"/>
+            <a:ext cx="3063347" cy="4775200"/>
+          </a:xfrm>
+          <a:prstGeom prst="roundRect">
+            <a:avLst>
+              <a:gd name="adj" fmla="val 0"/>
+            </a:avLst>
+          </a:prstGeom>
+          <a:ln w="57150" cmpd="thickThin">
+            <a:solidFill>
+              <a:schemeClr val="tx1">
+                <a:lumMod val="50000"/>
+                <a:lumOff val="50000"/>
+              </a:schemeClr>
+            </a:solidFill>
+            <a:miter lim="800000"/>
+          </a:ln>
+          <a:effectLst>
+            <a:innerShdw blurRad="57150" dist="38100" dir="14460000">
+              <a:srgbClr val="000000">
+                <a:alpha val="70000"/>
+              </a:srgbClr>
+            </a:innerShdw>
+          </a:effectLst>
         </p:spPr>
         <p:txBody>
-          <a:bodyPr anchor="t"/>
+          <a:bodyPr anchor="t">
+            <a:normAutofit/>
+          </a:bodyPr>
           <a:lstStyle>
-            <a:lvl1pPr marL="0" indent="0">
-              <a:buNone/>
-              <a:defRPr sz="3200"/>
-            </a:lvl1pPr>
-            <a:lvl2pPr marL="457200" indent="0">
-              <a:buNone/>
-              <a:defRPr sz="2800"/>
-            </a:lvl2pPr>
-            <a:lvl3pPr marL="914400" indent="0">
-              <a:buNone/>
-              <a:defRPr sz="2400"/>
-            </a:lvl3pPr>
-            <a:lvl4pPr marL="1371600" indent="0">
-              <a:buNone/>
-              <a:defRPr sz="2000"/>
-            </a:lvl4pPr>
-            <a:lvl5pPr marL="1828800" indent="0">
-              <a:buNone/>
-              <a:defRPr sz="2000"/>
-            </a:lvl5pPr>
-            <a:lvl6pPr marL="2286000" indent="0">
-              <a:buNone/>
-              <a:defRPr sz="2000"/>
-            </a:lvl6pPr>
-            <a:lvl7pPr marL="2743200" indent="0">
-              <a:buNone/>
-              <a:defRPr sz="2000"/>
-            </a:lvl7pPr>
-            <a:lvl8pPr marL="3200400" indent="0">
-              <a:buNone/>
-              <a:defRPr sz="2000"/>
-            </a:lvl8pPr>
-            <a:lvl9pPr marL="3657600" indent="0">
-              <a:buNone/>
-              <a:defRPr sz="2000"/>
-            </a:lvl9pPr>
-          </a:lstStyle>
-          <a:p>
-            <a:r>
-              <a:rPr lang="en-US" smtClean="0"/>
-              <a:t>Click icon to add picture</a:t>
-            </a:r>
-            <a:endParaRPr lang="en-US" dirty="0"/>
-          </a:p>
-        </p:txBody>
-      </p:sp>
-      <p:sp>
-        <p:nvSpPr>
-          <p:cNvPr id="4" name="Text Placeholder 3"/>
-          <p:cNvSpPr>
-            <a:spLocks noGrp="1"/>
-          </p:cNvSpPr>
-          <p:nvPr>
-            <p:ph type="body" sz="half" idx="2"/>
-          </p:nvPr>
-        </p:nvSpPr>
-        <p:spPr>
-          <a:xfrm>
-            <a:off x="685800" y="3124199"/>
-            <a:ext cx="6873240" cy="3094485"/>
-          </a:xfrm>
-        </p:spPr>
-        <p:txBody>
-          <a:bodyPr/>
-          <a:lstStyle>
-            <a:lvl1pPr marL="0" indent="0">
+            <a:lvl1pPr marL="0" indent="0" algn="ctr">
               <a:buNone/>
               <a:defRPr sz="1600"/>
             </a:lvl1pPr>
             <a:lvl2pPr marL="457200" indent="0">
               <a:buNone/>
-              <a:defRPr sz="1400"/>
+              <a:defRPr sz="1600"/>
             </a:lvl2pPr>
             <a:lvl3pPr marL="914400" indent="0">
               <a:buNone/>
-              <a:defRPr sz="1200"/>
+              <a:defRPr sz="1600"/>
             </a:lvl3pPr>
             <a:lvl4pPr marL="1371600" indent="0">
               <a:buNone/>
-              <a:defRPr sz="1000"/>
+              <a:defRPr sz="1600"/>
             </a:lvl4pPr>
             <a:lvl5pPr marL="1828800" indent="0">
               <a:buNone/>
-              <a:defRPr sz="1000"/>
+              <a:defRPr sz="1600"/>
             </a:lvl5pPr>
             <a:lvl6pPr marL="2286000" indent="0">
               <a:buNone/>
-              <a:defRPr sz="1000"/>
+              <a:defRPr sz="1600"/>
             </a:lvl6pPr>
             <a:lvl7pPr marL="2743200" indent="0">
               <a:buNone/>
-              <a:defRPr sz="1000"/>
+              <a:defRPr sz="1600"/>
             </a:lvl7pPr>
             <a:lvl8pPr marL="3200400" indent="0">
               <a:buNone/>
-              <a:defRPr sz="1000"/>
+              <a:defRPr sz="1600"/>
             </a:lvl8pPr>
             <a:lvl9pPr marL="3657600" indent="0">
               <a:buNone/>
-              <a:defRPr sz="1000"/>
+              <a:defRPr sz="1600"/>
             </a:lvl9pPr>
           </a:lstStyle>
           <a:p>
+            <a:r>
+              <a:rPr lang="en-US" smtClean="0"/>
+              <a:t>Click icon to add picture</a:t>
+            </a:r>
+            <a:endParaRPr lang="en-US" dirty="0"/>
+          </a:p>
+        </p:txBody>
+      </p:sp>
+      <p:sp>
+        <p:nvSpPr>
+          <p:cNvPr id="4" name="Text Placeholder 3"/>
+          <p:cNvSpPr>
+            <a:spLocks noGrp="1"/>
+          </p:cNvSpPr>
+          <p:nvPr>
+            <p:ph type="body" sz="half" idx="2"/>
+          </p:nvPr>
+        </p:nvSpPr>
+        <p:spPr>
+          <a:xfrm>
+            <a:off x="1295399" y="3255432"/>
+            <a:ext cx="6241816" cy="1828800"/>
+          </a:xfrm>
+        </p:spPr>
+        <p:txBody>
+          <a:bodyPr anchor="t">
+            <a:normAutofit/>
+          </a:bodyPr>
+          <a:lstStyle>
+            <a:lvl1pPr marL="0" indent="0" algn="ctr">
+              <a:buNone/>
+              <a:defRPr sz="1800"/>
+            </a:lvl1pPr>
+            <a:lvl2pPr marL="457200" indent="0">
+              <a:buNone/>
+              <a:defRPr sz="1200"/>
+            </a:lvl2pPr>
+            <a:lvl3pPr marL="914400" indent="0">
+              <a:buNone/>
+              <a:defRPr sz="1000"/>
+            </a:lvl3pPr>
+            <a:lvl4pPr marL="1371600" indent="0">
+              <a:buNone/>
+              <a:defRPr sz="900"/>
+            </a:lvl4pPr>
+            <a:lvl5pPr marL="1828800" indent="0">
+              <a:buNone/>
+              <a:defRPr sz="900"/>
+            </a:lvl5pPr>
+            <a:lvl6pPr marL="2286000" indent="0">
+              <a:buNone/>
+              <a:defRPr sz="900"/>
+            </a:lvl6pPr>
+            <a:lvl7pPr marL="2743200" indent="0">
+              <a:buNone/>
+              <a:defRPr sz="900"/>
+            </a:lvl7pPr>
+            <a:lvl8pPr marL="3200400" indent="0">
+              <a:buNone/>
+              <a:defRPr sz="900"/>
+            </a:lvl8pPr>
+            <a:lvl9pPr marL="3657600" indent="0">
+              <a:buNone/>
+              <a:defRPr sz="900"/>
+            </a:lvl9pPr>
+          </a:lstStyle>
+          <a:p>
             <a:pPr lvl="0"/>
             <a:r>
               <a:rPr lang="en-US" smtClean="0"/>
@@ -5032,8 +5003,8 @@
           <a:lstStyle/>
           <a:p>
             <a:fld id="{48A87A34-81AB-432B-8DAE-1953F412C126}" type="datetimeFigureOut">
-              <a:rPr lang="en-US" dirty="0"/>
-              <a:t>3/1/2018</a:t>
+              <a:rPr lang="en-US" smtClean="0"/>
+              <a:t>3/2/2018</a:t>
             </a:fld>
             <a:endParaRPr lang="en-US" dirty="0"/>
           </a:p>
@@ -5074,7 +5045,7 @@
           <a:lstStyle/>
           <a:p>
             <a:fld id="{6D22F896-40B5-4ADD-8801-0D06FADFA095}" type="slidenum">
-              <a:rPr lang="en-US" dirty="0"/>
+              <a:rPr lang="en-US" smtClean="0"/>
               <a:t>‹#›</a:t>
             </a:fld>
             <a:endParaRPr lang="en-US" dirty="0"/>
@@ -5082,6 +5053,11 @@
         </p:txBody>
       </p:sp>
     </p:spTree>
+    <p:extLst>
+      <p:ext uri="{BB962C8B-B14F-4D97-AF65-F5344CB8AC3E}">
+        <p14:creationId xmlns:p14="http://schemas.microsoft.com/office/powerpoint/2010/main" val="1744298247"/>
+      </p:ext>
+    </p:extLst>
   </p:cSld>
   <p:clrMapOvr>
     <a:masterClrMapping/>
@@ -5093,7 +5069,7 @@
 <p:sldMaster xmlns:a="http://schemas.openxmlformats.org/drawingml/2006/main" xmlns:r="http://schemas.openxmlformats.org/officeDocument/2006/relationships" xmlns:p="http://schemas.openxmlformats.org/presentationml/2006/main">
   <p:cSld>
     <p:bg>
-      <p:bgRef idx="1001">
+      <p:bgRef idx="1003">
         <a:schemeClr val="bg1"/>
       </p:bgRef>
     </p:bg>
@@ -5111,145 +5087,332 @@
           <a:chExt cx="0" cy="0"/>
         </a:xfrm>
       </p:grpSpPr>
-      <p:pic>
-        <p:nvPicPr>
-          <p:cNvPr id="8" name="Picture 7" descr="C2-HD-TOP.png"/>
-          <p:cNvPicPr>
-            <a:picLocks noChangeAspect="1"/>
-          </p:cNvPicPr>
+      <p:grpSp>
+        <p:nvGrpSpPr>
+          <p:cNvPr id="7" name="Group 6"/>
+          <p:cNvGrpSpPr/>
           <p:nvPr/>
-        </p:nvPicPr>
-        <p:blipFill>
-          <a:blip r:embed="rId19">
-            <a:extLst>
-              <a:ext uri="{28A0092B-C50C-407E-A947-70E740481C1C}">
-                <a14:useLocalDpi xmlns:a14="http://schemas.microsoft.com/office/drawing/2010/main" val="0"/>
-              </a:ext>
-            </a:extLst>
-          </a:blip>
-          <a:stretch>
-            <a:fillRect/>
-          </a:stretch>
-        </p:blipFill>
+        </p:nvGrpSpPr>
+        <p:grpSpPr>
+          <a:xfrm>
+            <a:off x="-15736" y="0"/>
+            <a:ext cx="12229962" cy="6856214"/>
+            <a:chOff x="-15736" y="0"/>
+            <a:chExt cx="12229962" cy="6856214"/>
+          </a:xfrm>
+        </p:grpSpPr>
+        <p:pic>
+          <p:nvPicPr>
+            <p:cNvPr id="8" name="Picture 7" descr="HD-PanelContent.png"/>
+            <p:cNvPicPr>
+              <a:picLocks noChangeAspect="1"/>
+            </p:cNvPicPr>
+            <p:nvPr/>
+          </p:nvPicPr>
+          <p:blipFill>
+            <a:blip r:embed="rId19">
+              <a:extLst>
+                <a:ext uri="{28A0092B-C50C-407E-A947-70E740481C1C}">
+                  <a14:useLocalDpi xmlns:a14="http://schemas.microsoft.com/office/drawing/2010/main" val="0"/>
+                </a:ext>
+              </a:extLst>
+            </a:blip>
+            <a:stretch>
+              <a:fillRect/>
+            </a:stretch>
+          </p:blipFill>
+          <p:spPr>
+            <a:xfrm>
+              <a:off x="0" y="0"/>
+              <a:ext cx="12188825" cy="6856214"/>
+            </a:xfrm>
+            <a:prstGeom prst="rect">
+              <a:avLst/>
+            </a:prstGeom>
+          </p:spPr>
+        </p:pic>
+        <p:sp>
+          <p:nvSpPr>
+            <p:cNvPr id="9" name="Rectangle 8"/>
+            <p:cNvSpPr/>
+            <p:nvPr/>
+          </p:nvSpPr>
+          <p:spPr>
+            <a:xfrm>
+              <a:off x="608012" y="609600"/>
+              <a:ext cx="10972800" cy="5638800"/>
+            </a:xfrm>
+            <a:prstGeom prst="rect">
+              <a:avLst/>
+            </a:prstGeom>
+            <a:noFill/>
+            <a:ln w="15875" cap="flat">
+              <a:miter lim="800000"/>
+            </a:ln>
+          </p:spPr>
+          <p:style>
+            <a:lnRef idx="1">
+              <a:schemeClr val="accent1"/>
+            </a:lnRef>
+            <a:fillRef idx="3">
+              <a:schemeClr val="accent1"/>
+            </a:fillRef>
+            <a:effectRef idx="2">
+              <a:schemeClr val="accent1"/>
+            </a:effectRef>
+            <a:fontRef idx="minor">
+              <a:schemeClr val="lt1"/>
+            </a:fontRef>
+          </p:style>
+        </p:sp>
+        <p:pic>
+          <p:nvPicPr>
+            <p:cNvPr id="10" name="Picture 9" descr="HDRibbonContent-UniformTrim.png"/>
+            <p:cNvPicPr>
+              <a:picLocks noChangeAspect="1"/>
+            </p:cNvPicPr>
+            <p:nvPr/>
+          </p:nvPicPr>
+          <p:blipFill rotWithShape="1">
+            <a:blip r:embed="rId20">
+              <a:extLst>
+                <a:ext uri="{28A0092B-C50C-407E-A947-70E740481C1C}">
+                  <a14:useLocalDpi xmlns:a14="http://schemas.microsoft.com/office/drawing/2010/main" val="0"/>
+                </a:ext>
+              </a:extLst>
+            </a:blip>
+            <a:srcRect/>
+            <a:stretch/>
+          </p:blipFill>
+          <p:spPr>
+            <a:xfrm>
+              <a:off x="-15736" y="3153832"/>
+              <a:ext cx="777240" cy="606425"/>
+            </a:xfrm>
+            <a:prstGeom prst="rect">
+              <a:avLst/>
+            </a:prstGeom>
+          </p:spPr>
+        </p:pic>
+        <p:pic>
+          <p:nvPicPr>
+            <p:cNvPr id="11" name="Picture 10" descr="HDRibbonContent-UniformTrim.png"/>
+            <p:cNvPicPr>
+              <a:picLocks noChangeAspect="1"/>
+            </p:cNvPicPr>
+            <p:nvPr/>
+          </p:nvPicPr>
+          <p:blipFill rotWithShape="1">
+            <a:blip r:embed="rId20">
+              <a:extLst>
+                <a:ext uri="{28A0092B-C50C-407E-A947-70E740481C1C}">
+                  <a14:useLocalDpi xmlns:a14="http://schemas.microsoft.com/office/drawing/2010/main" val="0"/>
+                </a:ext>
+              </a:extLst>
+            </a:blip>
+            <a:srcRect/>
+            <a:stretch/>
+          </p:blipFill>
+          <p:spPr>
+            <a:xfrm>
+              <a:off x="11436986" y="3153832"/>
+              <a:ext cx="777240" cy="606425"/>
+            </a:xfrm>
+            <a:prstGeom prst="rect">
+              <a:avLst/>
+            </a:prstGeom>
+          </p:spPr>
+        </p:pic>
+      </p:grpSp>
+      <p:sp>
+        <p:nvSpPr>
+          <p:cNvPr id="2" name="Title Placeholder 1"/>
+          <p:cNvSpPr>
+            <a:spLocks noGrp="1"/>
+          </p:cNvSpPr>
+          <p:nvPr>
+            <p:ph type="title"/>
+          </p:nvPr>
+        </p:nvSpPr>
         <p:spPr>
           <a:xfrm>
-            <a:off x="0" y="0"/>
-            <a:ext cx="12192000" cy="1441450"/>
+            <a:off x="1295402" y="982132"/>
+            <a:ext cx="9601196" cy="1303867"/>
+          </a:xfrm>
+          <a:prstGeom prst="rect">
+            <a:avLst/>
+          </a:prstGeom>
+          <a:effectLst/>
+        </p:spPr>
+        <p:txBody>
+          <a:bodyPr vert="horz" lIns="91440" tIns="45720" rIns="91440" bIns="45720" rtlCol="0" anchor="ctr">
+            <a:normAutofit/>
+          </a:bodyPr>
+          <a:lstStyle/>
+          <a:p>
+            <a:r>
+              <a:rPr lang="en-US" smtClean="0"/>
+              <a:t>Click to edit Master title style</a:t>
+            </a:r>
+            <a:endParaRPr lang="en-US" dirty="0"/>
+          </a:p>
+        </p:txBody>
+      </p:sp>
+      <p:sp>
+        <p:nvSpPr>
+          <p:cNvPr id="3" name="Text Placeholder 2"/>
+          <p:cNvSpPr>
+            <a:spLocks noGrp="1"/>
+          </p:cNvSpPr>
+          <p:nvPr>
+            <p:ph type="body" idx="1"/>
+          </p:nvPr>
+        </p:nvSpPr>
+        <p:spPr>
+          <a:xfrm>
+            <a:off x="1295401" y="2556932"/>
+            <a:ext cx="9601196" cy="3318936"/>
           </a:xfrm>
           <a:prstGeom prst="rect">
             <a:avLst/>
           </a:prstGeom>
         </p:spPr>
-      </p:pic>
-      <p:sp>
-        <p:nvSpPr>
-          <p:cNvPr id="2" name="Title Placeholder 1"/>
-          <p:cNvSpPr>
-            <a:spLocks noGrp="1"/>
-          </p:cNvSpPr>
-          <p:nvPr>
-            <p:ph type="title"/>
+        <p:txBody>
+          <a:bodyPr vert="horz" lIns="91440" tIns="45720" rIns="91440" bIns="45720" rtlCol="0" anchor="t">
+            <a:normAutofit/>
+          </a:bodyPr>
+          <a:lstStyle/>
+          <a:p>
+            <a:pPr lvl="0"/>
+            <a:r>
+              <a:rPr lang="en-US" smtClean="0"/>
+              <a:t>Click to edit Master text styles</a:t>
+            </a:r>
+          </a:p>
+          <a:p>
+            <a:pPr lvl="1"/>
+            <a:r>
+              <a:rPr lang="en-US" smtClean="0"/>
+              <a:t>Second level</a:t>
+            </a:r>
+          </a:p>
+          <a:p>
+            <a:pPr lvl="2"/>
+            <a:r>
+              <a:rPr lang="en-US" smtClean="0"/>
+              <a:t>Third level</a:t>
+            </a:r>
+          </a:p>
+          <a:p>
+            <a:pPr lvl="3"/>
+            <a:r>
+              <a:rPr lang="en-US" smtClean="0"/>
+              <a:t>Fourth level</a:t>
+            </a:r>
+          </a:p>
+          <a:p>
+            <a:pPr lvl="4"/>
+            <a:r>
+              <a:rPr lang="en-US" smtClean="0"/>
+              <a:t>Fifth level</a:t>
+            </a:r>
+            <a:endParaRPr lang="en-US" dirty="0"/>
+          </a:p>
+        </p:txBody>
+      </p:sp>
+      <p:sp>
+        <p:nvSpPr>
+          <p:cNvPr id="4" name="Date Placeholder 3"/>
+          <p:cNvSpPr>
+            <a:spLocks noGrp="1"/>
+          </p:cNvSpPr>
+          <p:nvPr>
+            <p:ph type="dt" sz="half" idx="2"/>
           </p:nvPr>
         </p:nvSpPr>
         <p:spPr>
           <a:xfrm>
-            <a:off x="2895600" y="764373"/>
-            <a:ext cx="8610600" cy="1293028"/>
+            <a:off x="8677501" y="5969000"/>
+            <a:ext cx="1600200" cy="279400"/>
           </a:xfrm>
           <a:prstGeom prst="rect">
             <a:avLst/>
           </a:prstGeom>
         </p:spPr>
         <p:txBody>
-          <a:bodyPr vert="horz" lIns="91440" tIns="45720" rIns="91440" bIns="45720" rtlCol="0" anchor="ctr">
-            <a:normAutofit/>
-          </a:bodyPr>
-          <a:lstStyle/>
-          <a:p>
-            <a:r>
-              <a:rPr lang="en-US" smtClean="0"/>
-              <a:t>Click to edit Master title style</a:t>
-            </a:r>
-            <a:endParaRPr lang="en-US" dirty="0"/>
-          </a:p>
-        </p:txBody>
-      </p:sp>
-      <p:sp>
-        <p:nvSpPr>
-          <p:cNvPr id="3" name="Text Placeholder 2"/>
-          <p:cNvSpPr>
-            <a:spLocks noGrp="1"/>
-          </p:cNvSpPr>
-          <p:nvPr>
-            <p:ph type="body" idx="1"/>
+          <a:bodyPr vert="horz" lIns="91440" tIns="45720" rIns="91440" bIns="45720" rtlCol="0" anchor="ctr"/>
+          <a:lstStyle>
+            <a:lvl1pPr algn="r">
+              <a:defRPr sz="1000" b="0" i="0">
+                <a:solidFill>
+                  <a:schemeClr val="tx1"/>
+                </a:solidFill>
+                <a:effectLst/>
+                <a:latin typeface="+mn-lt"/>
+              </a:defRPr>
+            </a:lvl1pPr>
+          </a:lstStyle>
+          <a:p>
+            <a:fld id="{48A87A34-81AB-432B-8DAE-1953F412C126}" type="datetimeFigureOut">
+              <a:rPr lang="en-US" smtClean="0"/>
+              <a:pPr/>
+              <a:t>3/2/2018</a:t>
+            </a:fld>
+            <a:endParaRPr lang="en-US" dirty="0"/>
+          </a:p>
+        </p:txBody>
+      </p:sp>
+      <p:sp>
+        <p:nvSpPr>
+          <p:cNvPr id="5" name="Footer Placeholder 4"/>
+          <p:cNvSpPr>
+            <a:spLocks noGrp="1"/>
+          </p:cNvSpPr>
+          <p:nvPr>
+            <p:ph type="ftr" sz="quarter" idx="3"/>
           </p:nvPr>
         </p:nvSpPr>
         <p:spPr>
           <a:xfrm>
-            <a:off x="685800" y="2194560"/>
-            <a:ext cx="10820400" cy="4024125"/>
+            <a:off x="1295401" y="5969000"/>
+            <a:ext cx="7305900" cy="279400"/>
           </a:xfrm>
           <a:prstGeom prst="rect">
             <a:avLst/>
           </a:prstGeom>
         </p:spPr>
         <p:txBody>
-          <a:bodyPr vert="horz" lIns="91440" tIns="45720" rIns="91440" bIns="45720" rtlCol="0">
-            <a:normAutofit/>
-          </a:bodyPr>
-          <a:lstStyle/>
-          <a:p>
-            <a:pPr lvl="0"/>
-            <a:r>
-              <a:rPr lang="en-US" smtClean="0"/>
-              <a:t>Click to edit Master text styles</a:t>
-            </a:r>
-          </a:p>
-          <a:p>
-            <a:pPr lvl="1"/>
-            <a:r>
-              <a:rPr lang="en-US" smtClean="0"/>
-              <a:t>Second level</a:t>
-            </a:r>
-          </a:p>
-          <a:p>
-            <a:pPr lvl="2"/>
-            <a:r>
-              <a:rPr lang="en-US" smtClean="0"/>
-              <a:t>Third level</a:t>
-            </a:r>
-          </a:p>
-          <a:p>
-            <a:pPr lvl="3"/>
-            <a:r>
-              <a:rPr lang="en-US" smtClean="0"/>
-              <a:t>Fourth level</a:t>
-            </a:r>
-          </a:p>
-          <a:p>
-            <a:pPr lvl="4"/>
-            <a:r>
-              <a:rPr lang="en-US" smtClean="0"/>
-              <a:t>Fifth level</a:t>
-            </a:r>
-            <a:endParaRPr lang="en-US" dirty="0"/>
-          </a:p>
-        </p:txBody>
-      </p:sp>
-      <p:sp>
-        <p:nvSpPr>
-          <p:cNvPr id="4" name="Date Placeholder 3"/>
-          <p:cNvSpPr>
-            <a:spLocks noGrp="1"/>
-          </p:cNvSpPr>
-          <p:nvPr>
-            <p:ph type="dt" sz="half" idx="2"/>
+          <a:bodyPr vert="horz" lIns="91440" tIns="45720" rIns="91440" bIns="45720" rtlCol="0" anchor="ctr"/>
+          <a:lstStyle>
+            <a:lvl1pPr algn="l">
+              <a:defRPr sz="1000" b="0" i="0">
+                <a:solidFill>
+                  <a:schemeClr val="tx1"/>
+                </a:solidFill>
+                <a:effectLst/>
+                <a:latin typeface="+mn-lt"/>
+              </a:defRPr>
+            </a:lvl1pPr>
+          </a:lstStyle>
+          <a:p>
+            <a:endParaRPr lang="en-US" dirty="0"/>
+          </a:p>
+        </p:txBody>
+      </p:sp>
+      <p:sp>
+        <p:nvSpPr>
+          <p:cNvPr id="6" name="Slide Number Placeholder 5"/>
+          <p:cNvSpPr>
+            <a:spLocks noGrp="1"/>
+          </p:cNvSpPr>
+          <p:nvPr>
+            <p:ph type="sldNum" sz="quarter" idx="4"/>
           </p:nvPr>
         </p:nvSpPr>
         <p:spPr>
           <a:xfrm>
-            <a:off x="8595360" y="6356350"/>
-            <a:ext cx="2910840" cy="365125"/>
+            <a:off x="10353901" y="5969000"/>
+            <a:ext cx="542697" cy="279400"/>
           </a:xfrm>
           <a:prstGeom prst="rect">
             <a:avLst/>
@@ -5259,97 +5422,18 @@
           <a:bodyPr vert="horz" lIns="91440" tIns="45720" rIns="91440" bIns="45720" rtlCol="0" anchor="ctr"/>
           <a:lstStyle>
             <a:lvl1pPr algn="r">
-              <a:defRPr sz="1050">
-                <a:solidFill>
-                  <a:schemeClr val="tx1">
-                    <a:tint val="75000"/>
-                  </a:schemeClr>
-                </a:solidFill>
+              <a:defRPr sz="1000" b="0" i="0">
+                <a:solidFill>
+                  <a:schemeClr val="tx1"/>
+                </a:solidFill>
+                <a:effectLst/>
+                <a:latin typeface="+mn-lt"/>
               </a:defRPr>
             </a:lvl1pPr>
           </a:lstStyle>
           <a:p>
-            <a:fld id="{48A87A34-81AB-432B-8DAE-1953F412C126}" type="datetimeFigureOut">
-              <a:rPr lang="en-US" dirty="0"/>
-              <a:pPr/>
-              <a:t>3/1/2018</a:t>
-            </a:fld>
-            <a:endParaRPr lang="en-US" dirty="0"/>
-          </a:p>
-        </p:txBody>
-      </p:sp>
-      <p:sp>
-        <p:nvSpPr>
-          <p:cNvPr id="5" name="Footer Placeholder 4"/>
-          <p:cNvSpPr>
-            <a:spLocks noGrp="1"/>
-          </p:cNvSpPr>
-          <p:nvPr>
-            <p:ph type="ftr" sz="quarter" idx="3"/>
-          </p:nvPr>
-        </p:nvSpPr>
-        <p:spPr>
-          <a:xfrm>
-            <a:off x="685800" y="6355845"/>
-            <a:ext cx="7772400" cy="365125"/>
-          </a:xfrm>
-          <a:prstGeom prst="rect">
-            <a:avLst/>
-          </a:prstGeom>
-        </p:spPr>
-        <p:txBody>
-          <a:bodyPr vert="horz" lIns="91440" tIns="45720" rIns="91440" bIns="45720" rtlCol="0" anchor="ctr"/>
-          <a:lstStyle>
-            <a:lvl1pPr algn="l">
-              <a:defRPr sz="1050">
-                <a:solidFill>
-                  <a:schemeClr val="tx1">
-                    <a:tint val="75000"/>
-                  </a:schemeClr>
-                </a:solidFill>
-              </a:defRPr>
-            </a:lvl1pPr>
-          </a:lstStyle>
-          <a:p>
-            <a:endParaRPr lang="en-US" dirty="0"/>
-          </a:p>
-        </p:txBody>
-      </p:sp>
-      <p:sp>
-        <p:nvSpPr>
-          <p:cNvPr id="6" name="Slide Number Placeholder 5"/>
-          <p:cNvSpPr>
-            <a:spLocks noGrp="1"/>
-          </p:cNvSpPr>
-          <p:nvPr>
-            <p:ph type="sldNum" sz="quarter" idx="4"/>
-          </p:nvPr>
-        </p:nvSpPr>
-        <p:spPr>
-          <a:xfrm>
-            <a:off x="8763000" y="381000"/>
-            <a:ext cx="2743200" cy="365125"/>
-          </a:xfrm>
-          <a:prstGeom prst="rect">
-            <a:avLst/>
-          </a:prstGeom>
-        </p:spPr>
-        <p:txBody>
-          <a:bodyPr vert="horz" lIns="91440" tIns="45720" rIns="91440" bIns="45720" rtlCol="0" anchor="ctr"/>
-          <a:lstStyle>
-            <a:lvl1pPr algn="r">
-              <a:defRPr sz="1050">
-                <a:solidFill>
-                  <a:schemeClr val="tx1">
-                    <a:tint val="75000"/>
-                  </a:schemeClr>
-                </a:solidFill>
-              </a:defRPr>
-            </a:lvl1pPr>
-          </a:lstStyle>
-          <a:p>
             <a:fld id="{6D22F896-40B5-4ADD-8801-0D06FADFA095}" type="slidenum">
-              <a:rPr lang="en-US" dirty="0"/>
+              <a:rPr lang="en-US" smtClean="0"/>
               <a:pPr/>
               <a:t>‹#›</a:t>
             </a:fld>
@@ -5358,205 +5442,342 @@
         </p:txBody>
       </p:sp>
     </p:spTree>
+    <p:extLst>
+      <p:ext uri="{BB962C8B-B14F-4D97-AF65-F5344CB8AC3E}">
+        <p14:creationId xmlns:p14="http://schemas.microsoft.com/office/powerpoint/2010/main" val="4206388094"/>
+      </p:ext>
+    </p:extLst>
   </p:cSld>
   <p:clrMap bg1="lt1" tx1="dk1" bg2="lt2" tx2="dk2" accent1="accent1" accent2="accent2" accent3="accent3" accent4="accent4" accent5="accent5" accent6="accent6" hlink="hlink" folHlink="folHlink"/>
   <p:sldLayoutIdLst>
-    <p:sldLayoutId id="2147483649" r:id="rId1"/>
-    <p:sldLayoutId id="2147483650" r:id="rId2"/>
-    <p:sldLayoutId id="2147483651" r:id="rId3"/>
-    <p:sldLayoutId id="2147483652" r:id="rId4"/>
-    <p:sldLayoutId id="2147483653" r:id="rId5"/>
-    <p:sldLayoutId id="2147483654" r:id="rId6"/>
-    <p:sldLayoutId id="2147483655" r:id="rId7"/>
-    <p:sldLayoutId id="2147483656" r:id="rId8"/>
-    <p:sldLayoutId id="2147483657" r:id="rId9"/>
-    <p:sldLayoutId id="2147483660" r:id="rId10"/>
-    <p:sldLayoutId id="2147483661" r:id="rId11"/>
-    <p:sldLayoutId id="2147483666" r:id="rId12"/>
-    <p:sldLayoutId id="2147483663" r:id="rId13"/>
-    <p:sldLayoutId id="2147483667" r:id="rId14"/>
-    <p:sldLayoutId id="2147483668" r:id="rId15"/>
-    <p:sldLayoutId id="2147483658" r:id="rId16"/>
-    <p:sldLayoutId id="2147483659" r:id="rId17"/>
+    <p:sldLayoutId id="2147483670" r:id="rId1"/>
+    <p:sldLayoutId id="2147483671" r:id="rId2"/>
+    <p:sldLayoutId id="2147483672" r:id="rId3"/>
+    <p:sldLayoutId id="2147483673" r:id="rId4"/>
+    <p:sldLayoutId id="2147483674" r:id="rId5"/>
+    <p:sldLayoutId id="2147483675" r:id="rId6"/>
+    <p:sldLayoutId id="2147483676" r:id="rId7"/>
+    <p:sldLayoutId id="2147483677" r:id="rId8"/>
+    <p:sldLayoutId id="2147483678" r:id="rId9"/>
+    <p:sldLayoutId id="2147483679" r:id="rId10"/>
+    <p:sldLayoutId id="2147483680" r:id="rId11"/>
+    <p:sldLayoutId id="2147483681" r:id="rId12"/>
+    <p:sldLayoutId id="2147483682" r:id="rId13"/>
+    <p:sldLayoutId id="2147483683" r:id="rId14"/>
+    <p:sldLayoutId id="2147483684" r:id="rId15"/>
+    <p:sldLayoutId id="2147483685" r:id="rId16"/>
+    <p:sldLayoutId id="2147483686" r:id="rId17"/>
   </p:sldLayoutIdLst>
   <p:txStyles>
     <p:titleStyle>
-      <a:lvl1pPr algn="r" defTabSz="914400" rtl="0" eaLnBrk="1" latinLnBrk="0" hangingPunct="1">
-        <a:lnSpc>
-          <a:spcPct val="90000"/>
-        </a:lnSpc>
+      <a:lvl1pPr algn="ctr" defTabSz="457200" rtl="0" eaLnBrk="1" latinLnBrk="0" hangingPunct="1">
         <a:spcBef>
           <a:spcPct val="0"/>
         </a:spcBef>
         <a:buNone/>
-        <a:defRPr sz="4000" kern="1200" cap="all" baseline="0">
+        <a:defRPr sz="4400" kern="1200" cap="none">
+          <a:ln w="3175" cmpd="sng">
+            <a:noFill/>
+          </a:ln>
           <a:solidFill>
-            <a:schemeClr val="tx1"/>
+            <a:schemeClr val="tx1">
+              <a:lumMod val="85000"/>
+              <a:lumOff val="15000"/>
+            </a:schemeClr>
           </a:solidFill>
+          <a:effectLst/>
           <a:latin typeface="+mj-lt"/>
           <a:ea typeface="+mj-ea"/>
           <a:cs typeface="+mj-cs"/>
         </a:defRPr>
       </a:lvl1pPr>
+      <a:lvl2pPr eaLnBrk="1" hangingPunct="1">
+        <a:defRPr>
+          <a:solidFill>
+            <a:schemeClr val="tx2"/>
+          </a:solidFill>
+        </a:defRPr>
+      </a:lvl2pPr>
+      <a:lvl3pPr eaLnBrk="1" hangingPunct="1">
+        <a:defRPr>
+          <a:solidFill>
+            <a:schemeClr val="tx2"/>
+          </a:solidFill>
+        </a:defRPr>
+      </a:lvl3pPr>
+      <a:lvl4pPr eaLnBrk="1" hangingPunct="1">
+        <a:defRPr>
+          <a:solidFill>
+            <a:schemeClr val="tx2"/>
+          </a:solidFill>
+        </a:defRPr>
+      </a:lvl4pPr>
+      <a:lvl5pPr eaLnBrk="1" hangingPunct="1">
+        <a:defRPr>
+          <a:solidFill>
+            <a:schemeClr val="tx2"/>
+          </a:solidFill>
+        </a:defRPr>
+      </a:lvl5pPr>
+      <a:lvl6pPr eaLnBrk="1" hangingPunct="1">
+        <a:defRPr>
+          <a:solidFill>
+            <a:schemeClr val="tx2"/>
+          </a:solidFill>
+        </a:defRPr>
+      </a:lvl6pPr>
+      <a:lvl7pPr eaLnBrk="1" hangingPunct="1">
+        <a:defRPr>
+          <a:solidFill>
+            <a:schemeClr val="tx2"/>
+          </a:solidFill>
+        </a:defRPr>
+      </a:lvl7pPr>
+      <a:lvl8pPr eaLnBrk="1" hangingPunct="1">
+        <a:defRPr>
+          <a:solidFill>
+            <a:schemeClr val="tx2"/>
+          </a:solidFill>
+        </a:defRPr>
+      </a:lvl8pPr>
+      <a:lvl9pPr eaLnBrk="1" hangingPunct="1">
+        <a:defRPr>
+          <a:solidFill>
+            <a:schemeClr val="tx2"/>
+          </a:solidFill>
+        </a:defRPr>
+      </a:lvl9pPr>
     </p:titleStyle>
     <p:bodyStyle>
-      <a:lvl1pPr marL="228600" indent="-228600" algn="l" defTabSz="914400" rtl="0" eaLnBrk="1" latinLnBrk="0" hangingPunct="1">
-        <a:lnSpc>
-          <a:spcPct val="90000"/>
-        </a:lnSpc>
+      <a:lvl1pPr marL="285750" indent="-285750" algn="l" defTabSz="457200" rtl="0" eaLnBrk="1" latinLnBrk="0" hangingPunct="1">
         <a:spcBef>
-          <a:spcPts val="1000"/>
+          <a:spcPct val="20000"/>
         </a:spcBef>
-        <a:buFont typeface="Arial" panose="020B0604020202020204" pitchFamily="34" charset="0"/>
+        <a:spcAft>
+          <a:spcPts val="600"/>
+        </a:spcAft>
+        <a:buClr>
+          <a:schemeClr val="accent1"/>
+        </a:buClr>
+        <a:buSzPct val="115000"/>
+        <a:buFont typeface="Arial"/>
         <a:buChar char="•"/>
-        <a:defRPr sz="2200" kern="1200">
+        <a:defRPr sz="2400" kern="1200" cap="none">
           <a:solidFill>
-            <a:schemeClr val="tx1"/>
+            <a:schemeClr val="tx1">
+              <a:lumMod val="85000"/>
+              <a:lumOff val="15000"/>
+            </a:schemeClr>
           </a:solidFill>
+          <a:effectLst/>
           <a:latin typeface="+mn-lt"/>
           <a:ea typeface="+mn-ea"/>
           <a:cs typeface="+mn-cs"/>
         </a:defRPr>
       </a:lvl1pPr>
-      <a:lvl2pPr marL="685800" indent="-228600" algn="l" defTabSz="914400" rtl="0" eaLnBrk="1" latinLnBrk="0" hangingPunct="1">
-        <a:lnSpc>
-          <a:spcPct val="90000"/>
-        </a:lnSpc>
+      <a:lvl2pPr marL="742950" indent="-285750" algn="l" defTabSz="457200" rtl="0" eaLnBrk="1" latinLnBrk="0" hangingPunct="1">
         <a:spcBef>
-          <a:spcPts val="500"/>
+          <a:spcPct val="20000"/>
         </a:spcBef>
-        <a:buFont typeface="Arial" panose="020B0604020202020204" pitchFamily="34" charset="0"/>
+        <a:spcAft>
+          <a:spcPts val="600"/>
+        </a:spcAft>
+        <a:buClr>
+          <a:schemeClr val="accent1"/>
+        </a:buClr>
+        <a:buSzPct val="115000"/>
+        <a:buFont typeface="Arial"/>
         <a:buChar char="•"/>
-        <a:defRPr sz="2000" kern="1200">
+        <a:defRPr sz="2000" kern="1200" cap="none">
           <a:solidFill>
-            <a:schemeClr val="tx1"/>
+            <a:schemeClr val="tx1">
+              <a:lumMod val="85000"/>
+              <a:lumOff val="15000"/>
+            </a:schemeClr>
           </a:solidFill>
+          <a:effectLst/>
           <a:latin typeface="+mn-lt"/>
           <a:ea typeface="+mn-ea"/>
           <a:cs typeface="+mn-cs"/>
         </a:defRPr>
       </a:lvl2pPr>
-      <a:lvl3pPr marL="1143000" indent="-228600" algn="l" defTabSz="914400" rtl="0" eaLnBrk="1" latinLnBrk="0" hangingPunct="1">
-        <a:lnSpc>
-          <a:spcPct val="90000"/>
-        </a:lnSpc>
+      <a:lvl3pPr marL="1200150" indent="-285750" algn="l" defTabSz="457200" rtl="0" eaLnBrk="1" latinLnBrk="0" hangingPunct="1">
         <a:spcBef>
-          <a:spcPts val="500"/>
+          <a:spcPct val="20000"/>
         </a:spcBef>
-        <a:buFont typeface="Arial" panose="020B0604020202020204" pitchFamily="34" charset="0"/>
+        <a:spcAft>
+          <a:spcPts val="600"/>
+        </a:spcAft>
+        <a:buClr>
+          <a:schemeClr val="accent1"/>
+        </a:buClr>
+        <a:buSzPct val="115000"/>
+        <a:buFont typeface="Arial"/>
         <a:buChar char="•"/>
-        <a:defRPr sz="1800" kern="1200">
+        <a:defRPr sz="1800" kern="1200" cap="none">
           <a:solidFill>
-            <a:schemeClr val="tx1"/>
+            <a:schemeClr val="tx1">
+              <a:lumMod val="85000"/>
+              <a:lumOff val="15000"/>
+            </a:schemeClr>
           </a:solidFill>
+          <a:effectLst/>
           <a:latin typeface="+mn-lt"/>
           <a:ea typeface="+mn-ea"/>
           <a:cs typeface="+mn-cs"/>
         </a:defRPr>
       </a:lvl3pPr>
-      <a:lvl4pPr marL="1600200" indent="-228600" algn="l" defTabSz="914400" rtl="0" eaLnBrk="1" latinLnBrk="0" hangingPunct="1">
-        <a:lnSpc>
-          <a:spcPct val="90000"/>
-        </a:lnSpc>
+      <a:lvl4pPr marL="1543050" indent="-171450" algn="l" defTabSz="457200" rtl="0" eaLnBrk="1" latinLnBrk="0" hangingPunct="1">
         <a:spcBef>
-          <a:spcPts val="500"/>
+          <a:spcPct val="20000"/>
         </a:spcBef>
-        <a:buFont typeface="Arial" panose="020B0604020202020204" pitchFamily="34" charset="0"/>
+        <a:spcAft>
+          <a:spcPts val="600"/>
+        </a:spcAft>
+        <a:buClr>
+          <a:schemeClr val="accent1"/>
+        </a:buClr>
+        <a:buSzPct val="115000"/>
+        <a:buFont typeface="Arial"/>
         <a:buChar char="•"/>
-        <a:defRPr sz="1600" kern="1200">
+        <a:defRPr sz="1600" kern="1200" cap="none">
           <a:solidFill>
-            <a:schemeClr val="tx1"/>
+            <a:schemeClr val="tx1">
+              <a:lumMod val="85000"/>
+              <a:lumOff val="15000"/>
+            </a:schemeClr>
           </a:solidFill>
+          <a:effectLst/>
           <a:latin typeface="+mn-lt"/>
           <a:ea typeface="+mn-ea"/>
           <a:cs typeface="+mn-cs"/>
         </a:defRPr>
       </a:lvl4pPr>
-      <a:lvl5pPr marL="2057400" indent="-228600" algn="l" defTabSz="914400" rtl="0" eaLnBrk="1" latinLnBrk="0" hangingPunct="1">
-        <a:lnSpc>
-          <a:spcPct val="90000"/>
-        </a:lnSpc>
+      <a:lvl5pPr marL="2000250" indent="-171450" algn="l" defTabSz="457200" rtl="0" eaLnBrk="1" latinLnBrk="0" hangingPunct="1">
         <a:spcBef>
-          <a:spcPts val="500"/>
+          <a:spcPct val="20000"/>
         </a:spcBef>
-        <a:buFont typeface="Arial" panose="020B0604020202020204" pitchFamily="34" charset="0"/>
+        <a:spcAft>
+          <a:spcPts val="600"/>
+        </a:spcAft>
+        <a:buClr>
+          <a:schemeClr val="accent1"/>
+        </a:buClr>
+        <a:buSzPct val="115000"/>
+        <a:buFont typeface="Arial"/>
         <a:buChar char="•"/>
-        <a:defRPr sz="1600" kern="1200">
+        <a:defRPr sz="1400" kern="1200" cap="none">
           <a:solidFill>
-            <a:schemeClr val="tx1"/>
+            <a:schemeClr val="tx1">
+              <a:lumMod val="85000"/>
+              <a:lumOff val="15000"/>
+            </a:schemeClr>
           </a:solidFill>
+          <a:effectLst/>
           <a:latin typeface="+mn-lt"/>
           <a:ea typeface="+mn-ea"/>
           <a:cs typeface="+mn-cs"/>
         </a:defRPr>
       </a:lvl5pPr>
-      <a:lvl6pPr marL="2514600" indent="-228600" algn="l" defTabSz="914400" rtl="0" eaLnBrk="1" latinLnBrk="0" hangingPunct="1">
-        <a:lnSpc>
-          <a:spcPct val="90000"/>
-        </a:lnSpc>
+      <a:lvl6pPr marL="2514600" indent="-228600" algn="l" defTabSz="457200" rtl="0" eaLnBrk="1" latinLnBrk="0" hangingPunct="1">
         <a:spcBef>
-          <a:spcPts val="500"/>
+          <a:spcPct val="20000"/>
         </a:spcBef>
-        <a:buFont typeface="Arial" panose="020B0604020202020204" pitchFamily="34" charset="0"/>
+        <a:spcAft>
+          <a:spcPts val="600"/>
+        </a:spcAft>
+        <a:buClr>
+          <a:schemeClr val="accent1"/>
+        </a:buClr>
+        <a:buSzPct val="115000"/>
+        <a:buFont typeface="Arial"/>
         <a:buChar char="•"/>
-        <a:defRPr sz="1600" kern="1200">
+        <a:defRPr sz="1400" kern="1200" cap="none">
           <a:solidFill>
-            <a:schemeClr val="tx1"/>
+            <a:schemeClr val="tx1">
+              <a:lumMod val="85000"/>
+              <a:lumOff val="15000"/>
+            </a:schemeClr>
           </a:solidFill>
+          <a:effectLst/>
           <a:latin typeface="+mn-lt"/>
           <a:ea typeface="+mn-ea"/>
           <a:cs typeface="+mn-cs"/>
         </a:defRPr>
       </a:lvl6pPr>
-      <a:lvl7pPr marL="2971800" indent="-228600" algn="l" defTabSz="914400" rtl="0" eaLnBrk="1" latinLnBrk="0" hangingPunct="1">
-        <a:lnSpc>
-          <a:spcPct val="90000"/>
-        </a:lnSpc>
+      <a:lvl7pPr marL="2971800" indent="-228600" algn="l" defTabSz="457200" rtl="0" eaLnBrk="1" latinLnBrk="0" hangingPunct="1">
         <a:spcBef>
-          <a:spcPts val="500"/>
+          <a:spcPct val="20000"/>
         </a:spcBef>
-        <a:buFont typeface="Arial" panose="020B0604020202020204" pitchFamily="34" charset="0"/>
+        <a:spcAft>
+          <a:spcPts val="600"/>
+        </a:spcAft>
+        <a:buClr>
+          <a:schemeClr val="accent1"/>
+        </a:buClr>
+        <a:buSzPct val="115000"/>
+        <a:buFont typeface="Arial"/>
         <a:buChar char="•"/>
-        <a:defRPr sz="1600" kern="1200">
+        <a:defRPr sz="1400" kern="1200" cap="none">
           <a:solidFill>
-            <a:schemeClr val="tx1"/>
+            <a:schemeClr val="tx1">
+              <a:lumMod val="85000"/>
+              <a:lumOff val="15000"/>
+            </a:schemeClr>
           </a:solidFill>
+          <a:effectLst/>
           <a:latin typeface="+mn-lt"/>
           <a:ea typeface="+mn-ea"/>
           <a:cs typeface="+mn-cs"/>
         </a:defRPr>
       </a:lvl7pPr>
-      <a:lvl8pPr marL="3429000" indent="-228600" algn="l" defTabSz="914400" rtl="0" eaLnBrk="1" latinLnBrk="0" hangingPunct="1">
-        <a:lnSpc>
-          <a:spcPct val="90000"/>
-        </a:lnSpc>
+      <a:lvl8pPr marL="3429000" indent="-228600" algn="l" defTabSz="457200" rtl="0" eaLnBrk="1" latinLnBrk="0" hangingPunct="1">
         <a:spcBef>
-          <a:spcPts val="500"/>
+          <a:spcPct val="20000"/>
         </a:spcBef>
-        <a:buFont typeface="Arial" panose="020B0604020202020204" pitchFamily="34" charset="0"/>
+        <a:spcAft>
+          <a:spcPts val="600"/>
+        </a:spcAft>
+        <a:buClr>
+          <a:schemeClr val="accent1"/>
+        </a:buClr>
+        <a:buSzPct val="115000"/>
+        <a:buFont typeface="Arial"/>
         <a:buChar char="•"/>
-        <a:defRPr sz="1600" kern="1200">
+        <a:defRPr sz="1400" kern="1200" cap="none">
           <a:solidFill>
-            <a:schemeClr val="tx1"/>
+            <a:schemeClr val="tx1">
+              <a:lumMod val="85000"/>
+              <a:lumOff val="15000"/>
+            </a:schemeClr>
           </a:solidFill>
+          <a:effectLst/>
           <a:latin typeface="+mn-lt"/>
           <a:ea typeface="+mn-ea"/>
           <a:cs typeface="+mn-cs"/>
         </a:defRPr>
       </a:lvl8pPr>
-      <a:lvl9pPr marL="3886200" indent="-228600" algn="l" defTabSz="914400" rtl="0" eaLnBrk="1" latinLnBrk="0" hangingPunct="1">
-        <a:lnSpc>
-          <a:spcPct val="90000"/>
-        </a:lnSpc>
+      <a:lvl9pPr marL="3886200" indent="-228600" algn="l" defTabSz="457200" rtl="0" eaLnBrk="1" latinLnBrk="0" hangingPunct="1">
         <a:spcBef>
-          <a:spcPts val="500"/>
+          <a:spcPct val="20000"/>
         </a:spcBef>
-        <a:buFont typeface="Arial" panose="020B0604020202020204" pitchFamily="34" charset="0"/>
+        <a:spcAft>
+          <a:spcPts val="600"/>
+        </a:spcAft>
+        <a:buClr>
+          <a:schemeClr val="accent1"/>
+        </a:buClr>
+        <a:buSzPct val="115000"/>
+        <a:buFont typeface="Arial"/>
         <a:buChar char="•"/>
-        <a:defRPr sz="1600" kern="1200">
+        <a:defRPr sz="1400" kern="1200" cap="none">
           <a:solidFill>
-            <a:schemeClr val="tx1"/>
+            <a:schemeClr val="tx1">
+              <a:lumMod val="85000"/>
+              <a:lumOff val="15000"/>
+            </a:schemeClr>
           </a:solidFill>
+          <a:effectLst/>
           <a:latin typeface="+mn-lt"/>
           <a:ea typeface="+mn-ea"/>
           <a:cs typeface="+mn-cs"/>
@@ -5567,7 +5788,7 @@
       <a:defPPr>
         <a:defRPr lang="en-US"/>
       </a:defPPr>
-      <a:lvl1pPr marL="0" algn="l" defTabSz="914400" rtl="0" eaLnBrk="1" latinLnBrk="0" hangingPunct="1">
+      <a:lvl1pPr marL="0" algn="l" defTabSz="457200" rtl="0" eaLnBrk="1" latinLnBrk="0" hangingPunct="1">
         <a:defRPr sz="1800" kern="1200">
           <a:solidFill>
             <a:schemeClr val="tx1"/>
@@ -5577,7 +5798,7 @@
           <a:cs typeface="+mn-cs"/>
         </a:defRPr>
       </a:lvl1pPr>
-      <a:lvl2pPr marL="457200" algn="l" defTabSz="914400" rtl="0" eaLnBrk="1" latinLnBrk="0" hangingPunct="1">
+      <a:lvl2pPr marL="457200" algn="l" defTabSz="457200" rtl="0" eaLnBrk="1" latinLnBrk="0" hangingPunct="1">
         <a:defRPr sz="1800" kern="1200">
           <a:solidFill>
             <a:schemeClr val="tx1"/>
@@ -5587,7 +5808,7 @@
           <a:cs typeface="+mn-cs"/>
         </a:defRPr>
       </a:lvl2pPr>
-      <a:lvl3pPr marL="914400" algn="l" defTabSz="914400" rtl="0" eaLnBrk="1" latinLnBrk="0" hangingPunct="1">
+      <a:lvl3pPr marL="914400" algn="l" defTabSz="457200" rtl="0" eaLnBrk="1" latinLnBrk="0" hangingPunct="1">
         <a:defRPr sz="1800" kern="1200">
           <a:solidFill>
             <a:schemeClr val="tx1"/>
@@ -5597,7 +5818,7 @@
           <a:cs typeface="+mn-cs"/>
         </a:defRPr>
       </a:lvl3pPr>
-      <a:lvl4pPr marL="1371600" algn="l" defTabSz="914400" rtl="0" eaLnBrk="1" latinLnBrk="0" hangingPunct="1">
+      <a:lvl4pPr marL="1371600" algn="l" defTabSz="457200" rtl="0" eaLnBrk="1" latinLnBrk="0" hangingPunct="1">
         <a:defRPr sz="1800" kern="1200">
           <a:solidFill>
             <a:schemeClr val="tx1"/>
@@ -5607,7 +5828,7 @@
           <a:cs typeface="+mn-cs"/>
         </a:defRPr>
       </a:lvl4pPr>
-      <a:lvl5pPr marL="1828800" algn="l" defTabSz="914400" rtl="0" eaLnBrk="1" latinLnBrk="0" hangingPunct="1">
+      <a:lvl5pPr marL="1828800" algn="l" defTabSz="457200" rtl="0" eaLnBrk="1" latinLnBrk="0" hangingPunct="1">
         <a:defRPr sz="1800" kern="1200">
           <a:solidFill>
             <a:schemeClr val="tx1"/>
@@ -5617,7 +5838,7 @@
           <a:cs typeface="+mn-cs"/>
         </a:defRPr>
       </a:lvl5pPr>
-      <a:lvl6pPr marL="2286000" algn="l" defTabSz="914400" rtl="0" eaLnBrk="1" latinLnBrk="0" hangingPunct="1">
+      <a:lvl6pPr marL="2286000" algn="l" defTabSz="457200" rtl="0" eaLnBrk="1" latinLnBrk="0" hangingPunct="1">
         <a:defRPr sz="1800" kern="1200">
           <a:solidFill>
             <a:schemeClr val="tx1"/>
@@ -5627,7 +5848,7 @@
           <a:cs typeface="+mn-cs"/>
         </a:defRPr>
       </a:lvl6pPr>
-      <a:lvl7pPr marL="2743200" algn="l" defTabSz="914400" rtl="0" eaLnBrk="1" latinLnBrk="0" hangingPunct="1">
+      <a:lvl7pPr marL="2743200" algn="l" defTabSz="457200" rtl="0" eaLnBrk="1" latinLnBrk="0" hangingPunct="1">
         <a:defRPr sz="1800" kern="1200">
           <a:solidFill>
             <a:schemeClr val="tx1"/>
@@ -5637,7 +5858,7 @@
           <a:cs typeface="+mn-cs"/>
         </a:defRPr>
       </a:lvl7pPr>
-      <a:lvl8pPr marL="3200400" algn="l" defTabSz="914400" rtl="0" eaLnBrk="1" latinLnBrk="0" hangingPunct="1">
+      <a:lvl8pPr marL="3200400" algn="l" defTabSz="457200" rtl="0" eaLnBrk="1" latinLnBrk="0" hangingPunct="1">
         <a:defRPr sz="1800" kern="1200">
           <a:solidFill>
             <a:schemeClr val="tx1"/>
@@ -5647,7 +5868,7 @@
           <a:cs typeface="+mn-cs"/>
         </a:defRPr>
       </a:lvl8pPr>
-      <a:lvl9pPr marL="3657600" algn="l" defTabSz="914400" rtl="0" eaLnBrk="1" latinLnBrk="0" hangingPunct="1">
+      <a:lvl9pPr marL="3657600" algn="l" defTabSz="457200" rtl="0" eaLnBrk="1" latinLnBrk="0" hangingPunct="1">
         <a:defRPr sz="1800" kern="1200">
           <a:solidFill>
             <a:schemeClr val="tx1"/>
@@ -6098,7 +6319,9 @@
         </p:nvSpPr>
         <p:spPr/>
         <p:txBody>
-          <a:bodyPr/>
+          <a:bodyPr>
+            <a:normAutofit fontScale="92500" lnSpcReduction="10000"/>
+          </a:bodyPr>
           <a:lstStyle/>
           <a:p>
             <a:pPr marL="0" indent="0">
@@ -6426,7 +6649,9 @@
         </p:nvSpPr>
         <p:spPr/>
         <p:txBody>
-          <a:bodyPr/>
+          <a:bodyPr>
+            <a:normAutofit fontScale="92500" lnSpcReduction="10000"/>
+          </a:bodyPr>
           <a:lstStyle/>
           <a:p>
             <a:pPr>
@@ -6800,9 +7025,9 @@
 </file>
 
 <file path=ppt/theme/theme1.xml><?xml version="1.0" encoding="utf-8"?>
-<a:theme xmlns:a="http://schemas.openxmlformats.org/drawingml/2006/main" name="Vapor Trail">
+<a:theme xmlns:a="http://schemas.openxmlformats.org/drawingml/2006/main" name="Organic">
   <a:themeElements>
-    <a:clrScheme name="Vapor Trail">
+    <a:clrScheme name="Organic">
       <a:dk1>
         <a:sysClr val="windowText" lastClr="000000"/>
       </a:dk1>
@@ -6810,44 +7035,79 @@
         <a:sysClr val="window" lastClr="FFFFFF"/>
       </a:lt1>
       <a:dk2>
-        <a:srgbClr val="454545"/>
+        <a:srgbClr val="212121"/>
       </a:dk2>
       <a:lt2>
         <a:srgbClr val="DADADA"/>
       </a:lt2>
       <a:accent1>
-        <a:srgbClr val="E5224E"/>
+        <a:srgbClr val="83992A"/>
       </a:accent1>
       <a:accent2>
-        <a:srgbClr val="9D074E"/>
+        <a:srgbClr val="3C9770"/>
       </a:accent2>
       <a:accent3>
-        <a:srgbClr val="7F2294"/>
+        <a:srgbClr val="44709D"/>
       </a:accent3>
       <a:accent4>
-        <a:srgbClr val="8D65EA"/>
+        <a:srgbClr val="A23C33"/>
       </a:accent4>
       <a:accent5>
-        <a:srgbClr val="588FE2"/>
+        <a:srgbClr val="D97828"/>
       </a:accent5>
       <a:accent6>
-        <a:srgbClr val="127CA4"/>
+        <a:srgbClr val="DEB340"/>
       </a:accent6>
       <a:hlink>
-        <a:srgbClr val="FB4AB6"/>
+        <a:srgbClr val="A8BF4D"/>
       </a:hlink>
       <a:folHlink>
-        <a:srgbClr val="F98FE9"/>
+        <a:srgbClr val="B4CA80"/>
       </a:folHlink>
     </a:clrScheme>
-    <a:fontScheme name="Vapor Trail">
+    <a:fontScheme name="Organic">
       <a:majorFont>
-        <a:latin typeface="Century Gothic" panose="020B0502020202020204"/>
+        <a:latin typeface="Garamond" panose="02020404030301010803"/>
         <a:ea typeface=""/>
         <a:cs typeface=""/>
         <a:font script="Jpan" typeface="ＭＳ Ｐゴシック"/>
-        <a:font script="Hang" typeface="맑은 고딕"/>
-        <a:font script="Hans" typeface="宋体"/>
+        <a:font script="Hang" typeface="돋움"/>
+        <a:font script="Hans" typeface="方正舒体"/>
+        <a:font script="Hant" typeface="微軟正黑體"/>
+        <a:font script="Arab" typeface="Arial"/>
+        <a:font script="Hebr" typeface="Arial"/>
+        <a:font script="Thai" typeface="Cordia New"/>
+        <a:font script="Ethi" typeface="Nyala"/>
+        <a:font script="Beng" typeface="Vrinda"/>
+        <a:font script="Gujr" typeface="Shruti"/>
+        <a:font script="Khmr" typeface="DaunPenh"/>
+        <a:font script="Knda" typeface="Tunga"/>
+        <a:font script="Guru" typeface="Raavi"/>
+        <a:font script="Cans" typeface="Euphemia"/>
+        <a:font script="Cher" typeface="Plantagenet Cherokee"/>
+        <a:font script="Yiii" typeface="Microsoft Yi Baiti"/>
+        <a:font script="Tibt" typeface="Microsoft Himalaya"/>
+        <a:font script="Thaa" typeface="MV Boli"/>
+        <a:font script="Deva" typeface="Mangal"/>
+        <a:font script="Telu" typeface="Gautami"/>
+        <a:font script="Taml" typeface="Latha"/>
+        <a:font script="Syrc" typeface="Estrangelo Edessa"/>
+        <a:font script="Orya" typeface="Kalinga"/>
+        <a:font script="Mlym" typeface="Kartika"/>
+        <a:font script="Laoo" typeface="DokChampa"/>
+        <a:font script="Sinh" typeface="Iskoola Pota"/>
+        <a:font script="Mong" typeface="Mongolian Baiti"/>
+        <a:font script="Viet" typeface="Arial"/>
+        <a:font script="Uigh" typeface="Microsoft Uighur"/>
+        <a:font script="Geor" typeface="Sylfaen"/>
+      </a:majorFont>
+      <a:minorFont>
+        <a:latin typeface="Garamond" panose="02020404030301010803"/>
+        <a:ea typeface=""/>
+        <a:cs typeface=""/>
+        <a:font script="Jpan" typeface="ＭＳ Ｐ明朝"/>
+        <a:font script="Hang" typeface="바탕"/>
+        <a:font script="Hans" typeface="方正舒体"/>
         <a:font script="Hant" typeface="新細明體"/>
         <a:font script="Arab" typeface="Times New Roman"/>
         <a:font script="Hebr" typeface="Times New Roman"/>
@@ -6875,44 +7135,9 @@
         <a:font script="Viet" typeface="Times New Roman"/>
         <a:font script="Uigh" typeface="Microsoft Uighur"/>
         <a:font script="Geor" typeface="Sylfaen"/>
-      </a:majorFont>
-      <a:minorFont>
-        <a:latin typeface="Century Gothic" panose="020B0502020202020204"/>
-        <a:ea typeface=""/>
-        <a:cs typeface=""/>
-        <a:font script="Jpan" typeface="ＭＳ Ｐゴシック"/>
-        <a:font script="Hang" typeface="맑은 고딕"/>
-        <a:font script="Hans" typeface="宋体"/>
-        <a:font script="Hant" typeface="新細明體"/>
-        <a:font script="Arab" typeface="Arial"/>
-        <a:font script="Hebr" typeface="Arial"/>
-        <a:font script="Thai" typeface="Cordia New"/>
-        <a:font script="Ethi" typeface="Nyala"/>
-        <a:font script="Beng" typeface="Vrinda"/>
-        <a:font script="Gujr" typeface="Shruti"/>
-        <a:font script="Khmr" typeface="DaunPenh"/>
-        <a:font script="Knda" typeface="Tunga"/>
-        <a:font script="Guru" typeface="Raavi"/>
-        <a:font script="Cans" typeface="Euphemia"/>
-        <a:font script="Cher" typeface="Plantagenet Cherokee"/>
-        <a:font script="Yiii" typeface="Microsoft Yi Baiti"/>
-        <a:font script="Tibt" typeface="Microsoft Himalaya"/>
-        <a:font script="Thaa" typeface="MV Boli"/>
-        <a:font script="Deva" typeface="Mangal"/>
-        <a:font script="Telu" typeface="Gautami"/>
-        <a:font script="Taml" typeface="Latha"/>
-        <a:font script="Syrc" typeface="Estrangelo Edessa"/>
-        <a:font script="Orya" typeface="Kalinga"/>
-        <a:font script="Mlym" typeface="Kartika"/>
-        <a:font script="Laoo" typeface="DokChampa"/>
-        <a:font script="Sinh" typeface="Iskoola Pota"/>
-        <a:font script="Mong" typeface="Mongolian Baiti"/>
-        <a:font script="Viet" typeface="Arial"/>
-        <a:font script="Uigh" typeface="Microsoft Uighur"/>
-        <a:font script="Geor" typeface="Sylfaen"/>
       </a:minorFont>
     </a:fontScheme>
-    <a:fmtScheme name="Vapor Trail">
+    <a:fmtScheme name="Organic">
       <a:fillStyleLst>
         <a:solidFill>
           <a:schemeClr val="phClr"/>
@@ -6921,48 +7146,35 @@
           <a:gsLst>
             <a:gs pos="0">
               <a:schemeClr val="phClr">
-                <a:tint val="69000"/>
-                <a:alpha val="100000"/>
-                <a:satMod val="109000"/>
+                <a:tint val="60000"/>
                 <a:lumMod val="110000"/>
-              </a:schemeClr>
-            </a:gs>
-            <a:gs pos="52000">
-              <a:schemeClr val="phClr">
-                <a:tint val="74000"/>
-                <a:satMod val="100000"/>
-                <a:lumMod val="104000"/>
               </a:schemeClr>
             </a:gs>
             <a:gs pos="100000">
               <a:schemeClr val="phClr">
-                <a:tint val="78000"/>
-                <a:satMod val="100000"/>
-                <a:lumMod val="100000"/>
+                <a:tint val="82000"/>
               </a:schemeClr>
             </a:gs>
           </a:gsLst>
           <a:lin ang="5400000" scaled="0"/>
         </a:gradFill>
-        <a:gradFill rotWithShape="1">
-          <a:gsLst>
-            <a:gs pos="0">
+        <a:blipFill>
+          <a:blip xmlns:r="http://schemas.openxmlformats.org/officeDocument/2006/relationships" r:embed="rId1">
+            <a:duotone>
               <a:schemeClr val="phClr">
-                <a:tint val="96000"/>
-                <a:satMod val="100000"/>
+                <a:shade val="74000"/>
+                <a:satMod val="130000"/>
+                <a:lumMod val="90000"/>
+              </a:schemeClr>
+              <a:schemeClr val="phClr">
+                <a:tint val="94000"/>
+                <a:satMod val="120000"/>
                 <a:lumMod val="104000"/>
               </a:schemeClr>
-            </a:gs>
-            <a:gs pos="78000">
-              <a:schemeClr val="phClr">
-                <a:shade val="100000"/>
-                <a:satMod val="110000"/>
-                <a:lumMod val="100000"/>
-              </a:schemeClr>
-            </a:gs>
-          </a:gsLst>
-          <a:lin ang="5400000" scaled="0"/>
-        </a:gradFill>
+            </a:duotone>
+          </a:blip>
+          <a:tile tx="0" ty="0" sx="100000" sy="100000" flip="none" algn="tl"/>
+        </a:blipFill>
       </a:fillStyleLst>
       <a:lnStyleLst>
         <a:ln w="9525" cap="flat" cmpd="sng" algn="ctr">
@@ -6971,13 +7183,13 @@
           </a:solidFill>
           <a:prstDash val="solid"/>
         </a:ln>
-        <a:ln w="12700" cap="flat" cmpd="sng" algn="ctr">
+        <a:ln w="15875" cap="flat" cmpd="sng" algn="ctr">
           <a:solidFill>
             <a:schemeClr val="phClr"/>
           </a:solidFill>
           <a:prstDash val="solid"/>
         </a:ln>
-        <a:ln w="19050" cap="flat" cmpd="sng" algn="ctr">
+        <a:ln w="25400" cap="flat" cmpd="sng" algn="ctr">
           <a:solidFill>
             <a:schemeClr val="phClr"/>
           </a:solidFill>
@@ -6989,73 +7201,49 @@
           <a:effectLst/>
         </a:effectStyle>
         <a:effectStyle>
-          <a:effectLst/>
-          <a:scene3d>
-            <a:camera prst="orthographicFront">
-              <a:rot lat="0" lon="0" rev="0"/>
-            </a:camera>
-            <a:lightRig rig="threePt" dir="t"/>
-          </a:scene3d>
-          <a:sp3d>
-            <a:bevelT w="25400" h="12700"/>
-          </a:sp3d>
+          <a:effectLst>
+            <a:innerShdw blurRad="25400" dist="12700" dir="13500000">
+              <a:srgbClr val="000000">
+                <a:alpha val="45000"/>
+              </a:srgbClr>
+            </a:innerShdw>
+          </a:effectLst>
         </a:effectStyle>
         <a:effectStyle>
           <a:effectLst>
-            <a:outerShdw blurRad="57150" dist="19050" dir="5400000" algn="ctr" rotWithShape="0">
+            <a:outerShdw blurRad="38100" dist="25400" dir="5400000" rotWithShape="0">
               <a:srgbClr val="000000">
-                <a:alpha val="48000"/>
+                <a:alpha val="60000"/>
               </a:srgbClr>
             </a:outerShdw>
           </a:effectLst>
-          <a:scene3d>
-            <a:camera prst="orthographicFront">
-              <a:rot lat="0" lon="0" rev="0"/>
-            </a:camera>
-            <a:lightRig rig="threePt" dir="t"/>
-          </a:scene3d>
-          <a:sp3d>
-            <a:bevelT w="50800" h="25400"/>
-          </a:sp3d>
         </a:effectStyle>
       </a:effectStyleLst>
       <a:bgFillStyleLst>
         <a:solidFill>
           <a:schemeClr val="phClr"/>
         </a:solidFill>
-        <a:solidFill>
-          <a:schemeClr val="phClr">
-            <a:tint val="95000"/>
-            <a:satMod val="170000"/>
-          </a:schemeClr>
-        </a:solidFill>
         <a:gradFill rotWithShape="1">
           <a:gsLst>
             <a:gs pos="0">
               <a:schemeClr val="phClr">
-                <a:tint val="93000"/>
-                <a:shade val="98000"/>
-                <a:satMod val="150000"/>
-                <a:lumMod val="102000"/>
-              </a:schemeClr>
-            </a:gs>
-            <a:gs pos="50000">
-              <a:schemeClr val="phClr">
-                <a:tint val="98000"/>
-                <a:shade val="90000"/>
-                <a:satMod val="130000"/>
-                <a:lumMod val="103000"/>
+                <a:tint val="90000"/>
+                <a:lumMod val="110000"/>
               </a:schemeClr>
             </a:gs>
             <a:gs pos="100000">
               <a:schemeClr val="phClr">
-                <a:shade val="63000"/>
-                <a:satMod val="120000"/>
+                <a:shade val="88000"/>
+                <a:lumMod val="98000"/>
               </a:schemeClr>
             </a:gs>
           </a:gsLst>
           <a:lin ang="5400000" scaled="0"/>
         </a:gradFill>
+        <a:blipFill>
+          <a:blip xmlns:r="http://schemas.openxmlformats.org/officeDocument/2006/relationships" r:embed="rId2"/>
+          <a:stretch/>
+        </a:blipFill>
       </a:bgFillStyleLst>
     </a:fmtScheme>
   </a:themeElements>
@@ -7063,7 +7251,7 @@
   <a:extraClrSchemeLst/>
   <a:extLst>
     <a:ext uri="{05A4C25C-085E-4340-85A3-A5531E510DB2}">
-      <thm15:themeFamily xmlns:thm15="http://schemas.microsoft.com/office/thememl/2012/main" name="Vapor Trail" id="{4FDF2955-7D9C-493C-B9F9-C205151B46CD}" vid="{6DB8EB18-3657-4051-A897-2ED38832359E}"/>
+      <thm15:themeFamily xmlns:thm15="http://schemas.microsoft.com/office/thememl/2012/main" name="Organic" id="{28CDC826-8792-45C0-861B-85EB3ADEDA33}" vid="{7DAC20F1-423D-49E2-BD0B-50532748BAD0}"/>
     </a:ext>
   </a:extLst>
 </a:theme>
